--- a/software/Ch_3_rules.pptx
+++ b/software/Ch_3_rules.pptx
@@ -5,51 +5,50 @@
     <p:sldMasterId id="2147483665" r:id="rId1"/>
   </p:sldMasterIdLst>
   <p:notesMasterIdLst>
-    <p:notesMasterId r:id="rId44"/>
+    <p:notesMasterId r:id="rId43"/>
   </p:notesMasterIdLst>
   <p:sldIdLst>
     <p:sldId id="256" r:id="rId2"/>
     <p:sldId id="382" r:id="rId3"/>
     <p:sldId id="302" r:id="rId4"/>
     <p:sldId id="313" r:id="rId5"/>
-    <p:sldId id="316" r:id="rId6"/>
-    <p:sldId id="1179" r:id="rId7"/>
-    <p:sldId id="1175" r:id="rId8"/>
-    <p:sldId id="1217" r:id="rId9"/>
-    <p:sldId id="1176" r:id="rId10"/>
-    <p:sldId id="1206" r:id="rId11"/>
-    <p:sldId id="1182" r:id="rId12"/>
-    <p:sldId id="1188" r:id="rId13"/>
-    <p:sldId id="1180" r:id="rId14"/>
-    <p:sldId id="1184" r:id="rId15"/>
-    <p:sldId id="1183" r:id="rId16"/>
-    <p:sldId id="1187" r:id="rId17"/>
-    <p:sldId id="1185" r:id="rId18"/>
-    <p:sldId id="1186" r:id="rId19"/>
-    <p:sldId id="1207" r:id="rId20"/>
-    <p:sldId id="1189" r:id="rId21"/>
-    <p:sldId id="1190" r:id="rId22"/>
-    <p:sldId id="1204" r:id="rId23"/>
-    <p:sldId id="1205" r:id="rId24"/>
-    <p:sldId id="1208" r:id="rId25"/>
-    <p:sldId id="1194" r:id="rId26"/>
-    <p:sldId id="1197" r:id="rId27"/>
-    <p:sldId id="1198" r:id="rId28"/>
-    <p:sldId id="1199" r:id="rId29"/>
-    <p:sldId id="1200" r:id="rId30"/>
-    <p:sldId id="1201" r:id="rId31"/>
-    <p:sldId id="1202" r:id="rId32"/>
-    <p:sldId id="1209" r:id="rId33"/>
-    <p:sldId id="1212" r:id="rId34"/>
-    <p:sldId id="1203" r:id="rId35"/>
-    <p:sldId id="1195" r:id="rId36"/>
-    <p:sldId id="1210" r:id="rId37"/>
-    <p:sldId id="1211" r:id="rId38"/>
-    <p:sldId id="1213" r:id="rId39"/>
-    <p:sldId id="1214" r:id="rId40"/>
-    <p:sldId id="1216" r:id="rId41"/>
-    <p:sldId id="1215" r:id="rId42"/>
-    <p:sldId id="381" r:id="rId43"/>
+    <p:sldId id="1179" r:id="rId6"/>
+    <p:sldId id="1175" r:id="rId7"/>
+    <p:sldId id="1217" r:id="rId8"/>
+    <p:sldId id="1176" r:id="rId9"/>
+    <p:sldId id="1206" r:id="rId10"/>
+    <p:sldId id="1182" r:id="rId11"/>
+    <p:sldId id="1188" r:id="rId12"/>
+    <p:sldId id="1180" r:id="rId13"/>
+    <p:sldId id="1184" r:id="rId14"/>
+    <p:sldId id="1183" r:id="rId15"/>
+    <p:sldId id="1187" r:id="rId16"/>
+    <p:sldId id="1185" r:id="rId17"/>
+    <p:sldId id="1186" r:id="rId18"/>
+    <p:sldId id="1207" r:id="rId19"/>
+    <p:sldId id="1189" r:id="rId20"/>
+    <p:sldId id="1190" r:id="rId21"/>
+    <p:sldId id="1204" r:id="rId22"/>
+    <p:sldId id="1205" r:id="rId23"/>
+    <p:sldId id="1208" r:id="rId24"/>
+    <p:sldId id="1194" r:id="rId25"/>
+    <p:sldId id="1197" r:id="rId26"/>
+    <p:sldId id="1198" r:id="rId27"/>
+    <p:sldId id="1199" r:id="rId28"/>
+    <p:sldId id="1200" r:id="rId29"/>
+    <p:sldId id="1201" r:id="rId30"/>
+    <p:sldId id="1202" r:id="rId31"/>
+    <p:sldId id="1209" r:id="rId32"/>
+    <p:sldId id="1212" r:id="rId33"/>
+    <p:sldId id="1203" r:id="rId34"/>
+    <p:sldId id="1195" r:id="rId35"/>
+    <p:sldId id="1210" r:id="rId36"/>
+    <p:sldId id="1211" r:id="rId37"/>
+    <p:sldId id="1213" r:id="rId38"/>
+    <p:sldId id="1214" r:id="rId39"/>
+    <p:sldId id="1216" r:id="rId40"/>
+    <p:sldId id="1215" r:id="rId41"/>
+    <p:sldId id="381" r:id="rId42"/>
   </p:sldIdLst>
   <p:sldSz cx="9144000" cy="6858000" type="screen4x3"/>
   <p:notesSz cx="6858000" cy="9144000"/>
@@ -7949,13 +7948,12 @@
           <a:bodyPr/>
           <a:lstStyle/>
           <a:p>
-            <a:pPr algn="l"/>
             <a:r>
               <a:rPr lang="zh-CN" altLang="en-US" b="1" dirty="0">
                 <a:latin typeface="Adobe 黑体 Std R" panose="020B0400000000000000" pitchFamily="34" charset="-122"/>
                 <a:ea typeface="Adobe 黑体 Std R" panose="020B0400000000000000" pitchFamily="34" charset="-122"/>
               </a:rPr>
-              <a:t>目录</a:t>
+              <a:t>为什么要有文档</a:t>
             </a:r>
           </a:p>
         </p:txBody>
@@ -7976,72 +7974,101 @@
           <a:lstStyle/>
           <a:p>
             <a:r>
-              <a:rPr lang="en-US" altLang="zh-CN" b="1" dirty="0"/>
-              <a:t>3.1</a:t>
-            </a:r>
-            <a:r>
-              <a:rPr lang="zh-CN" altLang="zh-CN" b="1" dirty="0"/>
-              <a:t>开发规范的重要性</a:t>
-            </a:r>
-          </a:p>
-          <a:p>
-            <a:r>
-              <a:rPr lang="en-US" altLang="zh-CN" b="1" dirty="0">
+              <a:rPr lang="zh-CN" altLang="en-US" b="1" dirty="0">
+                <a:latin typeface="Adobe 楷体 Std R" panose="02020400000000000000" pitchFamily="18" charset="-122"/>
+                <a:ea typeface="Adobe 楷体 Std R" panose="02020400000000000000" pitchFamily="18" charset="-122"/>
+              </a:rPr>
+              <a:t>理解问题本身是有分歧的</a:t>
+            </a:r>
+            <a:endParaRPr lang="en-US" altLang="zh-CN" b="1" dirty="0">
+              <a:latin typeface="Adobe 楷体 Std R" panose="02020400000000000000" pitchFamily="18" charset="-122"/>
+              <a:ea typeface="Adobe 楷体 Std R" panose="02020400000000000000" pitchFamily="18" charset="-122"/>
+            </a:endParaRPr>
+          </a:p>
+          <a:p>
+            <a:r>
+              <a:rPr lang="zh-CN" altLang="en-US" b="1" dirty="0">
+                <a:latin typeface="Adobe 楷体 Std R" panose="02020400000000000000" pitchFamily="18" charset="-122"/>
+                <a:ea typeface="Adobe 楷体 Std R" panose="02020400000000000000" pitchFamily="18" charset="-122"/>
+              </a:rPr>
+              <a:t>语言本身会有歧义</a:t>
+            </a:r>
+            <a:endParaRPr lang="en-US" altLang="zh-CN" b="1" dirty="0">
+              <a:latin typeface="Adobe 楷体 Std R" panose="02020400000000000000" pitchFamily="18" charset="-122"/>
+              <a:ea typeface="Adobe 楷体 Std R" panose="02020400000000000000" pitchFamily="18" charset="-122"/>
+            </a:endParaRPr>
+          </a:p>
+          <a:p>
+            <a:r>
+              <a:rPr lang="zh-CN" altLang="en-US" b="1" dirty="0">
+                <a:latin typeface="Adobe 楷体 Std R" panose="02020400000000000000" pitchFamily="18" charset="-122"/>
+                <a:ea typeface="Adobe 楷体 Std R" panose="02020400000000000000" pitchFamily="18" charset="-122"/>
+              </a:rPr>
+              <a:t>形成文档是达成共识的过程</a:t>
+            </a:r>
+            <a:endParaRPr lang="en-US" altLang="zh-CN" b="1" dirty="0">
+              <a:latin typeface="Adobe 楷体 Std R" panose="02020400000000000000" pitchFamily="18" charset="-122"/>
+              <a:ea typeface="Adobe 楷体 Std R" panose="02020400000000000000" pitchFamily="18" charset="-122"/>
+            </a:endParaRPr>
+          </a:p>
+          <a:p>
+            <a:r>
+              <a:rPr lang="zh-CN" altLang="en-US" b="1" dirty="0">
+                <a:latin typeface="Adobe 楷体 Std R" panose="02020400000000000000" pitchFamily="18" charset="-122"/>
+                <a:ea typeface="Adobe 楷体 Std R" panose="02020400000000000000" pitchFamily="18" charset="-122"/>
+              </a:rPr>
+              <a:t>文档记录达成的共识</a:t>
+            </a:r>
+            <a:endParaRPr lang="en-US" altLang="zh-CN" b="1" dirty="0">
+              <a:latin typeface="Adobe 楷体 Std R" panose="02020400000000000000" pitchFamily="18" charset="-122"/>
+              <a:ea typeface="Adobe 楷体 Std R" panose="02020400000000000000" pitchFamily="18" charset="-122"/>
+            </a:endParaRPr>
+          </a:p>
+          <a:p>
+            <a:r>
+              <a:rPr lang="zh-CN" altLang="en-US" b="1" dirty="0">
+                <a:latin typeface="Adobe 楷体 Std R" panose="02020400000000000000" pitchFamily="18" charset="-122"/>
+                <a:ea typeface="Adobe 楷体 Std R" panose="02020400000000000000" pitchFamily="18" charset="-122"/>
+              </a:rPr>
+              <a:t>文档记录达成共识的过程</a:t>
+            </a:r>
+            <a:endParaRPr lang="en-US" altLang="zh-CN" b="1" dirty="0">
+              <a:latin typeface="Adobe 楷体 Std R" panose="02020400000000000000" pitchFamily="18" charset="-122"/>
+              <a:ea typeface="Adobe 楷体 Std R" panose="02020400000000000000" pitchFamily="18" charset="-122"/>
+            </a:endParaRPr>
+          </a:p>
+          <a:p>
+            <a:r>
+              <a:rPr lang="zh-CN" altLang="en-US" b="1" dirty="0">
+                <a:latin typeface="Adobe 楷体 Std R" panose="02020400000000000000" pitchFamily="18" charset="-122"/>
+                <a:ea typeface="Adobe 楷体 Std R" panose="02020400000000000000" pitchFamily="18" charset="-122"/>
+              </a:rPr>
+              <a:t>需求会</a:t>
+            </a:r>
+            <a:r>
+              <a:rPr lang="zh-CN" altLang="en-US" b="1" dirty="0">
                 <a:solidFill>
                   <a:srgbClr val="FF0000"/>
                 </a:solidFill>
-              </a:rPr>
-              <a:t>3.2</a:t>
-            </a:r>
-            <a:r>
-              <a:rPr lang="zh-CN" altLang="zh-CN" b="1" dirty="0">
-                <a:solidFill>
-                  <a:srgbClr val="FF0000"/>
-                </a:solidFill>
-              </a:rPr>
-              <a:t>文档规范</a:t>
-            </a:r>
-          </a:p>
-          <a:p>
-            <a:r>
-              <a:rPr lang="en-US" altLang="zh-CN" b="1" dirty="0"/>
-              <a:t>3.3</a:t>
-            </a:r>
-            <a:r>
-              <a:rPr lang="zh-CN" altLang="zh-CN" b="1" dirty="0"/>
-              <a:t>编程规范</a:t>
-            </a:r>
-            <a:endParaRPr lang="en-US" altLang="zh-CN" b="1" dirty="0"/>
-          </a:p>
-          <a:p>
-            <a:r>
-              <a:rPr lang="en-US" altLang="zh-CN" b="1" dirty="0"/>
-              <a:t>3.4</a:t>
-            </a:r>
-            <a:r>
-              <a:rPr lang="zh-CN" altLang="zh-CN" b="1" dirty="0"/>
-              <a:t>流程规范</a:t>
-            </a:r>
-          </a:p>
-          <a:p>
-            <a:r>
-              <a:rPr lang="en-US" altLang="zh-CN" b="1" dirty="0"/>
-              <a:t>3.5</a:t>
-            </a:r>
-            <a:r>
-              <a:rPr lang="zh-CN" altLang="zh-CN" b="1" dirty="0"/>
-              <a:t>敏捷</a:t>
-            </a:r>
-          </a:p>
-          <a:p>
-            <a:endParaRPr lang="zh-CN" altLang="en-US" dirty="0"/>
+                <a:latin typeface="Adobe 楷体 Std R" panose="02020400000000000000" pitchFamily="18" charset="-122"/>
+                <a:ea typeface="Adobe 楷体 Std R" panose="02020400000000000000" pitchFamily="18" charset="-122"/>
+              </a:rPr>
+              <a:t>经常</a:t>
+            </a:r>
+            <a:r>
+              <a:rPr lang="zh-CN" altLang="en-US" b="1" dirty="0">
+                <a:latin typeface="Adobe 楷体 Std R" panose="02020400000000000000" pitchFamily="18" charset="-122"/>
+                <a:ea typeface="Adobe 楷体 Std R" panose="02020400000000000000" pitchFamily="18" charset="-122"/>
+              </a:rPr>
+              <a:t>发生变更</a:t>
+            </a:r>
           </a:p>
         </p:txBody>
       </p:sp>
     </p:spTree>
     <p:extLst>
       <p:ext uri="{BB962C8B-B14F-4D97-AF65-F5344CB8AC3E}">
-        <p14:creationId xmlns:p14="http://schemas.microsoft.com/office/powerpoint/2010/main" val="699405458"/>
+        <p14:creationId xmlns:p14="http://schemas.microsoft.com/office/powerpoint/2010/main" val="166041393"/>
       </p:ext>
     </p:extLst>
   </p:cSld>
@@ -8088,7 +8115,7 @@
                 <a:latin typeface="Adobe 黑体 Std R" panose="020B0400000000000000" pitchFamily="34" charset="-122"/>
                 <a:ea typeface="Adobe 黑体 Std R" panose="020B0400000000000000" pitchFamily="34" charset="-122"/>
               </a:rPr>
-              <a:t>为什么要有文档</a:t>
+              <a:t>需求发生变更的原因</a:t>
             </a:r>
           </a:p>
         </p:txBody>
@@ -8113,7 +8140,7 @@
                 <a:latin typeface="Adobe 楷体 Std R" panose="02020400000000000000" pitchFamily="18" charset="-122"/>
                 <a:ea typeface="Adobe 楷体 Std R" panose="02020400000000000000" pitchFamily="18" charset="-122"/>
               </a:rPr>
-              <a:t>理解问题本身是有分歧的</a:t>
+              <a:t>需求会逐渐更明确</a:t>
             </a:r>
             <a:endParaRPr lang="en-US" altLang="zh-CN" b="1" dirty="0">
               <a:latin typeface="Adobe 楷体 Std R" panose="02020400000000000000" pitchFamily="18" charset="-122"/>
@@ -8126,7 +8153,7 @@
                 <a:latin typeface="Adobe 楷体 Std R" panose="02020400000000000000" pitchFamily="18" charset="-122"/>
                 <a:ea typeface="Adobe 楷体 Std R" panose="02020400000000000000" pitchFamily="18" charset="-122"/>
               </a:rPr>
-              <a:t>语言本身会有歧义</a:t>
+              <a:t>随着产品研究深入，会有进一步的使用需求产生</a:t>
             </a:r>
             <a:endParaRPr lang="en-US" altLang="zh-CN" b="1" dirty="0">
               <a:latin typeface="Adobe 楷体 Std R" panose="02020400000000000000" pitchFamily="18" charset="-122"/>
@@ -8139,7 +8166,7 @@
                 <a:latin typeface="Adobe 楷体 Std R" panose="02020400000000000000" pitchFamily="18" charset="-122"/>
                 <a:ea typeface="Adobe 楷体 Std R" panose="02020400000000000000" pitchFamily="18" charset="-122"/>
               </a:rPr>
-              <a:t>形成文档是达成共识的过程</a:t>
+              <a:t>需求整理过程中，对原有业务进行了重新规划</a:t>
             </a:r>
             <a:endParaRPr lang="en-US" altLang="zh-CN" b="1" dirty="0">
               <a:latin typeface="Adobe 楷体 Std R" panose="02020400000000000000" pitchFamily="18" charset="-122"/>
@@ -8152,7 +8179,7 @@
                 <a:latin typeface="Adobe 楷体 Std R" panose="02020400000000000000" pitchFamily="18" charset="-122"/>
                 <a:ea typeface="Adobe 楷体 Std R" panose="02020400000000000000" pitchFamily="18" charset="-122"/>
               </a:rPr>
-              <a:t>文档记录达成的共识</a:t>
+              <a:t>需求人员能力不足</a:t>
             </a:r>
             <a:endParaRPr lang="en-US" altLang="zh-CN" b="1" dirty="0">
               <a:latin typeface="Adobe 楷体 Std R" panose="02020400000000000000" pitchFamily="18" charset="-122"/>
@@ -8161,49 +8188,23 @@
           </a:p>
           <a:p>
             <a:r>
-              <a:rPr lang="zh-CN" altLang="en-US" b="1" dirty="0">
+              <a:rPr lang="en-US" altLang="zh-CN" b="1" dirty="0">
                 <a:latin typeface="Adobe 楷体 Std R" panose="02020400000000000000" pitchFamily="18" charset="-122"/>
                 <a:ea typeface="Adobe 楷体 Std R" panose="02020400000000000000" pitchFamily="18" charset="-122"/>
               </a:rPr>
-              <a:t>文档记录达成共识的过程</a:t>
-            </a:r>
-            <a:endParaRPr lang="en-US" altLang="zh-CN" b="1" dirty="0">
+              <a:t>……</a:t>
+            </a:r>
+            <a:endParaRPr lang="zh-CN" altLang="en-US" b="1" dirty="0">
               <a:latin typeface="Adobe 楷体 Std R" panose="02020400000000000000" pitchFamily="18" charset="-122"/>
               <a:ea typeface="Adobe 楷体 Std R" panose="02020400000000000000" pitchFamily="18" charset="-122"/>
             </a:endParaRPr>
           </a:p>
-          <a:p>
-            <a:r>
-              <a:rPr lang="zh-CN" altLang="en-US" b="1" dirty="0">
-                <a:latin typeface="Adobe 楷体 Std R" panose="02020400000000000000" pitchFamily="18" charset="-122"/>
-                <a:ea typeface="Adobe 楷体 Std R" panose="02020400000000000000" pitchFamily="18" charset="-122"/>
-              </a:rPr>
-              <a:t>需求会</a:t>
-            </a:r>
-            <a:r>
-              <a:rPr lang="zh-CN" altLang="en-US" b="1" dirty="0">
-                <a:solidFill>
-                  <a:srgbClr val="FF0000"/>
-                </a:solidFill>
-                <a:latin typeface="Adobe 楷体 Std R" panose="02020400000000000000" pitchFamily="18" charset="-122"/>
-                <a:ea typeface="Adobe 楷体 Std R" panose="02020400000000000000" pitchFamily="18" charset="-122"/>
-              </a:rPr>
-              <a:t>经常</a:t>
-            </a:r>
-            <a:r>
-              <a:rPr lang="zh-CN" altLang="en-US" b="1" dirty="0">
-                <a:latin typeface="Adobe 楷体 Std R" panose="02020400000000000000" pitchFamily="18" charset="-122"/>
-                <a:ea typeface="Adobe 楷体 Std R" panose="02020400000000000000" pitchFamily="18" charset="-122"/>
-              </a:rPr>
-              <a:t>发生变更</a:t>
-            </a:r>
-          </a:p>
         </p:txBody>
       </p:sp>
     </p:spTree>
     <p:extLst>
       <p:ext uri="{BB962C8B-B14F-4D97-AF65-F5344CB8AC3E}">
-        <p14:creationId xmlns:p14="http://schemas.microsoft.com/office/powerpoint/2010/main" val="166041393"/>
+        <p14:creationId xmlns:p14="http://schemas.microsoft.com/office/powerpoint/2010/main" val="1432168599"/>
       </p:ext>
     </p:extLst>
   </p:cSld>
@@ -8250,7 +8251,7 @@
                 <a:latin typeface="Adobe 黑体 Std R" panose="020B0400000000000000" pitchFamily="34" charset="-122"/>
                 <a:ea typeface="Adobe 黑体 Std R" panose="020B0400000000000000" pitchFamily="34" charset="-122"/>
               </a:rPr>
-              <a:t>需求发生变更的原因</a:t>
+              <a:t>文档规范</a:t>
             </a:r>
           </a:p>
         </p:txBody>
@@ -8275,7 +8276,7 @@
                 <a:latin typeface="Adobe 楷体 Std R" panose="02020400000000000000" pitchFamily="18" charset="-122"/>
                 <a:ea typeface="Adobe 楷体 Std R" panose="02020400000000000000" pitchFamily="18" charset="-122"/>
               </a:rPr>
-              <a:t>需求会逐渐更明确</a:t>
+              <a:t>规范文档的种类</a:t>
             </a:r>
             <a:endParaRPr lang="en-US" altLang="zh-CN" b="1" dirty="0">
               <a:latin typeface="Adobe 楷体 Std R" panose="02020400000000000000" pitchFamily="18" charset="-122"/>
@@ -8288,7 +8289,7 @@
                 <a:latin typeface="Adobe 楷体 Std R" panose="02020400000000000000" pitchFamily="18" charset="-122"/>
                 <a:ea typeface="Adobe 楷体 Std R" panose="02020400000000000000" pitchFamily="18" charset="-122"/>
               </a:rPr>
-              <a:t>随着产品研究深入，会有进一步的使用需求产生</a:t>
+              <a:t>规范文档的格式</a:t>
             </a:r>
             <a:endParaRPr lang="en-US" altLang="zh-CN" b="1" dirty="0">
               <a:latin typeface="Adobe 楷体 Std R" panose="02020400000000000000" pitchFamily="18" charset="-122"/>
@@ -8301,7 +8302,7 @@
                 <a:latin typeface="Adobe 楷体 Std R" panose="02020400000000000000" pitchFamily="18" charset="-122"/>
                 <a:ea typeface="Adobe 楷体 Std R" panose="02020400000000000000" pitchFamily="18" charset="-122"/>
               </a:rPr>
-              <a:t>需求整理过程中，对原有业务进行了重新规划</a:t>
+              <a:t>规范文档的内容</a:t>
             </a:r>
             <a:endParaRPr lang="en-US" altLang="zh-CN" b="1" dirty="0">
               <a:latin typeface="Adobe 楷体 Std R" panose="02020400000000000000" pitchFamily="18" charset="-122"/>
@@ -8314,7 +8315,7 @@
                 <a:latin typeface="Adobe 楷体 Std R" panose="02020400000000000000" pitchFamily="18" charset="-122"/>
                 <a:ea typeface="Adobe 楷体 Std R" panose="02020400000000000000" pitchFamily="18" charset="-122"/>
               </a:rPr>
-              <a:t>需求人员能力不足</a:t>
+              <a:t>规范文档的内容变动</a:t>
             </a:r>
             <a:endParaRPr lang="en-US" altLang="zh-CN" b="1" dirty="0">
               <a:latin typeface="Adobe 楷体 Std R" panose="02020400000000000000" pitchFamily="18" charset="-122"/>
@@ -8323,23 +8324,26 @@
           </a:p>
           <a:p>
             <a:r>
-              <a:rPr lang="en-US" altLang="zh-CN" b="1" dirty="0">
+              <a:rPr lang="zh-CN" altLang="en-US" b="1" dirty="0">
                 <a:latin typeface="Adobe 楷体 Std R" panose="02020400000000000000" pitchFamily="18" charset="-122"/>
                 <a:ea typeface="Adobe 楷体 Std R" panose="02020400000000000000" pitchFamily="18" charset="-122"/>
               </a:rPr>
-              <a:t>……</a:t>
-            </a:r>
-            <a:endParaRPr lang="zh-CN" altLang="en-US" b="1" dirty="0">
+              <a:t>规范文档的管理办法</a:t>
+            </a:r>
+            <a:endParaRPr lang="en-US" altLang="zh-CN" b="1" dirty="0">
               <a:latin typeface="Adobe 楷体 Std R" panose="02020400000000000000" pitchFamily="18" charset="-122"/>
               <a:ea typeface="Adobe 楷体 Std R" panose="02020400000000000000" pitchFamily="18" charset="-122"/>
             </a:endParaRPr>
           </a:p>
+          <a:p>
+            <a:endParaRPr lang="en-US" altLang="zh-CN" dirty="0"/>
+          </a:p>
         </p:txBody>
       </p:sp>
     </p:spTree>
     <p:extLst>
       <p:ext uri="{BB962C8B-B14F-4D97-AF65-F5344CB8AC3E}">
-        <p14:creationId xmlns:p14="http://schemas.microsoft.com/office/powerpoint/2010/main" val="1432168599"/>
+        <p14:creationId xmlns:p14="http://schemas.microsoft.com/office/powerpoint/2010/main" val="377377384"/>
       </p:ext>
     </p:extLst>
   </p:cSld>
@@ -8386,7 +8390,7 @@
                 <a:latin typeface="Adobe 黑体 Std R" panose="020B0400000000000000" pitchFamily="34" charset="-122"/>
                 <a:ea typeface="Adobe 黑体 Std R" panose="020B0400000000000000" pitchFamily="34" charset="-122"/>
               </a:rPr>
-              <a:t>文档规范</a:t>
+              <a:t>软件开发过程中的文档</a:t>
             </a:r>
           </a:p>
         </p:txBody>
@@ -8411,7 +8415,7 @@
                 <a:latin typeface="Adobe 楷体 Std R" panose="02020400000000000000" pitchFamily="18" charset="-122"/>
                 <a:ea typeface="Adobe 楷体 Std R" panose="02020400000000000000" pitchFamily="18" charset="-122"/>
               </a:rPr>
-              <a:t>规范文档的种类</a:t>
+              <a:t>规范性文档</a:t>
             </a:r>
             <a:endParaRPr lang="en-US" altLang="zh-CN" b="1" dirty="0">
               <a:latin typeface="Adobe 楷体 Std R" panose="02020400000000000000" pitchFamily="18" charset="-122"/>
@@ -8424,7 +8428,7 @@
                 <a:latin typeface="Adobe 楷体 Std R" panose="02020400000000000000" pitchFamily="18" charset="-122"/>
                 <a:ea typeface="Adobe 楷体 Std R" panose="02020400000000000000" pitchFamily="18" charset="-122"/>
               </a:rPr>
-              <a:t>规范文档的格式</a:t>
+              <a:t>流程性文档</a:t>
             </a:r>
             <a:endParaRPr lang="en-US" altLang="zh-CN" b="1" dirty="0">
               <a:latin typeface="Adobe 楷体 Std R" panose="02020400000000000000" pitchFamily="18" charset="-122"/>
@@ -8437,48 +8441,15 @@
                 <a:latin typeface="Adobe 楷体 Std R" panose="02020400000000000000" pitchFamily="18" charset="-122"/>
                 <a:ea typeface="Adobe 楷体 Std R" panose="02020400000000000000" pitchFamily="18" charset="-122"/>
               </a:rPr>
-              <a:t>规范文档的内容</a:t>
-            </a:r>
-            <a:endParaRPr lang="en-US" altLang="zh-CN" b="1" dirty="0">
-              <a:latin typeface="Adobe 楷体 Std R" panose="02020400000000000000" pitchFamily="18" charset="-122"/>
-              <a:ea typeface="Adobe 楷体 Std R" panose="02020400000000000000" pitchFamily="18" charset="-122"/>
-            </a:endParaRPr>
-          </a:p>
-          <a:p>
-            <a:r>
-              <a:rPr lang="zh-CN" altLang="en-US" b="1" dirty="0">
-                <a:latin typeface="Adobe 楷体 Std R" panose="02020400000000000000" pitchFamily="18" charset="-122"/>
-                <a:ea typeface="Adobe 楷体 Std R" panose="02020400000000000000" pitchFamily="18" charset="-122"/>
-              </a:rPr>
-              <a:t>规范文档的内容变动</a:t>
-            </a:r>
-            <a:endParaRPr lang="en-US" altLang="zh-CN" b="1" dirty="0">
-              <a:latin typeface="Adobe 楷体 Std R" panose="02020400000000000000" pitchFamily="18" charset="-122"/>
-              <a:ea typeface="Adobe 楷体 Std R" panose="02020400000000000000" pitchFamily="18" charset="-122"/>
-            </a:endParaRPr>
-          </a:p>
-          <a:p>
-            <a:r>
-              <a:rPr lang="zh-CN" altLang="en-US" b="1" dirty="0">
-                <a:latin typeface="Adobe 楷体 Std R" panose="02020400000000000000" pitchFamily="18" charset="-122"/>
-                <a:ea typeface="Adobe 楷体 Std R" panose="02020400000000000000" pitchFamily="18" charset="-122"/>
-              </a:rPr>
-              <a:t>规范文档的管理办法</a:t>
-            </a:r>
-            <a:endParaRPr lang="en-US" altLang="zh-CN" b="1" dirty="0">
-              <a:latin typeface="Adobe 楷体 Std R" panose="02020400000000000000" pitchFamily="18" charset="-122"/>
-              <a:ea typeface="Adobe 楷体 Std R" panose="02020400000000000000" pitchFamily="18" charset="-122"/>
-            </a:endParaRPr>
-          </a:p>
-          <a:p>
-            <a:endParaRPr lang="en-US" altLang="zh-CN" dirty="0"/>
+              <a:t>描述性文档</a:t>
+            </a:r>
           </a:p>
         </p:txBody>
       </p:sp>
     </p:spTree>
     <p:extLst>
       <p:ext uri="{BB962C8B-B14F-4D97-AF65-F5344CB8AC3E}">
-        <p14:creationId xmlns:p14="http://schemas.microsoft.com/office/powerpoint/2010/main" val="377377384"/>
+        <p14:creationId xmlns:p14="http://schemas.microsoft.com/office/powerpoint/2010/main" val="2952249304"/>
       </p:ext>
     </p:extLst>
   </p:cSld>
@@ -8525,7 +8496,7 @@
                 <a:latin typeface="Adobe 黑体 Std R" panose="020B0400000000000000" pitchFamily="34" charset="-122"/>
                 <a:ea typeface="Adobe 黑体 Std R" panose="020B0400000000000000" pitchFamily="34" charset="-122"/>
               </a:rPr>
-              <a:t>软件开发过程中的文档</a:t>
+              <a:t>一些规范性文档</a:t>
             </a:r>
           </a:p>
         </p:txBody>
@@ -8550,7 +8521,7 @@
                 <a:latin typeface="Adobe 楷体 Std R" panose="02020400000000000000" pitchFamily="18" charset="-122"/>
                 <a:ea typeface="Adobe 楷体 Std R" panose="02020400000000000000" pitchFamily="18" charset="-122"/>
               </a:rPr>
-              <a:t>规范性文档</a:t>
+              <a:t>开发文档规范</a:t>
             </a:r>
             <a:endParaRPr lang="en-US" altLang="zh-CN" b="1" dirty="0">
               <a:latin typeface="Adobe 楷体 Std R" panose="02020400000000000000" pitchFamily="18" charset="-122"/>
@@ -8563,7 +8534,7 @@
                 <a:latin typeface="Adobe 楷体 Std R" panose="02020400000000000000" pitchFamily="18" charset="-122"/>
                 <a:ea typeface="Adobe 楷体 Std R" panose="02020400000000000000" pitchFamily="18" charset="-122"/>
               </a:rPr>
-              <a:t>流程性文档</a:t>
+              <a:t>代码编写规范</a:t>
             </a:r>
             <a:endParaRPr lang="en-US" altLang="zh-CN" b="1" dirty="0">
               <a:latin typeface="Adobe 楷体 Std R" panose="02020400000000000000" pitchFamily="18" charset="-122"/>
@@ -8576,15 +8547,31 @@
                 <a:latin typeface="Adobe 楷体 Std R" panose="02020400000000000000" pitchFamily="18" charset="-122"/>
                 <a:ea typeface="Adobe 楷体 Std R" panose="02020400000000000000" pitchFamily="18" charset="-122"/>
               </a:rPr>
-              <a:t>描述性文档</a:t>
-            </a:r>
+              <a:t>服务器操作规范</a:t>
+            </a:r>
+            <a:endParaRPr lang="en-US" altLang="zh-CN" b="1" dirty="0">
+              <a:latin typeface="Adobe 楷体 Std R" panose="02020400000000000000" pitchFamily="18" charset="-122"/>
+              <a:ea typeface="Adobe 楷体 Std R" panose="02020400000000000000" pitchFamily="18" charset="-122"/>
+            </a:endParaRPr>
+          </a:p>
+          <a:p>
+            <a:r>
+              <a:rPr lang="en-US" altLang="zh-CN" b="1" dirty="0">
+                <a:latin typeface="Adobe 楷体 Std R" panose="02020400000000000000" pitchFamily="18" charset="-122"/>
+                <a:ea typeface="Adobe 楷体 Std R" panose="02020400000000000000" pitchFamily="18" charset="-122"/>
+              </a:rPr>
+              <a:t>……</a:t>
+            </a:r>
+          </a:p>
+          <a:p>
+            <a:endParaRPr lang="zh-CN" altLang="en-US" dirty="0"/>
           </a:p>
         </p:txBody>
       </p:sp>
     </p:spTree>
     <p:extLst>
       <p:ext uri="{BB962C8B-B14F-4D97-AF65-F5344CB8AC3E}">
-        <p14:creationId xmlns:p14="http://schemas.microsoft.com/office/powerpoint/2010/main" val="2952249304"/>
+        <p14:creationId xmlns:p14="http://schemas.microsoft.com/office/powerpoint/2010/main" val="3819588964"/>
       </p:ext>
     </p:extLst>
   </p:cSld>
@@ -8631,7 +8618,7 @@
                 <a:latin typeface="Adobe 黑体 Std R" panose="020B0400000000000000" pitchFamily="34" charset="-122"/>
                 <a:ea typeface="Adobe 黑体 Std R" panose="020B0400000000000000" pitchFamily="34" charset="-122"/>
               </a:rPr>
-              <a:t>一些规范性文档</a:t>
+              <a:t>文档本身的规范</a:t>
             </a:r>
           </a:p>
         </p:txBody>
@@ -8656,7 +8643,7 @@
                 <a:latin typeface="Adobe 楷体 Std R" panose="02020400000000000000" pitchFamily="18" charset="-122"/>
                 <a:ea typeface="Adobe 楷体 Std R" panose="02020400000000000000" pitchFamily="18" charset="-122"/>
               </a:rPr>
-              <a:t>开发文档规范</a:t>
+              <a:t>文档的命名规则</a:t>
             </a:r>
             <a:endParaRPr lang="en-US" altLang="zh-CN" b="1" dirty="0">
               <a:latin typeface="Adobe 楷体 Std R" panose="02020400000000000000" pitchFamily="18" charset="-122"/>
@@ -8669,7 +8656,7 @@
                 <a:latin typeface="Adobe 楷体 Std R" panose="02020400000000000000" pitchFamily="18" charset="-122"/>
                 <a:ea typeface="Adobe 楷体 Std R" panose="02020400000000000000" pitchFamily="18" charset="-122"/>
               </a:rPr>
-              <a:t>代码编写规范</a:t>
+              <a:t>文档的编号规则</a:t>
             </a:r>
             <a:endParaRPr lang="en-US" altLang="zh-CN" b="1" dirty="0">
               <a:latin typeface="Adobe 楷体 Std R" panose="02020400000000000000" pitchFamily="18" charset="-122"/>
@@ -8682,31 +8669,15 @@
                 <a:latin typeface="Adobe 楷体 Std R" panose="02020400000000000000" pitchFamily="18" charset="-122"/>
                 <a:ea typeface="Adobe 楷体 Std R" panose="02020400000000000000" pitchFamily="18" charset="-122"/>
               </a:rPr>
-              <a:t>服务器操作规范</a:t>
-            </a:r>
-            <a:endParaRPr lang="en-US" altLang="zh-CN" b="1" dirty="0">
-              <a:latin typeface="Adobe 楷体 Std R" panose="02020400000000000000" pitchFamily="18" charset="-122"/>
-              <a:ea typeface="Adobe 楷体 Std R" panose="02020400000000000000" pitchFamily="18" charset="-122"/>
-            </a:endParaRPr>
-          </a:p>
-          <a:p>
-            <a:r>
-              <a:rPr lang="en-US" altLang="zh-CN" b="1" dirty="0">
-                <a:latin typeface="Adobe 楷体 Std R" panose="02020400000000000000" pitchFamily="18" charset="-122"/>
-                <a:ea typeface="Adobe 楷体 Std R" panose="02020400000000000000" pitchFamily="18" charset="-122"/>
-              </a:rPr>
-              <a:t>……</a:t>
-            </a:r>
-          </a:p>
-          <a:p>
-            <a:endParaRPr lang="zh-CN" altLang="en-US" dirty="0"/>
+              <a:t>文档的行文规则</a:t>
+            </a:r>
           </a:p>
         </p:txBody>
       </p:sp>
     </p:spTree>
     <p:extLst>
       <p:ext uri="{BB962C8B-B14F-4D97-AF65-F5344CB8AC3E}">
-        <p14:creationId xmlns:p14="http://schemas.microsoft.com/office/powerpoint/2010/main" val="3819588964"/>
+        <p14:creationId xmlns:p14="http://schemas.microsoft.com/office/powerpoint/2010/main" val="441149837"/>
       </p:ext>
     </p:extLst>
   </p:cSld>
@@ -8749,11 +8720,8 @@
           <a:lstStyle/>
           <a:p>
             <a:r>
-              <a:rPr lang="zh-CN" altLang="en-US" b="1" dirty="0">
-                <a:latin typeface="Adobe 黑体 Std R" panose="020B0400000000000000" pitchFamily="34" charset="-122"/>
-                <a:ea typeface="Adobe 黑体 Std R" panose="020B0400000000000000" pitchFamily="34" charset="-122"/>
-              </a:rPr>
-              <a:t>文档本身的规范</a:t>
+              <a:rPr lang="zh-CN" altLang="en-US" b="1" dirty="0"/>
+              <a:t>流程性文档</a:t>
             </a:r>
           </a:p>
         </p:txBody>
@@ -8778,7 +8746,7 @@
                 <a:latin typeface="Adobe 楷体 Std R" panose="02020400000000000000" pitchFamily="18" charset="-122"/>
                 <a:ea typeface="Adobe 楷体 Std R" panose="02020400000000000000" pitchFamily="18" charset="-122"/>
               </a:rPr>
-              <a:t>文档的命名规则</a:t>
+              <a:t>可行性分析说明书</a:t>
             </a:r>
             <a:endParaRPr lang="en-US" altLang="zh-CN" b="1" dirty="0">
               <a:latin typeface="Adobe 楷体 Std R" panose="02020400000000000000" pitchFamily="18" charset="-122"/>
@@ -8791,7 +8759,7 @@
                 <a:latin typeface="Adobe 楷体 Std R" panose="02020400000000000000" pitchFamily="18" charset="-122"/>
                 <a:ea typeface="Adobe 楷体 Std R" panose="02020400000000000000" pitchFamily="18" charset="-122"/>
               </a:rPr>
-              <a:t>文档的编号规则</a:t>
+              <a:t>需求说明书</a:t>
             </a:r>
             <a:endParaRPr lang="en-US" altLang="zh-CN" b="1" dirty="0">
               <a:latin typeface="Adobe 楷体 Std R" panose="02020400000000000000" pitchFamily="18" charset="-122"/>
@@ -8804,15 +8772,45 @@
                 <a:latin typeface="Adobe 楷体 Std R" panose="02020400000000000000" pitchFamily="18" charset="-122"/>
                 <a:ea typeface="Adobe 楷体 Std R" panose="02020400000000000000" pitchFamily="18" charset="-122"/>
               </a:rPr>
-              <a:t>文档的行文规则</a:t>
-            </a:r>
+              <a:t>设计说明书</a:t>
+            </a:r>
+            <a:endParaRPr lang="en-US" altLang="zh-CN" b="1" dirty="0">
+              <a:latin typeface="Adobe 楷体 Std R" panose="02020400000000000000" pitchFamily="18" charset="-122"/>
+              <a:ea typeface="Adobe 楷体 Std R" panose="02020400000000000000" pitchFamily="18" charset="-122"/>
+            </a:endParaRPr>
+          </a:p>
+          <a:p>
+            <a:r>
+              <a:rPr lang="zh-CN" altLang="en-US" b="1" dirty="0">
+                <a:latin typeface="Adobe 楷体 Std R" panose="02020400000000000000" pitchFamily="18" charset="-122"/>
+                <a:ea typeface="Adobe 楷体 Std R" panose="02020400000000000000" pitchFamily="18" charset="-122"/>
+              </a:rPr>
+              <a:t>测试要点说明</a:t>
+            </a:r>
+            <a:endParaRPr lang="en-US" altLang="zh-CN" b="1" dirty="0">
+              <a:latin typeface="Adobe 楷体 Std R" panose="02020400000000000000" pitchFamily="18" charset="-122"/>
+              <a:ea typeface="Adobe 楷体 Std R" panose="02020400000000000000" pitchFamily="18" charset="-122"/>
+            </a:endParaRPr>
+          </a:p>
+          <a:p>
+            <a:r>
+              <a:rPr lang="en-US" altLang="zh-CN" b="1" dirty="0">
+                <a:latin typeface="Adobe 楷体 Std R" panose="02020400000000000000" pitchFamily="18" charset="-122"/>
+                <a:ea typeface="Adobe 楷体 Std R" panose="02020400000000000000" pitchFamily="18" charset="-122"/>
+              </a:rPr>
+              <a:t>……</a:t>
+            </a:r>
+            <a:endParaRPr lang="zh-CN" altLang="en-US" b="1" dirty="0">
+              <a:latin typeface="Adobe 楷体 Std R" panose="02020400000000000000" pitchFamily="18" charset="-122"/>
+              <a:ea typeface="Adobe 楷体 Std R" panose="02020400000000000000" pitchFamily="18" charset="-122"/>
+            </a:endParaRPr>
           </a:p>
         </p:txBody>
       </p:sp>
     </p:spTree>
     <p:extLst>
       <p:ext uri="{BB962C8B-B14F-4D97-AF65-F5344CB8AC3E}">
-        <p14:creationId xmlns:p14="http://schemas.microsoft.com/office/powerpoint/2010/main" val="441149837"/>
+        <p14:creationId xmlns:p14="http://schemas.microsoft.com/office/powerpoint/2010/main" val="363226977"/>
       </p:ext>
     </p:extLst>
   </p:cSld>
@@ -8856,7 +8854,7 @@
           <a:p>
             <a:r>
               <a:rPr lang="zh-CN" altLang="en-US" b="1" dirty="0"/>
-              <a:t>流程性文档</a:t>
+              <a:t>描述性文档</a:t>
             </a:r>
           </a:p>
         </p:txBody>
@@ -8881,7 +8879,7 @@
                 <a:latin typeface="Adobe 楷体 Std R" panose="02020400000000000000" pitchFamily="18" charset="-122"/>
                 <a:ea typeface="Adobe 楷体 Std R" panose="02020400000000000000" pitchFamily="18" charset="-122"/>
               </a:rPr>
-              <a:t>可行性分析说明书</a:t>
+              <a:t>软件操作手册</a:t>
             </a:r>
             <a:endParaRPr lang="en-US" altLang="zh-CN" b="1" dirty="0">
               <a:latin typeface="Adobe 楷体 Std R" panose="02020400000000000000" pitchFamily="18" charset="-122"/>
@@ -8890,62 +8888,25 @@
           </a:p>
           <a:p>
             <a:r>
-              <a:rPr lang="zh-CN" altLang="en-US" b="1" dirty="0">
-                <a:latin typeface="Adobe 楷体 Std R" panose="02020400000000000000" pitchFamily="18" charset="-122"/>
-                <a:ea typeface="Adobe 楷体 Std R" panose="02020400000000000000" pitchFamily="18" charset="-122"/>
-              </a:rPr>
-              <a:t>需求说明书</a:t>
-            </a:r>
-            <a:endParaRPr lang="en-US" altLang="zh-CN" b="1" dirty="0">
-              <a:latin typeface="Adobe 楷体 Std R" panose="02020400000000000000" pitchFamily="18" charset="-122"/>
-              <a:ea typeface="Adobe 楷体 Std R" panose="02020400000000000000" pitchFamily="18" charset="-122"/>
-            </a:endParaRPr>
-          </a:p>
-          <a:p>
-            <a:r>
-              <a:rPr lang="zh-CN" altLang="en-US" b="1" dirty="0">
-                <a:latin typeface="Adobe 楷体 Std R" panose="02020400000000000000" pitchFamily="18" charset="-122"/>
-                <a:ea typeface="Adobe 楷体 Std R" panose="02020400000000000000" pitchFamily="18" charset="-122"/>
-              </a:rPr>
-              <a:t>设计说明书</a:t>
-            </a:r>
-            <a:endParaRPr lang="en-US" altLang="zh-CN" b="1" dirty="0">
-              <a:latin typeface="Adobe 楷体 Std R" panose="02020400000000000000" pitchFamily="18" charset="-122"/>
-              <a:ea typeface="Adobe 楷体 Std R" panose="02020400000000000000" pitchFamily="18" charset="-122"/>
-            </a:endParaRPr>
-          </a:p>
-          <a:p>
-            <a:r>
-              <a:rPr lang="zh-CN" altLang="en-US" b="1" dirty="0">
-                <a:latin typeface="Adobe 楷体 Std R" panose="02020400000000000000" pitchFamily="18" charset="-122"/>
-                <a:ea typeface="Adobe 楷体 Std R" panose="02020400000000000000" pitchFamily="18" charset="-122"/>
-              </a:rPr>
-              <a:t>测试要点说明</a:t>
-            </a:r>
-            <a:endParaRPr lang="en-US" altLang="zh-CN" b="1" dirty="0">
-              <a:latin typeface="Adobe 楷体 Std R" panose="02020400000000000000" pitchFamily="18" charset="-122"/>
-              <a:ea typeface="Adobe 楷体 Std R" panose="02020400000000000000" pitchFamily="18" charset="-122"/>
-            </a:endParaRPr>
-          </a:p>
-          <a:p>
-            <a:r>
               <a:rPr lang="en-US" altLang="zh-CN" b="1" dirty="0">
                 <a:latin typeface="Adobe 楷体 Std R" panose="02020400000000000000" pitchFamily="18" charset="-122"/>
                 <a:ea typeface="Adobe 楷体 Std R" panose="02020400000000000000" pitchFamily="18" charset="-122"/>
               </a:rPr>
               <a:t>……</a:t>
             </a:r>
-            <a:endParaRPr lang="zh-CN" altLang="en-US" b="1" dirty="0">
-              <a:latin typeface="Adobe 楷体 Std R" panose="02020400000000000000" pitchFamily="18" charset="-122"/>
-              <a:ea typeface="Adobe 楷体 Std R" panose="02020400000000000000" pitchFamily="18" charset="-122"/>
-            </a:endParaRPr>
+          </a:p>
+          <a:p>
+            <a:pPr marL="0" indent="0">
+              <a:buNone/>
+            </a:pPr>
+            <a:endParaRPr lang="zh-CN" altLang="en-US" dirty="0"/>
           </a:p>
         </p:txBody>
       </p:sp>
     </p:spTree>
     <p:extLst>
       <p:ext uri="{BB962C8B-B14F-4D97-AF65-F5344CB8AC3E}">
-        <p14:creationId xmlns:p14="http://schemas.microsoft.com/office/powerpoint/2010/main" val="363226977"/>
+        <p14:creationId xmlns:p14="http://schemas.microsoft.com/office/powerpoint/2010/main" val="1067444116"/>
       </p:ext>
     </p:extLst>
   </p:cSld>
@@ -8987,9 +8948,13 @@
           <a:bodyPr/>
           <a:lstStyle/>
           <a:p>
-            <a:r>
-              <a:rPr lang="zh-CN" altLang="en-US" b="1" dirty="0"/>
-              <a:t>描述性文档</a:t>
+            <a:pPr algn="l"/>
+            <a:r>
+              <a:rPr lang="zh-CN" altLang="en-US" b="1" dirty="0">
+                <a:latin typeface="Adobe 黑体 Std R" panose="020B0400000000000000" pitchFamily="34" charset="-122"/>
+                <a:ea typeface="Adobe 黑体 Std R" panose="020B0400000000000000" pitchFamily="34" charset="-122"/>
+              </a:rPr>
+              <a:t>目录</a:t>
             </a:r>
           </a:p>
         </p:txBody>
@@ -9010,30 +8975,68 @@
           <a:lstStyle/>
           <a:p>
             <a:r>
-              <a:rPr lang="zh-CN" altLang="en-US" b="1" dirty="0">
-                <a:latin typeface="Adobe 楷体 Std R" panose="02020400000000000000" pitchFamily="18" charset="-122"/>
-                <a:ea typeface="Adobe 楷体 Std R" panose="02020400000000000000" pitchFamily="18" charset="-122"/>
-              </a:rPr>
-              <a:t>软件操作手册</a:t>
+              <a:rPr lang="en-US" altLang="zh-CN" b="1" dirty="0"/>
+              <a:t>3.1</a:t>
+            </a:r>
+            <a:r>
+              <a:rPr lang="zh-CN" altLang="zh-CN" b="1" dirty="0"/>
+              <a:t>开发规范的重要性</a:t>
+            </a:r>
+          </a:p>
+          <a:p>
+            <a:r>
+              <a:rPr lang="en-US" altLang="zh-CN" b="1" dirty="0"/>
+              <a:t>3.2</a:t>
+            </a:r>
+            <a:r>
+              <a:rPr lang="zh-CN" altLang="zh-CN" b="1" dirty="0"/>
+              <a:t>文档规范</a:t>
+            </a:r>
+          </a:p>
+          <a:p>
+            <a:r>
+              <a:rPr lang="en-US" altLang="zh-CN" b="1" dirty="0">
+                <a:solidFill>
+                  <a:srgbClr val="FF0000"/>
+                </a:solidFill>
+              </a:rPr>
+              <a:t>3.3</a:t>
+            </a:r>
+            <a:r>
+              <a:rPr lang="zh-CN" altLang="zh-CN" b="1" dirty="0">
+                <a:solidFill>
+                  <a:srgbClr val="FF0000"/>
+                </a:solidFill>
+              </a:rPr>
+              <a:t>编程规范</a:t>
             </a:r>
             <a:endParaRPr lang="en-US" altLang="zh-CN" b="1" dirty="0">
-              <a:latin typeface="Adobe 楷体 Std R" panose="02020400000000000000" pitchFamily="18" charset="-122"/>
-              <a:ea typeface="Adobe 楷体 Std R" panose="02020400000000000000" pitchFamily="18" charset="-122"/>
+              <a:solidFill>
+                <a:srgbClr val="FF0000"/>
+              </a:solidFill>
             </a:endParaRPr>
           </a:p>
           <a:p>
             <a:r>
-              <a:rPr lang="en-US" altLang="zh-CN" b="1" dirty="0">
-                <a:latin typeface="Adobe 楷体 Std R" panose="02020400000000000000" pitchFamily="18" charset="-122"/>
-                <a:ea typeface="Adobe 楷体 Std R" panose="02020400000000000000" pitchFamily="18" charset="-122"/>
-              </a:rPr>
-              <a:t>……</a:t>
-            </a:r>
-          </a:p>
-          <a:p>
-            <a:pPr marL="0" indent="0">
-              <a:buNone/>
-            </a:pPr>
+              <a:rPr lang="en-US" altLang="zh-CN" b="1" dirty="0"/>
+              <a:t>3.4</a:t>
+            </a:r>
+            <a:r>
+              <a:rPr lang="zh-CN" altLang="zh-CN" b="1" dirty="0"/>
+              <a:t>流程规范</a:t>
+            </a:r>
+          </a:p>
+          <a:p>
+            <a:r>
+              <a:rPr lang="en-US" altLang="zh-CN" b="1" dirty="0"/>
+              <a:t>3.5</a:t>
+            </a:r>
+            <a:r>
+              <a:rPr lang="zh-CN" altLang="zh-CN" b="1" dirty="0"/>
+              <a:t>敏捷</a:t>
+            </a:r>
+          </a:p>
+          <a:p>
             <a:endParaRPr lang="zh-CN" altLang="en-US" dirty="0"/>
           </a:p>
         </p:txBody>
@@ -9041,7 +9044,7 @@
     </p:spTree>
     <p:extLst>
       <p:ext uri="{BB962C8B-B14F-4D97-AF65-F5344CB8AC3E}">
-        <p14:creationId xmlns:p14="http://schemas.microsoft.com/office/powerpoint/2010/main" val="1067444116"/>
+        <p14:creationId xmlns:p14="http://schemas.microsoft.com/office/powerpoint/2010/main" val="205795150"/>
       </p:ext>
     </p:extLst>
   </p:cSld>
@@ -9083,13 +9086,9 @@
           <a:bodyPr/>
           <a:lstStyle/>
           <a:p>
-            <a:pPr algn="l"/>
-            <a:r>
-              <a:rPr lang="zh-CN" altLang="en-US" b="1" dirty="0">
-                <a:latin typeface="Adobe 黑体 Std R" panose="020B0400000000000000" pitchFamily="34" charset="-122"/>
-                <a:ea typeface="Adobe 黑体 Std R" panose="020B0400000000000000" pitchFamily="34" charset="-122"/>
-              </a:rPr>
-              <a:t>目录</a:t>
+            <a:r>
+              <a:rPr lang="zh-CN" altLang="en-US" b="1" dirty="0"/>
+              <a:t>为什么要有编程规范</a:t>
             </a:r>
           </a:p>
         </p:txBody>
@@ -9110,76 +9109,58 @@
           <a:lstStyle/>
           <a:p>
             <a:r>
-              <a:rPr lang="en-US" altLang="zh-CN" b="1" dirty="0"/>
-              <a:t>3.1</a:t>
-            </a:r>
-            <a:r>
-              <a:rPr lang="zh-CN" altLang="zh-CN" b="1" dirty="0"/>
-              <a:t>开发规范的重要性</a:t>
-            </a:r>
-          </a:p>
-          <a:p>
-            <a:r>
-              <a:rPr lang="en-US" altLang="zh-CN" b="1" dirty="0"/>
-              <a:t>3.2</a:t>
-            </a:r>
-            <a:r>
-              <a:rPr lang="zh-CN" altLang="zh-CN" b="1" dirty="0"/>
-              <a:t>文档规范</a:t>
-            </a:r>
-          </a:p>
-          <a:p>
-            <a:r>
-              <a:rPr lang="en-US" altLang="zh-CN" b="1" dirty="0">
-                <a:solidFill>
-                  <a:srgbClr val="FF0000"/>
-                </a:solidFill>
-              </a:rPr>
-              <a:t>3.3</a:t>
-            </a:r>
-            <a:r>
-              <a:rPr lang="zh-CN" altLang="zh-CN" b="1" dirty="0">
-                <a:solidFill>
-                  <a:srgbClr val="FF0000"/>
-                </a:solidFill>
-              </a:rPr>
-              <a:t>编程规范</a:t>
+              <a:rPr lang="zh-CN" altLang="en-US" b="1" dirty="0">
+                <a:latin typeface="Adobe 楷体 Std R" panose="02020400000000000000" pitchFamily="18" charset="-122"/>
+                <a:ea typeface="Adobe 楷体 Std R" panose="02020400000000000000" pitchFamily="18" charset="-122"/>
+              </a:rPr>
+              <a:t>每个人写代码都有自己的风格</a:t>
             </a:r>
             <a:endParaRPr lang="en-US" altLang="zh-CN" b="1" dirty="0">
-              <a:solidFill>
-                <a:srgbClr val="FF0000"/>
-              </a:solidFill>
+              <a:latin typeface="Adobe 楷体 Std R" panose="02020400000000000000" pitchFamily="18" charset="-122"/>
+              <a:ea typeface="Adobe 楷体 Std R" panose="02020400000000000000" pitchFamily="18" charset="-122"/>
             </a:endParaRPr>
           </a:p>
           <a:p>
             <a:r>
-              <a:rPr lang="en-US" altLang="zh-CN" b="1" dirty="0"/>
-              <a:t>3.4</a:t>
-            </a:r>
-            <a:r>
-              <a:rPr lang="zh-CN" altLang="zh-CN" b="1" dirty="0"/>
-              <a:t>流程规范</a:t>
-            </a:r>
-          </a:p>
-          <a:p>
-            <a:r>
-              <a:rPr lang="en-US" altLang="zh-CN" b="1" dirty="0"/>
-              <a:t>3.5</a:t>
-            </a:r>
-            <a:r>
-              <a:rPr lang="zh-CN" altLang="zh-CN" b="1" dirty="0"/>
-              <a:t>敏捷</a:t>
-            </a:r>
-          </a:p>
-          <a:p>
-            <a:endParaRPr lang="zh-CN" altLang="en-US" dirty="0"/>
+              <a:rPr lang="zh-CN" altLang="en-US" b="1" dirty="0">
+                <a:latin typeface="Adobe 楷体 Std R" panose="02020400000000000000" pitchFamily="18" charset="-122"/>
+                <a:ea typeface="Adobe 楷体 Std R" panose="02020400000000000000" pitchFamily="18" charset="-122"/>
+              </a:rPr>
+              <a:t>避免一些常见的错误</a:t>
+            </a:r>
+            <a:endParaRPr lang="en-US" altLang="zh-CN" b="1" dirty="0">
+              <a:latin typeface="Adobe 楷体 Std R" panose="02020400000000000000" pitchFamily="18" charset="-122"/>
+              <a:ea typeface="Adobe 楷体 Std R" panose="02020400000000000000" pitchFamily="18" charset="-122"/>
+            </a:endParaRPr>
+          </a:p>
+          <a:p>
+            <a:r>
+              <a:rPr lang="zh-CN" altLang="en-US" b="1" dirty="0">
+                <a:latin typeface="Adobe 楷体 Std R" panose="02020400000000000000" pitchFamily="18" charset="-122"/>
+                <a:ea typeface="Adobe 楷体 Std R" panose="02020400000000000000" pitchFamily="18" charset="-122"/>
+              </a:rPr>
+              <a:t>特殊规则避免行业特殊的问题</a:t>
+            </a:r>
+            <a:endParaRPr lang="en-US" altLang="zh-CN" b="1" dirty="0">
+              <a:latin typeface="Adobe 楷体 Std R" panose="02020400000000000000" pitchFamily="18" charset="-122"/>
+              <a:ea typeface="Adobe 楷体 Std R" panose="02020400000000000000" pitchFamily="18" charset="-122"/>
+            </a:endParaRPr>
+          </a:p>
+          <a:p>
+            <a:r>
+              <a:rPr lang="zh-CN" altLang="en-US" b="1" dirty="0">
+                <a:latin typeface="Adobe 楷体 Std R" panose="02020400000000000000" pitchFamily="18" charset="-122"/>
+                <a:ea typeface="Adobe 楷体 Std R" panose="02020400000000000000" pitchFamily="18" charset="-122"/>
+              </a:rPr>
+              <a:t>质量标准统一</a:t>
+            </a:r>
           </a:p>
         </p:txBody>
       </p:sp>
     </p:spTree>
     <p:extLst>
       <p:ext uri="{BB962C8B-B14F-4D97-AF65-F5344CB8AC3E}">
-        <p14:creationId xmlns:p14="http://schemas.microsoft.com/office/powerpoint/2010/main" val="205795150"/>
+        <p14:creationId xmlns:p14="http://schemas.microsoft.com/office/powerpoint/2010/main" val="2827828525"/>
       </p:ext>
     </p:extLst>
   </p:cSld>
@@ -10088,7 +10069,7 @@
           <a:p>
             <a:r>
               <a:rPr lang="zh-CN" altLang="en-US" b="1" dirty="0"/>
-              <a:t>为什么要有编程规范</a:t>
+              <a:t>一般都规范哪些</a:t>
             </a:r>
           </a:p>
         </p:txBody>
@@ -10113,7 +10094,7 @@
                 <a:latin typeface="Adobe 楷体 Std R" panose="02020400000000000000" pitchFamily="18" charset="-122"/>
                 <a:ea typeface="Adobe 楷体 Std R" panose="02020400000000000000" pitchFamily="18" charset="-122"/>
               </a:rPr>
-              <a:t>每个人写代码都有自己的风格</a:t>
+              <a:t>命名</a:t>
             </a:r>
             <a:endParaRPr lang="en-US" altLang="zh-CN" b="1" dirty="0">
               <a:latin typeface="Adobe 楷体 Std R" panose="02020400000000000000" pitchFamily="18" charset="-122"/>
@@ -10126,7 +10107,7 @@
                 <a:latin typeface="Adobe 楷体 Std R" panose="02020400000000000000" pitchFamily="18" charset="-122"/>
                 <a:ea typeface="Adobe 楷体 Std R" panose="02020400000000000000" pitchFamily="18" charset="-122"/>
               </a:rPr>
-              <a:t>避免一些常见的错误</a:t>
+              <a:t>注释</a:t>
             </a:r>
             <a:endParaRPr lang="en-US" altLang="zh-CN" b="1" dirty="0">
               <a:latin typeface="Adobe 楷体 Std R" panose="02020400000000000000" pitchFamily="18" charset="-122"/>
@@ -10139,7 +10120,7 @@
                 <a:latin typeface="Adobe 楷体 Std R" panose="02020400000000000000" pitchFamily="18" charset="-122"/>
                 <a:ea typeface="Adobe 楷体 Std R" panose="02020400000000000000" pitchFamily="18" charset="-122"/>
               </a:rPr>
-              <a:t>特殊规则避免行业特殊的问题</a:t>
+              <a:t>常见写法</a:t>
             </a:r>
             <a:endParaRPr lang="en-US" altLang="zh-CN" b="1" dirty="0">
               <a:latin typeface="Adobe 楷体 Std R" panose="02020400000000000000" pitchFamily="18" charset="-122"/>
@@ -10152,15 +10133,32 @@
                 <a:latin typeface="Adobe 楷体 Std R" panose="02020400000000000000" pitchFamily="18" charset="-122"/>
                 <a:ea typeface="Adobe 楷体 Std R" panose="02020400000000000000" pitchFamily="18" charset="-122"/>
               </a:rPr>
-              <a:t>质量标准统一</a:t>
-            </a:r>
+              <a:t>行业相关规范</a:t>
+            </a:r>
+            <a:endParaRPr lang="en-US" altLang="zh-CN" b="1" dirty="0">
+              <a:latin typeface="Adobe 楷体 Std R" panose="02020400000000000000" pitchFamily="18" charset="-122"/>
+              <a:ea typeface="Adobe 楷体 Std R" panose="02020400000000000000" pitchFamily="18" charset="-122"/>
+            </a:endParaRPr>
+          </a:p>
+          <a:p>
+            <a:r>
+              <a:rPr lang="en-US" altLang="zh-CN" b="1" dirty="0">
+                <a:latin typeface="Adobe 楷体 Std R" panose="02020400000000000000" pitchFamily="18" charset="-122"/>
+                <a:ea typeface="Adobe 楷体 Std R" panose="02020400000000000000" pitchFamily="18" charset="-122"/>
+              </a:rPr>
+              <a:t>……</a:t>
+            </a:r>
+            <a:endParaRPr lang="zh-CN" altLang="en-US" b="1" dirty="0">
+              <a:latin typeface="Adobe 楷体 Std R" panose="02020400000000000000" pitchFamily="18" charset="-122"/>
+              <a:ea typeface="Adobe 楷体 Std R" panose="02020400000000000000" pitchFamily="18" charset="-122"/>
+            </a:endParaRPr>
           </a:p>
         </p:txBody>
       </p:sp>
     </p:spTree>
     <p:extLst>
       <p:ext uri="{BB962C8B-B14F-4D97-AF65-F5344CB8AC3E}">
-        <p14:creationId xmlns:p14="http://schemas.microsoft.com/office/powerpoint/2010/main" val="2827828525"/>
+        <p14:creationId xmlns:p14="http://schemas.microsoft.com/office/powerpoint/2010/main" val="2781619487"/>
       </p:ext>
     </p:extLst>
   </p:cSld>
@@ -10204,139 +10202,6 @@
           <a:p>
             <a:r>
               <a:rPr lang="zh-CN" altLang="en-US" b="1" dirty="0"/>
-              <a:t>一般都规范哪些</a:t>
-            </a:r>
-          </a:p>
-        </p:txBody>
-      </p:sp>
-      <p:sp>
-        <p:nvSpPr>
-          <p:cNvPr id="3" name="内容占位符 2"/>
-          <p:cNvSpPr>
-            <a:spLocks noGrp="1"/>
-          </p:cNvSpPr>
-          <p:nvPr>
-            <p:ph idx="1"/>
-          </p:nvPr>
-        </p:nvSpPr>
-        <p:spPr/>
-        <p:txBody>
-          <a:bodyPr/>
-          <a:lstStyle/>
-          <a:p>
-            <a:r>
-              <a:rPr lang="zh-CN" altLang="en-US" b="1" dirty="0">
-                <a:latin typeface="Adobe 楷体 Std R" panose="02020400000000000000" pitchFamily="18" charset="-122"/>
-                <a:ea typeface="Adobe 楷体 Std R" panose="02020400000000000000" pitchFamily="18" charset="-122"/>
-              </a:rPr>
-              <a:t>命名</a:t>
-            </a:r>
-            <a:endParaRPr lang="en-US" altLang="zh-CN" b="1" dirty="0">
-              <a:latin typeface="Adobe 楷体 Std R" panose="02020400000000000000" pitchFamily="18" charset="-122"/>
-              <a:ea typeface="Adobe 楷体 Std R" panose="02020400000000000000" pitchFamily="18" charset="-122"/>
-            </a:endParaRPr>
-          </a:p>
-          <a:p>
-            <a:r>
-              <a:rPr lang="zh-CN" altLang="en-US" b="1" dirty="0">
-                <a:latin typeface="Adobe 楷体 Std R" panose="02020400000000000000" pitchFamily="18" charset="-122"/>
-                <a:ea typeface="Adobe 楷体 Std R" panose="02020400000000000000" pitchFamily="18" charset="-122"/>
-              </a:rPr>
-              <a:t>注释</a:t>
-            </a:r>
-            <a:endParaRPr lang="en-US" altLang="zh-CN" b="1" dirty="0">
-              <a:latin typeface="Adobe 楷体 Std R" panose="02020400000000000000" pitchFamily="18" charset="-122"/>
-              <a:ea typeface="Adobe 楷体 Std R" panose="02020400000000000000" pitchFamily="18" charset="-122"/>
-            </a:endParaRPr>
-          </a:p>
-          <a:p>
-            <a:r>
-              <a:rPr lang="zh-CN" altLang="en-US" b="1" dirty="0">
-                <a:latin typeface="Adobe 楷体 Std R" panose="02020400000000000000" pitchFamily="18" charset="-122"/>
-                <a:ea typeface="Adobe 楷体 Std R" panose="02020400000000000000" pitchFamily="18" charset="-122"/>
-              </a:rPr>
-              <a:t>常见写法</a:t>
-            </a:r>
-            <a:endParaRPr lang="en-US" altLang="zh-CN" b="1" dirty="0">
-              <a:latin typeface="Adobe 楷体 Std R" panose="02020400000000000000" pitchFamily="18" charset="-122"/>
-              <a:ea typeface="Adobe 楷体 Std R" panose="02020400000000000000" pitchFamily="18" charset="-122"/>
-            </a:endParaRPr>
-          </a:p>
-          <a:p>
-            <a:r>
-              <a:rPr lang="zh-CN" altLang="en-US" b="1" dirty="0">
-                <a:latin typeface="Adobe 楷体 Std R" panose="02020400000000000000" pitchFamily="18" charset="-122"/>
-                <a:ea typeface="Adobe 楷体 Std R" panose="02020400000000000000" pitchFamily="18" charset="-122"/>
-              </a:rPr>
-              <a:t>行业相关规范</a:t>
-            </a:r>
-            <a:endParaRPr lang="en-US" altLang="zh-CN" b="1" dirty="0">
-              <a:latin typeface="Adobe 楷体 Std R" panose="02020400000000000000" pitchFamily="18" charset="-122"/>
-              <a:ea typeface="Adobe 楷体 Std R" panose="02020400000000000000" pitchFamily="18" charset="-122"/>
-            </a:endParaRPr>
-          </a:p>
-          <a:p>
-            <a:r>
-              <a:rPr lang="en-US" altLang="zh-CN" b="1" dirty="0">
-                <a:latin typeface="Adobe 楷体 Std R" panose="02020400000000000000" pitchFamily="18" charset="-122"/>
-                <a:ea typeface="Adobe 楷体 Std R" panose="02020400000000000000" pitchFamily="18" charset="-122"/>
-              </a:rPr>
-              <a:t>……</a:t>
-            </a:r>
-            <a:endParaRPr lang="zh-CN" altLang="en-US" b="1" dirty="0">
-              <a:latin typeface="Adobe 楷体 Std R" panose="02020400000000000000" pitchFamily="18" charset="-122"/>
-              <a:ea typeface="Adobe 楷体 Std R" panose="02020400000000000000" pitchFamily="18" charset="-122"/>
-            </a:endParaRPr>
-          </a:p>
-        </p:txBody>
-      </p:sp>
-    </p:spTree>
-    <p:extLst>
-      <p:ext uri="{BB962C8B-B14F-4D97-AF65-F5344CB8AC3E}">
-        <p14:creationId xmlns:p14="http://schemas.microsoft.com/office/powerpoint/2010/main" val="2781619487"/>
-      </p:ext>
-    </p:extLst>
-  </p:cSld>
-  <p:clrMapOvr>
-    <a:masterClrMapping/>
-  </p:clrMapOvr>
-</p:sld>
-</file>
-
-<file path=ppt/slides/slide22.xml><?xml version="1.0" encoding="utf-8"?>
-<p:sld xmlns:a="http://schemas.openxmlformats.org/drawingml/2006/main" xmlns:r="http://schemas.openxmlformats.org/officeDocument/2006/relationships" xmlns:p="http://schemas.openxmlformats.org/presentationml/2006/main">
-  <p:cSld>
-    <p:spTree>
-      <p:nvGrpSpPr>
-        <p:cNvPr id="1" name=""/>
-        <p:cNvGrpSpPr/>
-        <p:nvPr/>
-      </p:nvGrpSpPr>
-      <p:grpSpPr>
-        <a:xfrm>
-          <a:off x="0" y="0"/>
-          <a:ext cx="0" cy="0"/>
-          <a:chOff x="0" y="0"/>
-          <a:chExt cx="0" cy="0"/>
-        </a:xfrm>
-      </p:grpSpPr>
-      <p:sp>
-        <p:nvSpPr>
-          <p:cNvPr id="2" name="标题 1"/>
-          <p:cNvSpPr>
-            <a:spLocks noGrp="1"/>
-          </p:cNvSpPr>
-          <p:nvPr>
-            <p:ph type="title"/>
-          </p:nvPr>
-        </p:nvSpPr>
-        <p:spPr/>
-        <p:txBody>
-          <a:bodyPr/>
-          <a:lstStyle/>
-          <a:p>
-            <a:r>
-              <a:rPr lang="zh-CN" altLang="en-US" b="1" dirty="0"/>
               <a:t>一些参考</a:t>
             </a:r>
           </a:p>
@@ -10414,7 +10279,7 @@
 </p:sld>
 </file>
 
-<file path=ppt/slides/slide23.xml><?xml version="1.0" encoding="utf-8"?>
+<file path=ppt/slides/slide22.xml><?xml version="1.0" encoding="utf-8"?>
 <p:sld xmlns:a="http://schemas.openxmlformats.org/drawingml/2006/main" xmlns:r="http://schemas.openxmlformats.org/officeDocument/2006/relationships" xmlns:p="http://schemas.openxmlformats.org/presentationml/2006/main">
   <p:cSld>
     <p:spTree>
@@ -10496,6 +10361,140 @@
 </p:sld>
 </file>
 
+<file path=ppt/slides/slide23.xml><?xml version="1.0" encoding="utf-8"?>
+<p:sld xmlns:a="http://schemas.openxmlformats.org/drawingml/2006/main" xmlns:r="http://schemas.openxmlformats.org/officeDocument/2006/relationships" xmlns:p="http://schemas.openxmlformats.org/presentationml/2006/main">
+  <p:cSld>
+    <p:spTree>
+      <p:nvGrpSpPr>
+        <p:cNvPr id="1" name=""/>
+        <p:cNvGrpSpPr/>
+        <p:nvPr/>
+      </p:nvGrpSpPr>
+      <p:grpSpPr>
+        <a:xfrm>
+          <a:off x="0" y="0"/>
+          <a:ext cx="0" cy="0"/>
+          <a:chOff x="0" y="0"/>
+          <a:chExt cx="0" cy="0"/>
+        </a:xfrm>
+      </p:grpSpPr>
+      <p:sp>
+        <p:nvSpPr>
+          <p:cNvPr id="2" name="标题 1"/>
+          <p:cNvSpPr>
+            <a:spLocks noGrp="1"/>
+          </p:cNvSpPr>
+          <p:nvPr>
+            <p:ph type="title"/>
+          </p:nvPr>
+        </p:nvSpPr>
+        <p:spPr/>
+        <p:txBody>
+          <a:bodyPr/>
+          <a:lstStyle/>
+          <a:p>
+            <a:pPr algn="l"/>
+            <a:r>
+              <a:rPr lang="zh-CN" altLang="en-US" b="1" dirty="0">
+                <a:latin typeface="Adobe 黑体 Std R" panose="020B0400000000000000" pitchFamily="34" charset="-122"/>
+                <a:ea typeface="Adobe 黑体 Std R" panose="020B0400000000000000" pitchFamily="34" charset="-122"/>
+              </a:rPr>
+              <a:t>目录</a:t>
+            </a:r>
+          </a:p>
+        </p:txBody>
+      </p:sp>
+      <p:sp>
+        <p:nvSpPr>
+          <p:cNvPr id="3" name="内容占位符 2"/>
+          <p:cNvSpPr>
+            <a:spLocks noGrp="1"/>
+          </p:cNvSpPr>
+          <p:nvPr>
+            <p:ph idx="1"/>
+          </p:nvPr>
+        </p:nvSpPr>
+        <p:spPr/>
+        <p:txBody>
+          <a:bodyPr/>
+          <a:lstStyle/>
+          <a:p>
+            <a:r>
+              <a:rPr lang="en-US" altLang="zh-CN" b="1" dirty="0"/>
+              <a:t>3.1</a:t>
+            </a:r>
+            <a:r>
+              <a:rPr lang="zh-CN" altLang="zh-CN" b="1" dirty="0"/>
+              <a:t>开发规范的重要性</a:t>
+            </a:r>
+          </a:p>
+          <a:p>
+            <a:r>
+              <a:rPr lang="en-US" altLang="zh-CN" b="1" dirty="0"/>
+              <a:t>3.2</a:t>
+            </a:r>
+            <a:r>
+              <a:rPr lang="zh-CN" altLang="zh-CN" b="1" dirty="0"/>
+              <a:t>文档规范</a:t>
+            </a:r>
+          </a:p>
+          <a:p>
+            <a:r>
+              <a:rPr lang="en-US" altLang="zh-CN" b="1" dirty="0"/>
+              <a:t>3.3</a:t>
+            </a:r>
+            <a:r>
+              <a:rPr lang="zh-CN" altLang="zh-CN" b="1" dirty="0"/>
+              <a:t>编程规范</a:t>
+            </a:r>
+            <a:endParaRPr lang="en-US" altLang="zh-CN" b="1" dirty="0"/>
+          </a:p>
+          <a:p>
+            <a:r>
+              <a:rPr lang="en-US" altLang="zh-CN" b="1" dirty="0">
+                <a:solidFill>
+                  <a:srgbClr val="FF0000"/>
+                </a:solidFill>
+              </a:rPr>
+              <a:t>3.4</a:t>
+            </a:r>
+            <a:r>
+              <a:rPr lang="zh-CN" altLang="zh-CN" b="1" dirty="0">
+                <a:solidFill>
+                  <a:srgbClr val="FF0000"/>
+                </a:solidFill>
+              </a:rPr>
+              <a:t>流程规范</a:t>
+            </a:r>
+          </a:p>
+          <a:p>
+            <a:r>
+              <a:rPr lang="en-US" altLang="zh-CN" b="1" dirty="0"/>
+              <a:t>3.5</a:t>
+            </a:r>
+            <a:r>
+              <a:rPr lang="zh-CN" altLang="zh-CN" b="1" dirty="0"/>
+              <a:t>敏捷</a:t>
+            </a:r>
+          </a:p>
+          <a:p>
+            <a:endParaRPr lang="zh-CN" altLang="en-US" dirty="0"/>
+          </a:p>
+        </p:txBody>
+      </p:sp>
+    </p:spTree>
+    <p:extLst>
+      <p:ext uri="{BB962C8B-B14F-4D97-AF65-F5344CB8AC3E}">
+        <p14:creationId xmlns:p14="http://schemas.microsoft.com/office/powerpoint/2010/main" val="4051573678"/>
+      </p:ext>
+    </p:extLst>
+  </p:cSld>
+  <p:clrMapOvr>
+    <a:masterClrMapping/>
+  </p:clrMapOvr>
+</p:sld>
+</file>
+
 <file path=ppt/slides/slide24.xml><?xml version="1.0" encoding="utf-8"?>
 <p:sld xmlns:a="http://schemas.openxmlformats.org/drawingml/2006/main" xmlns:r="http://schemas.openxmlformats.org/officeDocument/2006/relationships" xmlns:p="http://schemas.openxmlformats.org/presentationml/2006/main">
   <p:cSld>
@@ -10528,140 +10527,6 @@
           <a:bodyPr/>
           <a:lstStyle/>
           <a:p>
-            <a:pPr algn="l"/>
-            <a:r>
-              <a:rPr lang="zh-CN" altLang="en-US" b="1" dirty="0">
-                <a:latin typeface="Adobe 黑体 Std R" panose="020B0400000000000000" pitchFamily="34" charset="-122"/>
-                <a:ea typeface="Adobe 黑体 Std R" panose="020B0400000000000000" pitchFamily="34" charset="-122"/>
-              </a:rPr>
-              <a:t>目录</a:t>
-            </a:r>
-          </a:p>
-        </p:txBody>
-      </p:sp>
-      <p:sp>
-        <p:nvSpPr>
-          <p:cNvPr id="3" name="内容占位符 2"/>
-          <p:cNvSpPr>
-            <a:spLocks noGrp="1"/>
-          </p:cNvSpPr>
-          <p:nvPr>
-            <p:ph idx="1"/>
-          </p:nvPr>
-        </p:nvSpPr>
-        <p:spPr/>
-        <p:txBody>
-          <a:bodyPr/>
-          <a:lstStyle/>
-          <a:p>
-            <a:r>
-              <a:rPr lang="en-US" altLang="zh-CN" b="1" dirty="0"/>
-              <a:t>3.1</a:t>
-            </a:r>
-            <a:r>
-              <a:rPr lang="zh-CN" altLang="zh-CN" b="1" dirty="0"/>
-              <a:t>开发规范的重要性</a:t>
-            </a:r>
-          </a:p>
-          <a:p>
-            <a:r>
-              <a:rPr lang="en-US" altLang="zh-CN" b="1" dirty="0"/>
-              <a:t>3.2</a:t>
-            </a:r>
-            <a:r>
-              <a:rPr lang="zh-CN" altLang="zh-CN" b="1" dirty="0"/>
-              <a:t>文档规范</a:t>
-            </a:r>
-          </a:p>
-          <a:p>
-            <a:r>
-              <a:rPr lang="en-US" altLang="zh-CN" b="1" dirty="0"/>
-              <a:t>3.3</a:t>
-            </a:r>
-            <a:r>
-              <a:rPr lang="zh-CN" altLang="zh-CN" b="1" dirty="0"/>
-              <a:t>编程规范</a:t>
-            </a:r>
-            <a:endParaRPr lang="en-US" altLang="zh-CN" b="1" dirty="0"/>
-          </a:p>
-          <a:p>
-            <a:r>
-              <a:rPr lang="en-US" altLang="zh-CN" b="1" dirty="0">
-                <a:solidFill>
-                  <a:srgbClr val="FF0000"/>
-                </a:solidFill>
-              </a:rPr>
-              <a:t>3.4</a:t>
-            </a:r>
-            <a:r>
-              <a:rPr lang="zh-CN" altLang="zh-CN" b="1" dirty="0">
-                <a:solidFill>
-                  <a:srgbClr val="FF0000"/>
-                </a:solidFill>
-              </a:rPr>
-              <a:t>流程规范</a:t>
-            </a:r>
-          </a:p>
-          <a:p>
-            <a:r>
-              <a:rPr lang="en-US" altLang="zh-CN" b="1" dirty="0"/>
-              <a:t>3.5</a:t>
-            </a:r>
-            <a:r>
-              <a:rPr lang="zh-CN" altLang="zh-CN" b="1" dirty="0"/>
-              <a:t>敏捷</a:t>
-            </a:r>
-          </a:p>
-          <a:p>
-            <a:endParaRPr lang="zh-CN" altLang="en-US" dirty="0"/>
-          </a:p>
-        </p:txBody>
-      </p:sp>
-    </p:spTree>
-    <p:extLst>
-      <p:ext uri="{BB962C8B-B14F-4D97-AF65-F5344CB8AC3E}">
-        <p14:creationId xmlns:p14="http://schemas.microsoft.com/office/powerpoint/2010/main" val="4051573678"/>
-      </p:ext>
-    </p:extLst>
-  </p:cSld>
-  <p:clrMapOvr>
-    <a:masterClrMapping/>
-  </p:clrMapOvr>
-</p:sld>
-</file>
-
-<file path=ppt/slides/slide25.xml><?xml version="1.0" encoding="utf-8"?>
-<p:sld xmlns:a="http://schemas.openxmlformats.org/drawingml/2006/main" xmlns:r="http://schemas.openxmlformats.org/officeDocument/2006/relationships" xmlns:p="http://schemas.openxmlformats.org/presentationml/2006/main">
-  <p:cSld>
-    <p:spTree>
-      <p:nvGrpSpPr>
-        <p:cNvPr id="1" name=""/>
-        <p:cNvGrpSpPr/>
-        <p:nvPr/>
-      </p:nvGrpSpPr>
-      <p:grpSpPr>
-        <a:xfrm>
-          <a:off x="0" y="0"/>
-          <a:ext cx="0" cy="0"/>
-          <a:chOff x="0" y="0"/>
-          <a:chExt cx="0" cy="0"/>
-        </a:xfrm>
-      </p:grpSpPr>
-      <p:sp>
-        <p:nvSpPr>
-          <p:cNvPr id="2" name="标题 1"/>
-          <p:cNvSpPr>
-            <a:spLocks noGrp="1"/>
-          </p:cNvSpPr>
-          <p:nvPr>
-            <p:ph type="title"/>
-          </p:nvPr>
-        </p:nvSpPr>
-        <p:spPr/>
-        <p:txBody>
-          <a:bodyPr/>
-          <a:lstStyle/>
-          <a:p>
             <a:r>
               <a:rPr lang="zh-CN" altLang="en-US" b="1" dirty="0"/>
               <a:t>流程规范的内容</a:t>
@@ -10753,7 +10618,7 @@
 </p:sld>
 </file>
 
-<file path=ppt/slides/slide26.xml><?xml version="1.0" encoding="utf-8"?>
+<file path=ppt/slides/slide25.xml><?xml version="1.0" encoding="utf-8"?>
 <p:sld xmlns:a="http://schemas.openxmlformats.org/drawingml/2006/main" xmlns:r="http://schemas.openxmlformats.org/officeDocument/2006/relationships" xmlns:p="http://schemas.openxmlformats.org/presentationml/2006/main">
   <p:cSld>
     <p:spTree>
@@ -10829,7 +10694,7 @@
 </p:sld>
 </file>
 
-<file path=ppt/slides/slide27.xml><?xml version="1.0" encoding="utf-8"?>
+<file path=ppt/slides/slide26.xml><?xml version="1.0" encoding="utf-8"?>
 <p:sld xmlns:a="http://schemas.openxmlformats.org/drawingml/2006/main" xmlns:r="http://schemas.openxmlformats.org/officeDocument/2006/relationships" xmlns:p="http://schemas.openxmlformats.org/presentationml/2006/main">
   <p:cSld>
     <p:spTree>
@@ -10942,7 +10807,7 @@
 </p:sld>
 </file>
 
-<file path=ppt/slides/slide28.xml><?xml version="1.0" encoding="utf-8"?>
+<file path=ppt/slides/slide27.xml><?xml version="1.0" encoding="utf-8"?>
 <p:sld xmlns:a="http://schemas.openxmlformats.org/drawingml/2006/main" xmlns:r="http://schemas.openxmlformats.org/officeDocument/2006/relationships" xmlns:p="http://schemas.openxmlformats.org/presentationml/2006/main">
   <p:cSld>
     <p:spTree>
@@ -11048,7 +10913,7 @@
 </p:sld>
 </file>
 
-<file path=ppt/slides/slide29.xml><?xml version="1.0" encoding="utf-8"?>
+<file path=ppt/slides/slide28.xml><?xml version="1.0" encoding="utf-8"?>
 <p:sld xmlns:a="http://schemas.openxmlformats.org/drawingml/2006/main" xmlns:r="http://schemas.openxmlformats.org/officeDocument/2006/relationships" xmlns:p="http://schemas.openxmlformats.org/presentationml/2006/main">
   <p:cSld>
     <p:spTree>
@@ -11229,6 +11094,136 @@
     <p:extLst>
       <p:ext uri="{BB962C8B-B14F-4D97-AF65-F5344CB8AC3E}">
         <p14:creationId xmlns:p14="http://schemas.microsoft.com/office/powerpoint/2010/main" val="3055147963"/>
+      </p:ext>
+    </p:extLst>
+  </p:cSld>
+  <p:clrMapOvr>
+    <a:masterClrMapping/>
+  </p:clrMapOvr>
+</p:sld>
+</file>
+
+<file path=ppt/slides/slide29.xml><?xml version="1.0" encoding="utf-8"?>
+<p:sld xmlns:a="http://schemas.openxmlformats.org/drawingml/2006/main" xmlns:r="http://schemas.openxmlformats.org/officeDocument/2006/relationships" xmlns:p="http://schemas.openxmlformats.org/presentationml/2006/main">
+  <p:cSld>
+    <p:spTree>
+      <p:nvGrpSpPr>
+        <p:cNvPr id="1" name=""/>
+        <p:cNvGrpSpPr/>
+        <p:nvPr/>
+      </p:nvGrpSpPr>
+      <p:grpSpPr>
+        <a:xfrm>
+          <a:off x="0" y="0"/>
+          <a:ext cx="0" cy="0"/>
+          <a:chOff x="0" y="0"/>
+          <a:chExt cx="0" cy="0"/>
+        </a:xfrm>
+      </p:grpSpPr>
+      <p:sp>
+        <p:nvSpPr>
+          <p:cNvPr id="2" name="标题 1"/>
+          <p:cNvSpPr>
+            <a:spLocks noGrp="1"/>
+          </p:cNvSpPr>
+          <p:nvPr>
+            <p:ph type="title"/>
+          </p:nvPr>
+        </p:nvSpPr>
+        <p:spPr/>
+        <p:txBody>
+          <a:bodyPr/>
+          <a:lstStyle/>
+          <a:p>
+            <a:r>
+              <a:rPr lang="zh-CN" altLang="en-US" b="1" dirty="0"/>
+              <a:t>一些流程软件</a:t>
+            </a:r>
+          </a:p>
+        </p:txBody>
+      </p:sp>
+      <p:sp>
+        <p:nvSpPr>
+          <p:cNvPr id="4" name="内容占位符 3"/>
+          <p:cNvSpPr>
+            <a:spLocks noGrp="1"/>
+          </p:cNvSpPr>
+          <p:nvPr>
+            <p:ph idx="1"/>
+          </p:nvPr>
+        </p:nvSpPr>
+        <p:spPr>
+          <a:xfrm>
+            <a:off x="1403648" y="2564904"/>
+            <a:ext cx="6336704" cy="3180184"/>
+          </a:xfrm>
+        </p:spPr>
+        <p:txBody>
+          <a:bodyPr/>
+          <a:lstStyle/>
+          <a:p>
+            <a:r>
+              <a:rPr lang="en-US" altLang="zh-CN" b="1" dirty="0">
+                <a:latin typeface="Adobe 楷体 Std R" panose="02020400000000000000" pitchFamily="18" charset="-122"/>
+                <a:ea typeface="Adobe 楷体 Std R" panose="02020400000000000000" pitchFamily="18" charset="-122"/>
+              </a:rPr>
+              <a:t>Jira :</a:t>
+            </a:r>
+            <a:r>
+              <a:rPr lang="zh-CN" altLang="en-US" b="1" dirty="0">
+                <a:latin typeface="Adobe 楷体 Std R" panose="02020400000000000000" pitchFamily="18" charset="-122"/>
+                <a:ea typeface="Adobe 楷体 Std R" panose="02020400000000000000" pitchFamily="18" charset="-122"/>
+              </a:rPr>
+              <a:t>被广泛应用于缺陷跟踪、客户服务、需求收集、流程审批、任务跟踪、项目跟踪和敏捷管理等工作领域。</a:t>
+            </a:r>
+          </a:p>
+        </p:txBody>
+      </p:sp>
+      <p:pic>
+        <p:nvPicPr>
+          <p:cNvPr id="1028" name="Picture 4" descr="http://f.hiphotos.baidu.com/baike/w%3D268%3Bg%3D0/sign=ba0e14730b55b3199cf985737b92e51b/55e736d12f2eb9388e9d2280d4628535e4dd6fcb.jpg"/>
+          <p:cNvPicPr>
+            <a:picLocks noChangeAspect="1" noChangeArrowheads="1"/>
+          </p:cNvPicPr>
+          <p:nvPr/>
+        </p:nvPicPr>
+        <p:blipFill>
+          <a:blip r:embed="rId2">
+            <a:extLst>
+              <a:ext uri="{28A0092B-C50C-407E-A947-70E740481C1C}">
+                <a14:useLocalDpi xmlns:a14="http://schemas.microsoft.com/office/drawing/2010/main" val="0"/>
+              </a:ext>
+            </a:extLst>
+          </a:blip>
+          <a:srcRect/>
+          <a:stretch>
+            <a:fillRect/>
+          </a:stretch>
+        </p:blipFill>
+        <p:spPr bwMode="auto">
+          <a:xfrm>
+            <a:off x="4788024" y="3933056"/>
+            <a:ext cx="2552700" cy="1390651"/>
+          </a:xfrm>
+          <a:prstGeom prst="rect">
+            <a:avLst/>
+          </a:prstGeom>
+          <a:noFill/>
+          <a:extLst>
+            <a:ext uri="{909E8E84-426E-40DD-AFC4-6F175D3DCCD1}">
+              <a14:hiddenFill xmlns:a14="http://schemas.microsoft.com/office/drawing/2010/main">
+                <a:solidFill>
+                  <a:srgbClr val="FFFFFF"/>
+                </a:solidFill>
+              </a14:hiddenFill>
+            </a:ext>
+          </a:extLst>
+        </p:spPr>
+      </p:pic>
+    </p:spTree>
+    <p:extLst>
+      <p:ext uri="{BB962C8B-B14F-4D97-AF65-F5344CB8AC3E}">
+        <p14:creationId xmlns:p14="http://schemas.microsoft.com/office/powerpoint/2010/main" val="1692191879"/>
       </p:ext>
     </p:extLst>
   </p:cSld>
@@ -11592,14 +11587,14 @@
           <a:p>
             <a:r>
               <a:rPr lang="zh-CN" altLang="en-US" b="1" dirty="0"/>
-              <a:t>一些流程软件</a:t>
-            </a:r>
-          </a:p>
-        </p:txBody>
-      </p:sp>
-      <p:sp>
-        <p:nvSpPr>
-          <p:cNvPr id="4" name="内容占位符 3"/>
+              <a:t>其他产品</a:t>
+            </a:r>
+          </a:p>
+        </p:txBody>
+      </p:sp>
+      <p:sp>
+        <p:nvSpPr>
+          <p:cNvPr id="3" name="内容占位符 2"/>
           <p:cNvSpPr>
             <a:spLocks noGrp="1"/>
           </p:cNvSpPr>
@@ -11607,78 +11602,76 @@
             <p:ph idx="1"/>
           </p:nvPr>
         </p:nvSpPr>
-        <p:spPr>
-          <a:xfrm>
-            <a:off x="1403648" y="2564904"/>
-            <a:ext cx="6336704" cy="3180184"/>
-          </a:xfrm>
-        </p:spPr>
+        <p:spPr/>
         <p:txBody>
           <a:bodyPr/>
           <a:lstStyle/>
+          <a:p>
+            <a:r>
+              <a:rPr lang="en-US" altLang="zh-CN" b="1" dirty="0" err="1">
+                <a:latin typeface="Adobe 楷体 Std R" panose="02020400000000000000" pitchFamily="18" charset="-122"/>
+                <a:ea typeface="Adobe 楷体 Std R" panose="02020400000000000000" pitchFamily="18" charset="-122"/>
+              </a:rPr>
+              <a:t>Axosoft</a:t>
+            </a:r>
+            <a:endParaRPr lang="en-US" altLang="zh-CN" b="1" dirty="0">
+              <a:latin typeface="Adobe 楷体 Std R" panose="02020400000000000000" pitchFamily="18" charset="-122"/>
+              <a:ea typeface="Adobe 楷体 Std R" panose="02020400000000000000" pitchFamily="18" charset="-122"/>
+            </a:endParaRPr>
+          </a:p>
           <a:p>
             <a:r>
               <a:rPr lang="en-US" altLang="zh-CN" b="1" dirty="0">
                 <a:latin typeface="Adobe 楷体 Std R" panose="02020400000000000000" pitchFamily="18" charset="-122"/>
                 <a:ea typeface="Adobe 楷体 Std R" panose="02020400000000000000" pitchFamily="18" charset="-122"/>
               </a:rPr>
-              <a:t>Jira :</a:t>
-            </a:r>
+              <a:t>Redmine</a:t>
+            </a:r>
+          </a:p>
+          <a:p>
+            <a:r>
+              <a:rPr lang="en-US" altLang="zh-CN" b="1" dirty="0" err="1">
+                <a:latin typeface="Adobe 楷体 Std R" panose="02020400000000000000" pitchFamily="18" charset="-122"/>
+                <a:ea typeface="Adobe 楷体 Std R" panose="02020400000000000000" pitchFamily="18" charset="-122"/>
+              </a:rPr>
+              <a:t>TestTracker</a:t>
+            </a:r>
+            <a:endParaRPr lang="en-US" altLang="zh-CN" b="1" dirty="0">
+              <a:latin typeface="Adobe 楷体 Std R" panose="02020400000000000000" pitchFamily="18" charset="-122"/>
+              <a:ea typeface="Adobe 楷体 Std R" panose="02020400000000000000" pitchFamily="18" charset="-122"/>
+            </a:endParaRPr>
+          </a:p>
+          <a:p>
             <a:r>
               <a:rPr lang="zh-CN" altLang="en-US" b="1" dirty="0">
                 <a:latin typeface="Adobe 楷体 Std R" panose="02020400000000000000" pitchFamily="18" charset="-122"/>
                 <a:ea typeface="Adobe 楷体 Std R" panose="02020400000000000000" pitchFamily="18" charset="-122"/>
               </a:rPr>
-              <a:t>被广泛应用于缺陷跟踪、客户服务、需求收集、流程审批、任务跟踪、项目跟踪和敏捷管理等工作领域。</a:t>
-            </a:r>
-          </a:p>
-        </p:txBody>
-      </p:sp>
-      <p:pic>
-        <p:nvPicPr>
-          <p:cNvPr id="1028" name="Picture 4" descr="http://f.hiphotos.baidu.com/baike/w%3D268%3Bg%3D0/sign=ba0e14730b55b3199cf985737b92e51b/55e736d12f2eb9388e9d2280d4628535e4dd6fcb.jpg"/>
-          <p:cNvPicPr>
-            <a:picLocks noChangeAspect="1" noChangeArrowheads="1"/>
-          </p:cNvPicPr>
-          <p:nvPr/>
-        </p:nvPicPr>
-        <p:blipFill>
-          <a:blip r:embed="rId2">
-            <a:extLst>
-              <a:ext uri="{28A0092B-C50C-407E-A947-70E740481C1C}">
-                <a14:useLocalDpi xmlns:a14="http://schemas.microsoft.com/office/drawing/2010/main" val="0"/>
-              </a:ext>
-            </a:extLst>
-          </a:blip>
-          <a:srcRect/>
-          <a:stretch>
-            <a:fillRect/>
-          </a:stretch>
-        </p:blipFill>
-        <p:spPr bwMode="auto">
-          <a:xfrm>
-            <a:off x="4788024" y="3933056"/>
-            <a:ext cx="2552700" cy="1390651"/>
-          </a:xfrm>
-          <a:prstGeom prst="rect">
-            <a:avLst/>
-          </a:prstGeom>
-          <a:noFill/>
-          <a:extLst>
-            <a:ext uri="{909E8E84-426E-40DD-AFC4-6F175D3DCCD1}">
-              <a14:hiddenFill xmlns:a14="http://schemas.microsoft.com/office/drawing/2010/main">
-                <a:solidFill>
-                  <a:srgbClr val="FFFFFF"/>
-                </a:solidFill>
-              </a14:hiddenFill>
-            </a:ext>
-          </a:extLst>
-        </p:spPr>
-      </p:pic>
+              <a:t>腾讯</a:t>
+            </a:r>
+            <a:r>
+              <a:rPr lang="en-US" altLang="zh-CN" b="1" dirty="0">
+                <a:latin typeface="Adobe 楷体 Std R" panose="02020400000000000000" pitchFamily="18" charset="-122"/>
+                <a:ea typeface="Adobe 楷体 Std R" panose="02020400000000000000" pitchFamily="18" charset="-122"/>
+              </a:rPr>
+              <a:t>TAPD</a:t>
+            </a:r>
+          </a:p>
+          <a:p>
+            <a:r>
+              <a:rPr lang="zh-CN" altLang="en-US" b="1" dirty="0">
+                <a:latin typeface="Adobe 楷体 Std R" panose="02020400000000000000" pitchFamily="18" charset="-122"/>
+                <a:ea typeface="Adobe 楷体 Std R" panose="02020400000000000000" pitchFamily="18" charset="-122"/>
+              </a:rPr>
+              <a:t>禅道</a:t>
+            </a:r>
+          </a:p>
+        </p:txBody>
+      </p:sp>
     </p:spTree>
     <p:extLst>
       <p:ext uri="{BB962C8B-B14F-4D97-AF65-F5344CB8AC3E}">
-        <p14:creationId xmlns:p14="http://schemas.microsoft.com/office/powerpoint/2010/main" val="1692191879"/>
+        <p14:creationId xmlns:p14="http://schemas.microsoft.com/office/powerpoint/2010/main" val="3180841753"/>
       </p:ext>
     </p:extLst>
   </p:cSld>
@@ -11720,9 +11713,13 @@
           <a:bodyPr/>
           <a:lstStyle/>
           <a:p>
-            <a:r>
-              <a:rPr lang="zh-CN" altLang="en-US" b="1" dirty="0"/>
-              <a:t>其他产品</a:t>
+            <a:pPr algn="l"/>
+            <a:r>
+              <a:rPr lang="zh-CN" altLang="en-US" b="1" dirty="0">
+                <a:latin typeface="Adobe 黑体 Std R" panose="020B0400000000000000" pitchFamily="34" charset="-122"/>
+                <a:ea typeface="Adobe 黑体 Std R" panose="020B0400000000000000" pitchFamily="34" charset="-122"/>
+              </a:rPr>
+              <a:t>目录</a:t>
             </a:r>
           </a:p>
         </p:txBody>
@@ -11743,70 +11740,72 @@
           <a:lstStyle/>
           <a:p>
             <a:r>
-              <a:rPr lang="en-US" altLang="zh-CN" b="1" dirty="0" err="1">
-                <a:latin typeface="Adobe 楷体 Std R" panose="02020400000000000000" pitchFamily="18" charset="-122"/>
-                <a:ea typeface="Adobe 楷体 Std R" panose="02020400000000000000" pitchFamily="18" charset="-122"/>
-              </a:rPr>
-              <a:t>Axosoft</a:t>
-            </a:r>
-            <a:endParaRPr lang="en-US" altLang="zh-CN" b="1" dirty="0">
-              <a:latin typeface="Adobe 楷体 Std R" panose="02020400000000000000" pitchFamily="18" charset="-122"/>
-              <a:ea typeface="Adobe 楷体 Std R" panose="02020400000000000000" pitchFamily="18" charset="-122"/>
-            </a:endParaRPr>
+              <a:rPr lang="en-US" altLang="zh-CN" b="1" dirty="0"/>
+              <a:t>3.1</a:t>
+            </a:r>
+            <a:r>
+              <a:rPr lang="zh-CN" altLang="zh-CN" b="1" dirty="0"/>
+              <a:t>开发规范的重要性</a:t>
+            </a:r>
+          </a:p>
+          <a:p>
+            <a:r>
+              <a:rPr lang="en-US" altLang="zh-CN" b="1" dirty="0"/>
+              <a:t>3.2</a:t>
+            </a:r>
+            <a:r>
+              <a:rPr lang="zh-CN" altLang="zh-CN" b="1" dirty="0"/>
+              <a:t>文档规范</a:t>
+            </a:r>
+          </a:p>
+          <a:p>
+            <a:r>
+              <a:rPr lang="en-US" altLang="zh-CN" b="1" dirty="0"/>
+              <a:t>3.3</a:t>
+            </a:r>
+            <a:r>
+              <a:rPr lang="zh-CN" altLang="zh-CN" b="1" dirty="0"/>
+              <a:t>编程规范</a:t>
+            </a:r>
+            <a:endParaRPr lang="en-US" altLang="zh-CN" b="1" dirty="0"/>
+          </a:p>
+          <a:p>
+            <a:r>
+              <a:rPr lang="en-US" altLang="zh-CN" b="1" dirty="0"/>
+              <a:t>3.4</a:t>
+            </a:r>
+            <a:r>
+              <a:rPr lang="zh-CN" altLang="zh-CN" b="1" dirty="0"/>
+              <a:t>流程规范</a:t>
+            </a:r>
           </a:p>
           <a:p>
             <a:r>
               <a:rPr lang="en-US" altLang="zh-CN" b="1" dirty="0">
-                <a:latin typeface="Adobe 楷体 Std R" panose="02020400000000000000" pitchFamily="18" charset="-122"/>
-                <a:ea typeface="Adobe 楷体 Std R" panose="02020400000000000000" pitchFamily="18" charset="-122"/>
-              </a:rPr>
-              <a:t>Redmine</a:t>
-            </a:r>
-          </a:p>
-          <a:p>
-            <a:r>
-              <a:rPr lang="en-US" altLang="zh-CN" b="1" dirty="0" err="1">
-                <a:latin typeface="Adobe 楷体 Std R" panose="02020400000000000000" pitchFamily="18" charset="-122"/>
-                <a:ea typeface="Adobe 楷体 Std R" panose="02020400000000000000" pitchFamily="18" charset="-122"/>
-              </a:rPr>
-              <a:t>TestTracker</a:t>
-            </a:r>
-            <a:endParaRPr lang="en-US" altLang="zh-CN" b="1" dirty="0">
-              <a:latin typeface="Adobe 楷体 Std R" panose="02020400000000000000" pitchFamily="18" charset="-122"/>
-              <a:ea typeface="Adobe 楷体 Std R" panose="02020400000000000000" pitchFamily="18" charset="-122"/>
-            </a:endParaRPr>
-          </a:p>
-          <a:p>
-            <a:r>
-              <a:rPr lang="zh-CN" altLang="en-US" b="1" dirty="0">
-                <a:latin typeface="Adobe 楷体 Std R" panose="02020400000000000000" pitchFamily="18" charset="-122"/>
-                <a:ea typeface="Adobe 楷体 Std R" panose="02020400000000000000" pitchFamily="18" charset="-122"/>
-              </a:rPr>
-              <a:t>腾讯</a:t>
-            </a:r>
-            <a:r>
-              <a:rPr lang="en-US" altLang="zh-CN" b="1" dirty="0">
-                <a:latin typeface="Adobe 楷体 Std R" panose="02020400000000000000" pitchFamily="18" charset="-122"/>
-                <a:ea typeface="Adobe 楷体 Std R" panose="02020400000000000000" pitchFamily="18" charset="-122"/>
-              </a:rPr>
-              <a:t>TAPD</a:t>
-            </a:r>
-          </a:p>
-          <a:p>
-            <a:r>
-              <a:rPr lang="zh-CN" altLang="en-US" b="1" dirty="0">
-                <a:latin typeface="Adobe 楷体 Std R" panose="02020400000000000000" pitchFamily="18" charset="-122"/>
-                <a:ea typeface="Adobe 楷体 Std R" panose="02020400000000000000" pitchFamily="18" charset="-122"/>
-              </a:rPr>
-              <a:t>禅道</a:t>
-            </a:r>
+                <a:solidFill>
+                  <a:srgbClr val="FF0000"/>
+                </a:solidFill>
+              </a:rPr>
+              <a:t>3.5</a:t>
+            </a:r>
+            <a:r>
+              <a:rPr lang="zh-CN" altLang="zh-CN" b="1" dirty="0">
+                <a:solidFill>
+                  <a:srgbClr val="FF0000"/>
+                </a:solidFill>
+              </a:rPr>
+              <a:t>敏捷</a:t>
+            </a:r>
+          </a:p>
+          <a:p>
+            <a:endParaRPr lang="zh-CN" altLang="en-US" dirty="0"/>
           </a:p>
         </p:txBody>
       </p:sp>
     </p:spTree>
     <p:extLst>
       <p:ext uri="{BB962C8B-B14F-4D97-AF65-F5344CB8AC3E}">
-        <p14:creationId xmlns:p14="http://schemas.microsoft.com/office/powerpoint/2010/main" val="3180841753"/>
+        <p14:creationId xmlns:p14="http://schemas.microsoft.com/office/powerpoint/2010/main" val="2979055397"/>
       </p:ext>
     </p:extLst>
   </p:cSld>
@@ -11848,13 +11847,9 @@
           <a:bodyPr/>
           <a:lstStyle/>
           <a:p>
-            <a:pPr algn="l"/>
-            <a:r>
-              <a:rPr lang="zh-CN" altLang="en-US" b="1" dirty="0">
-                <a:latin typeface="Adobe 黑体 Std R" panose="020B0400000000000000" pitchFamily="34" charset="-122"/>
-                <a:ea typeface="Adobe 黑体 Std R" panose="020B0400000000000000" pitchFamily="34" charset="-122"/>
-              </a:rPr>
-              <a:t>目录</a:t>
+            <a:r>
+              <a:rPr lang="zh-CN" altLang="en-US" b="1" dirty="0"/>
+              <a:t>敏捷开发</a:t>
             </a:r>
           </a:p>
         </p:txBody>
@@ -11875,72 +11870,24 @@
           <a:lstStyle/>
           <a:p>
             <a:r>
-              <a:rPr lang="en-US" altLang="zh-CN" b="1" dirty="0"/>
-              <a:t>3.1</a:t>
-            </a:r>
-            <a:r>
-              <a:rPr lang="zh-CN" altLang="zh-CN" b="1" dirty="0"/>
-              <a:t>开发规范的重要性</a:t>
-            </a:r>
-          </a:p>
-          <a:p>
-            <a:r>
-              <a:rPr lang="en-US" altLang="zh-CN" b="1" dirty="0"/>
-              <a:t>3.2</a:t>
-            </a:r>
-            <a:r>
-              <a:rPr lang="zh-CN" altLang="zh-CN" b="1" dirty="0"/>
-              <a:t>文档规范</a:t>
-            </a:r>
-          </a:p>
-          <a:p>
-            <a:r>
-              <a:rPr lang="en-US" altLang="zh-CN" b="1" dirty="0"/>
-              <a:t>3.3</a:t>
-            </a:r>
-            <a:r>
-              <a:rPr lang="zh-CN" altLang="zh-CN" b="1" dirty="0"/>
-              <a:t>编程规范</a:t>
-            </a:r>
-            <a:endParaRPr lang="en-US" altLang="zh-CN" b="1" dirty="0"/>
-          </a:p>
-          <a:p>
-            <a:r>
-              <a:rPr lang="en-US" altLang="zh-CN" b="1" dirty="0"/>
-              <a:t>3.4</a:t>
-            </a:r>
-            <a:r>
-              <a:rPr lang="zh-CN" altLang="zh-CN" b="1" dirty="0"/>
-              <a:t>流程规范</a:t>
-            </a:r>
-          </a:p>
-          <a:p>
-            <a:r>
-              <a:rPr lang="en-US" altLang="zh-CN" b="1" dirty="0">
+              <a:rPr lang="zh-CN" altLang="en-US" b="1" dirty="0"/>
+              <a:t>以人为核心、迭代、循序渐进的</a:t>
+            </a:r>
+            <a:r>
+              <a:rPr lang="zh-CN" altLang="en-US" b="1" dirty="0">
                 <a:solidFill>
                   <a:srgbClr val="FF0000"/>
                 </a:solidFill>
               </a:rPr>
-              <a:t>3.5</a:t>
-            </a:r>
-            <a:r>
-              <a:rPr lang="zh-CN" altLang="zh-CN" b="1" dirty="0">
-                <a:solidFill>
-                  <a:srgbClr val="FF0000"/>
-                </a:solidFill>
-              </a:rPr>
-              <a:t>敏捷</a:t>
-            </a:r>
-          </a:p>
-          <a:p>
-            <a:endParaRPr lang="zh-CN" altLang="en-US" dirty="0"/>
+              <a:t>开发方法</a:t>
+            </a:r>
           </a:p>
         </p:txBody>
       </p:sp>
     </p:spTree>
     <p:extLst>
       <p:ext uri="{BB962C8B-B14F-4D97-AF65-F5344CB8AC3E}">
-        <p14:creationId xmlns:p14="http://schemas.microsoft.com/office/powerpoint/2010/main" val="2979055397"/>
+        <p14:creationId xmlns:p14="http://schemas.microsoft.com/office/powerpoint/2010/main" val="2314596384"/>
       </p:ext>
     </p:extLst>
   </p:cSld>
@@ -11984,7 +11931,7 @@
           <a:p>
             <a:r>
               <a:rPr lang="zh-CN" altLang="en-US" b="1" dirty="0"/>
-              <a:t>敏捷开发</a:t>
+              <a:t>一些特点</a:t>
             </a:r>
           </a:p>
         </p:txBody>
@@ -12005,16 +11952,37 @@
           <a:lstStyle/>
           <a:p>
             <a:r>
-              <a:rPr lang="zh-CN" altLang="en-US" b="1" dirty="0"/>
-              <a:t>以人为核心、迭代、循序渐进的</a:t>
-            </a:r>
-            <a:r>
               <a:rPr lang="zh-CN" altLang="en-US" b="1" dirty="0">
-                <a:solidFill>
-                  <a:srgbClr val="FF0000"/>
-                </a:solidFill>
-              </a:rPr>
-              <a:t>开发方法</a:t>
+                <a:latin typeface="Adobe 楷体 Std R" panose="02020400000000000000" pitchFamily="18" charset="-122"/>
+                <a:ea typeface="Adobe 楷体 Std R" panose="02020400000000000000" pitchFamily="18" charset="-122"/>
+              </a:rPr>
+              <a:t>快速应对需求变化</a:t>
+            </a:r>
+            <a:endParaRPr lang="en-US" altLang="zh-CN" b="1" dirty="0">
+              <a:latin typeface="Adobe 楷体 Std R" panose="02020400000000000000" pitchFamily="18" charset="-122"/>
+              <a:ea typeface="Adobe 楷体 Std R" panose="02020400000000000000" pitchFamily="18" charset="-122"/>
+            </a:endParaRPr>
+          </a:p>
+          <a:p>
+            <a:r>
+              <a:rPr lang="zh-CN" altLang="en-US" b="1" dirty="0">
+                <a:latin typeface="Adobe 楷体 Std R" panose="02020400000000000000" pitchFamily="18" charset="-122"/>
+                <a:ea typeface="Adobe 楷体 Std R" panose="02020400000000000000" pitchFamily="18" charset="-122"/>
+              </a:rPr>
+              <a:t>迭代式开发</a:t>
+            </a:r>
+            <a:endParaRPr lang="en-US" altLang="zh-CN" b="1" dirty="0">
+              <a:latin typeface="Adobe 楷体 Std R" panose="02020400000000000000" pitchFamily="18" charset="-122"/>
+              <a:ea typeface="Adobe 楷体 Std R" panose="02020400000000000000" pitchFamily="18" charset="-122"/>
+            </a:endParaRPr>
+          </a:p>
+          <a:p>
+            <a:r>
+              <a:rPr lang="zh-CN" altLang="en-US" b="1" dirty="0">
+                <a:latin typeface="Adobe 楷体 Std R" panose="02020400000000000000" pitchFamily="18" charset="-122"/>
+                <a:ea typeface="Adobe 楷体 Std R" panose="02020400000000000000" pitchFamily="18" charset="-122"/>
+              </a:rPr>
+              <a:t>及时修正问题</a:t>
             </a:r>
           </a:p>
         </p:txBody>
@@ -12022,7 +11990,7 @@
     </p:spTree>
     <p:extLst>
       <p:ext uri="{BB962C8B-B14F-4D97-AF65-F5344CB8AC3E}">
-        <p14:creationId xmlns:p14="http://schemas.microsoft.com/office/powerpoint/2010/main" val="2314596384"/>
+        <p14:creationId xmlns:p14="http://schemas.microsoft.com/office/powerpoint/2010/main" val="2095012554"/>
       </p:ext>
     </p:extLst>
   </p:cSld>
@@ -12066,8 +12034,9 @@
           <a:p>
             <a:r>
               <a:rPr lang="zh-CN" altLang="en-US" b="1" dirty="0"/>
-              <a:t>一些特点</a:t>
-            </a:r>
+              <a:t>工作形式</a:t>
+            </a:r>
+            <a:endParaRPr lang="zh-CN" altLang="en-US" dirty="0"/>
           </a:p>
         </p:txBody>
       </p:sp>
@@ -12081,51 +12050,66 @@
             <p:ph idx="1"/>
           </p:nvPr>
         </p:nvSpPr>
-        <p:spPr/>
+        <p:spPr>
+          <a:xfrm>
+            <a:off x="1763688" y="2708920"/>
+            <a:ext cx="5112568" cy="3444875"/>
+          </a:xfrm>
+        </p:spPr>
         <p:txBody>
           <a:bodyPr/>
           <a:lstStyle/>
           <a:p>
+            <a:r>
+              <a:rPr lang="en-US" altLang="zh-CN" b="1" dirty="0">
+                <a:latin typeface="Adobe 楷体 Std R" panose="02020400000000000000" pitchFamily="18" charset="-122"/>
+                <a:ea typeface="Adobe 楷体 Std R" panose="02020400000000000000" pitchFamily="18" charset="-122"/>
+              </a:rPr>
+              <a:t>XP</a:t>
+            </a:r>
+          </a:p>
+          <a:p>
+            <a:r>
+              <a:rPr lang="en-US" altLang="zh-CN" b="1" dirty="0">
+                <a:latin typeface="Adobe 楷体 Std R" panose="02020400000000000000" pitchFamily="18" charset="-122"/>
+                <a:ea typeface="Adobe 楷体 Std R" panose="02020400000000000000" pitchFamily="18" charset="-122"/>
+              </a:rPr>
+              <a:t>Scrum</a:t>
+            </a:r>
+          </a:p>
+          <a:p>
+            <a:r>
+              <a:rPr lang="en-US" altLang="zh-CN" b="1" dirty="0">
+                <a:latin typeface="Adobe 楷体 Std R" panose="02020400000000000000" pitchFamily="18" charset="-122"/>
+                <a:ea typeface="Adobe 楷体 Std R" panose="02020400000000000000" pitchFamily="18" charset="-122"/>
+              </a:rPr>
+              <a:t>Kanban(</a:t>
+            </a:r>
             <a:r>
               <a:rPr lang="zh-CN" altLang="en-US" b="1" dirty="0">
                 <a:latin typeface="Adobe 楷体 Std R" panose="02020400000000000000" pitchFamily="18" charset="-122"/>
                 <a:ea typeface="Adobe 楷体 Std R" panose="02020400000000000000" pitchFamily="18" charset="-122"/>
               </a:rPr>
-              <a:t>快速应对需求变化</a:t>
-            </a:r>
-            <a:endParaRPr lang="en-US" altLang="zh-CN" b="1" dirty="0">
+              <a:t>看板</a:t>
+            </a:r>
+            <a:r>
+              <a:rPr lang="en-US" altLang="zh-CN" b="1" dirty="0">
+                <a:latin typeface="Adobe 楷体 Std R" panose="02020400000000000000" pitchFamily="18" charset="-122"/>
+                <a:ea typeface="Adobe 楷体 Std R" panose="02020400000000000000" pitchFamily="18" charset="-122"/>
+              </a:rPr>
+              <a:t>)</a:t>
+            </a:r>
+            <a:endParaRPr lang="zh-CN" altLang="en-US" b="1" dirty="0">
               <a:latin typeface="Adobe 楷体 Std R" panose="02020400000000000000" pitchFamily="18" charset="-122"/>
               <a:ea typeface="Adobe 楷体 Std R" panose="02020400000000000000" pitchFamily="18" charset="-122"/>
             </a:endParaRPr>
           </a:p>
-          <a:p>
-            <a:r>
-              <a:rPr lang="zh-CN" altLang="en-US" b="1" dirty="0">
-                <a:latin typeface="Adobe 楷体 Std R" panose="02020400000000000000" pitchFamily="18" charset="-122"/>
-                <a:ea typeface="Adobe 楷体 Std R" panose="02020400000000000000" pitchFamily="18" charset="-122"/>
-              </a:rPr>
-              <a:t>迭代式开发</a:t>
-            </a:r>
-            <a:endParaRPr lang="en-US" altLang="zh-CN" b="1" dirty="0">
-              <a:latin typeface="Adobe 楷体 Std R" panose="02020400000000000000" pitchFamily="18" charset="-122"/>
-              <a:ea typeface="Adobe 楷体 Std R" panose="02020400000000000000" pitchFamily="18" charset="-122"/>
-            </a:endParaRPr>
-          </a:p>
-          <a:p>
-            <a:r>
-              <a:rPr lang="zh-CN" altLang="en-US" b="1" dirty="0">
-                <a:latin typeface="Adobe 楷体 Std R" panose="02020400000000000000" pitchFamily="18" charset="-122"/>
-                <a:ea typeface="Adobe 楷体 Std R" panose="02020400000000000000" pitchFamily="18" charset="-122"/>
-              </a:rPr>
-              <a:t>及时修正问题</a:t>
-            </a:r>
-          </a:p>
         </p:txBody>
       </p:sp>
     </p:spTree>
     <p:extLst>
       <p:ext uri="{BB962C8B-B14F-4D97-AF65-F5344CB8AC3E}">
-        <p14:creationId xmlns:p14="http://schemas.microsoft.com/office/powerpoint/2010/main" val="2095012554"/>
+        <p14:creationId xmlns:p14="http://schemas.microsoft.com/office/powerpoint/2010/main" val="3353986707"/>
       </p:ext>
     </p:extLst>
   </p:cSld>
@@ -12168,10 +12152,14 @@
           <a:lstStyle/>
           <a:p>
             <a:r>
-              <a:rPr lang="zh-CN" altLang="en-US" b="1" dirty="0"/>
-              <a:t>工作形式</a:t>
-            </a:r>
-            <a:endParaRPr lang="zh-CN" altLang="en-US" dirty="0"/>
+              <a:rPr lang="en-US" altLang="zh-CN" b="1" dirty="0"/>
+              <a:t>XP -- </a:t>
+            </a:r>
+            <a:r>
+              <a:rPr lang="en-US" altLang="zh-CN" b="1" dirty="0" err="1"/>
+              <a:t>ExtremeProgramming</a:t>
+            </a:r>
+            <a:endParaRPr lang="zh-CN" altLang="en-US" b="1" dirty="0"/>
           </a:p>
         </p:txBody>
       </p:sp>
@@ -12187,64 +12175,106 @@
         </p:nvSpPr>
         <p:spPr>
           <a:xfrm>
-            <a:off x="1763688" y="2708920"/>
-            <a:ext cx="5112568" cy="3444875"/>
+            <a:off x="1547664" y="2420888"/>
+            <a:ext cx="5809321" cy="3441923"/>
           </a:xfrm>
         </p:spPr>
         <p:txBody>
           <a:bodyPr/>
           <a:lstStyle/>
           <a:p>
-            <a:r>
-              <a:rPr lang="en-US" altLang="zh-CN" b="1" dirty="0">
-                <a:latin typeface="Adobe 楷体 Std R" panose="02020400000000000000" pitchFamily="18" charset="-122"/>
-                <a:ea typeface="Adobe 楷体 Std R" panose="02020400000000000000" pitchFamily="18" charset="-122"/>
-              </a:rPr>
-              <a:t>XP</a:t>
-            </a:r>
-          </a:p>
-          <a:p>
-            <a:r>
-              <a:rPr lang="en-US" altLang="zh-CN" b="1" dirty="0">
-                <a:latin typeface="Adobe 楷体 Std R" panose="02020400000000000000" pitchFamily="18" charset="-122"/>
-                <a:ea typeface="Adobe 楷体 Std R" panose="02020400000000000000" pitchFamily="18" charset="-122"/>
-              </a:rPr>
-              <a:t>Scrum</a:t>
-            </a:r>
-          </a:p>
-          <a:p>
-            <a:r>
-              <a:rPr lang="en-US" altLang="zh-CN" b="1" dirty="0">
-                <a:latin typeface="Adobe 楷体 Std R" panose="02020400000000000000" pitchFamily="18" charset="-122"/>
-                <a:ea typeface="Adobe 楷体 Std R" panose="02020400000000000000" pitchFamily="18" charset="-122"/>
-              </a:rPr>
-              <a:t>Kanban(</a:t>
-            </a:r>
             <a:r>
               <a:rPr lang="zh-CN" altLang="en-US" b="1" dirty="0">
                 <a:latin typeface="Adobe 楷体 Std R" panose="02020400000000000000" pitchFamily="18" charset="-122"/>
                 <a:ea typeface="Adobe 楷体 Std R" panose="02020400000000000000" pitchFamily="18" charset="-122"/>
               </a:rPr>
-              <a:t>看板</a:t>
-            </a:r>
-            <a:r>
-              <a:rPr lang="en-US" altLang="zh-CN" b="1" dirty="0">
-                <a:latin typeface="Adobe 楷体 Std R" panose="02020400000000000000" pitchFamily="18" charset="-122"/>
-                <a:ea typeface="Adobe 楷体 Std R" panose="02020400000000000000" pitchFamily="18" charset="-122"/>
-              </a:rPr>
-              <a:t>)</a:t>
-            </a:r>
-            <a:endParaRPr lang="zh-CN" altLang="en-US" b="1" dirty="0">
+              <a:t>适合小团队</a:t>
+            </a:r>
+            <a:endParaRPr lang="en-US" altLang="zh-CN" b="1" dirty="0">
               <a:latin typeface="Adobe 楷体 Std R" panose="02020400000000000000" pitchFamily="18" charset="-122"/>
               <a:ea typeface="Adobe 楷体 Std R" panose="02020400000000000000" pitchFamily="18" charset="-122"/>
             </a:endParaRPr>
           </a:p>
+          <a:p>
+            <a:r>
+              <a:rPr lang="zh-CN" altLang="en-US" b="1" dirty="0">
+                <a:latin typeface="Adobe 楷体 Std R" panose="02020400000000000000" pitchFamily="18" charset="-122"/>
+                <a:ea typeface="Adobe 楷体 Std R" panose="02020400000000000000" pitchFamily="18" charset="-122"/>
+              </a:rPr>
+              <a:t>突出了人在软件开发过程中的作用</a:t>
+            </a:r>
+            <a:endParaRPr lang="en-US" altLang="zh-CN" b="1" dirty="0">
+              <a:latin typeface="Adobe 楷体 Std R" panose="02020400000000000000" pitchFamily="18" charset="-122"/>
+              <a:ea typeface="Adobe 楷体 Std R" panose="02020400000000000000" pitchFamily="18" charset="-122"/>
+            </a:endParaRPr>
+          </a:p>
+          <a:p>
+            <a:r>
+              <a:rPr lang="zh-CN" altLang="en-US" b="1" dirty="0">
+                <a:latin typeface="Adobe 楷体 Std R" panose="02020400000000000000" pitchFamily="18" charset="-122"/>
+                <a:ea typeface="Adobe 楷体 Std R" panose="02020400000000000000" pitchFamily="18" charset="-122"/>
+              </a:rPr>
+              <a:t>直接编程比什么（文档、架构）都有效</a:t>
+            </a:r>
+            <a:endParaRPr lang="en-US" altLang="zh-CN" b="1" dirty="0">
+              <a:latin typeface="Adobe 楷体 Std R" panose="02020400000000000000" pitchFamily="18" charset="-122"/>
+              <a:ea typeface="Adobe 楷体 Std R" panose="02020400000000000000" pitchFamily="18" charset="-122"/>
+            </a:endParaRPr>
+          </a:p>
+          <a:p>
+            <a:r>
+              <a:rPr lang="zh-CN" altLang="en-US" b="1" dirty="0">
+                <a:latin typeface="Adobe 楷体 Std R" panose="02020400000000000000" pitchFamily="18" charset="-122"/>
+                <a:ea typeface="Adobe 楷体 Std R" panose="02020400000000000000" pitchFamily="18" charset="-122"/>
+              </a:rPr>
+              <a:t>沟通、简单、反馈、尊重和勇气</a:t>
+            </a:r>
+            <a:endParaRPr lang="en-US" altLang="zh-CN" b="1" dirty="0">
+              <a:latin typeface="Adobe 楷体 Std R" panose="02020400000000000000" pitchFamily="18" charset="-122"/>
+              <a:ea typeface="Adobe 楷体 Std R" panose="02020400000000000000" pitchFamily="18" charset="-122"/>
+            </a:endParaRPr>
+          </a:p>
+          <a:p>
+            <a:r>
+              <a:rPr lang="zh-CN" altLang="en-US" b="1" dirty="0">
+                <a:latin typeface="Adobe 楷体 Std R" panose="02020400000000000000" pitchFamily="18" charset="-122"/>
+                <a:ea typeface="Adobe 楷体 Std R" panose="02020400000000000000" pitchFamily="18" charset="-122"/>
+              </a:rPr>
+              <a:t>测试驱动开发</a:t>
+            </a:r>
+            <a:endParaRPr lang="en-US" altLang="zh-CN" b="1" dirty="0">
+              <a:latin typeface="Adobe 楷体 Std R" panose="02020400000000000000" pitchFamily="18" charset="-122"/>
+              <a:ea typeface="Adobe 楷体 Std R" panose="02020400000000000000" pitchFamily="18" charset="-122"/>
+            </a:endParaRPr>
+          </a:p>
+          <a:p>
+            <a:r>
+              <a:rPr lang="zh-CN" altLang="en-US" b="1" dirty="0">
+                <a:latin typeface="Adobe 楷体 Std R" panose="02020400000000000000" pitchFamily="18" charset="-122"/>
+                <a:ea typeface="Adobe 楷体 Std R" panose="02020400000000000000" pitchFamily="18" charset="-122"/>
+              </a:rPr>
+              <a:t>结对编程</a:t>
+            </a:r>
+            <a:endParaRPr lang="en-US" altLang="zh-CN" b="1" dirty="0">
+              <a:latin typeface="Adobe 楷体 Std R" panose="02020400000000000000" pitchFamily="18" charset="-122"/>
+              <a:ea typeface="Adobe 楷体 Std R" panose="02020400000000000000" pitchFamily="18" charset="-122"/>
+            </a:endParaRPr>
+          </a:p>
+          <a:p>
+            <a:r>
+              <a:rPr lang="zh-CN" altLang="en-US" b="1" dirty="0">
+                <a:latin typeface="Adobe 楷体 Std R" panose="02020400000000000000" pitchFamily="18" charset="-122"/>
+                <a:ea typeface="Adobe 楷体 Std R" panose="02020400000000000000" pitchFamily="18" charset="-122"/>
+              </a:rPr>
+              <a:t>严格遵守流程</a:t>
+            </a:r>
+          </a:p>
         </p:txBody>
       </p:sp>
     </p:spTree>
     <p:extLst>
       <p:ext uri="{BB962C8B-B14F-4D97-AF65-F5344CB8AC3E}">
-        <p14:creationId xmlns:p14="http://schemas.microsoft.com/office/powerpoint/2010/main" val="3353986707"/>
+        <p14:creationId xmlns:p14="http://schemas.microsoft.com/office/powerpoint/2010/main" val="1413850510"/>
       </p:ext>
     </p:extLst>
   </p:cSld>
@@ -12288,171 +12318,6 @@
           <a:p>
             <a:r>
               <a:rPr lang="en-US" altLang="zh-CN" b="1" dirty="0"/>
-              <a:t>XP -- </a:t>
-            </a:r>
-            <a:r>
-              <a:rPr lang="en-US" altLang="zh-CN" b="1" dirty="0" err="1"/>
-              <a:t>ExtremeProgramming</a:t>
-            </a:r>
-            <a:endParaRPr lang="zh-CN" altLang="en-US" b="1" dirty="0"/>
-          </a:p>
-        </p:txBody>
-      </p:sp>
-      <p:sp>
-        <p:nvSpPr>
-          <p:cNvPr id="3" name="内容占位符 2"/>
-          <p:cNvSpPr>
-            <a:spLocks noGrp="1"/>
-          </p:cNvSpPr>
-          <p:nvPr>
-            <p:ph idx="1"/>
-          </p:nvPr>
-        </p:nvSpPr>
-        <p:spPr>
-          <a:xfrm>
-            <a:off x="1547664" y="2420888"/>
-            <a:ext cx="5809321" cy="3441923"/>
-          </a:xfrm>
-        </p:spPr>
-        <p:txBody>
-          <a:bodyPr/>
-          <a:lstStyle/>
-          <a:p>
-            <a:r>
-              <a:rPr lang="zh-CN" altLang="en-US" b="1" dirty="0">
-                <a:latin typeface="Adobe 楷体 Std R" panose="02020400000000000000" pitchFamily="18" charset="-122"/>
-                <a:ea typeface="Adobe 楷体 Std R" panose="02020400000000000000" pitchFamily="18" charset="-122"/>
-              </a:rPr>
-              <a:t>适合小团队</a:t>
-            </a:r>
-            <a:endParaRPr lang="en-US" altLang="zh-CN" b="1" dirty="0">
-              <a:latin typeface="Adobe 楷体 Std R" panose="02020400000000000000" pitchFamily="18" charset="-122"/>
-              <a:ea typeface="Adobe 楷体 Std R" panose="02020400000000000000" pitchFamily="18" charset="-122"/>
-            </a:endParaRPr>
-          </a:p>
-          <a:p>
-            <a:r>
-              <a:rPr lang="zh-CN" altLang="en-US" b="1" dirty="0">
-                <a:latin typeface="Adobe 楷体 Std R" panose="02020400000000000000" pitchFamily="18" charset="-122"/>
-                <a:ea typeface="Adobe 楷体 Std R" panose="02020400000000000000" pitchFamily="18" charset="-122"/>
-              </a:rPr>
-              <a:t>突出了人在软件开发过程中的作用</a:t>
-            </a:r>
-            <a:endParaRPr lang="en-US" altLang="zh-CN" b="1" dirty="0">
-              <a:latin typeface="Adobe 楷体 Std R" panose="02020400000000000000" pitchFamily="18" charset="-122"/>
-              <a:ea typeface="Adobe 楷体 Std R" panose="02020400000000000000" pitchFamily="18" charset="-122"/>
-            </a:endParaRPr>
-          </a:p>
-          <a:p>
-            <a:r>
-              <a:rPr lang="zh-CN" altLang="en-US" b="1" dirty="0">
-                <a:latin typeface="Adobe 楷体 Std R" panose="02020400000000000000" pitchFamily="18" charset="-122"/>
-                <a:ea typeface="Adobe 楷体 Std R" panose="02020400000000000000" pitchFamily="18" charset="-122"/>
-              </a:rPr>
-              <a:t>直接编程比什么（文档、架构）都有效</a:t>
-            </a:r>
-            <a:endParaRPr lang="en-US" altLang="zh-CN" b="1" dirty="0">
-              <a:latin typeface="Adobe 楷体 Std R" panose="02020400000000000000" pitchFamily="18" charset="-122"/>
-              <a:ea typeface="Adobe 楷体 Std R" panose="02020400000000000000" pitchFamily="18" charset="-122"/>
-            </a:endParaRPr>
-          </a:p>
-          <a:p>
-            <a:r>
-              <a:rPr lang="zh-CN" altLang="en-US" b="1" dirty="0">
-                <a:latin typeface="Adobe 楷体 Std R" panose="02020400000000000000" pitchFamily="18" charset="-122"/>
-                <a:ea typeface="Adobe 楷体 Std R" panose="02020400000000000000" pitchFamily="18" charset="-122"/>
-              </a:rPr>
-              <a:t>沟通、简单、反馈、尊重和勇气</a:t>
-            </a:r>
-            <a:endParaRPr lang="en-US" altLang="zh-CN" b="1" dirty="0">
-              <a:latin typeface="Adobe 楷体 Std R" panose="02020400000000000000" pitchFamily="18" charset="-122"/>
-              <a:ea typeface="Adobe 楷体 Std R" panose="02020400000000000000" pitchFamily="18" charset="-122"/>
-            </a:endParaRPr>
-          </a:p>
-          <a:p>
-            <a:r>
-              <a:rPr lang="zh-CN" altLang="en-US" b="1" dirty="0">
-                <a:latin typeface="Adobe 楷体 Std R" panose="02020400000000000000" pitchFamily="18" charset="-122"/>
-                <a:ea typeface="Adobe 楷体 Std R" panose="02020400000000000000" pitchFamily="18" charset="-122"/>
-              </a:rPr>
-              <a:t>测试驱动开发</a:t>
-            </a:r>
-            <a:endParaRPr lang="en-US" altLang="zh-CN" b="1" dirty="0">
-              <a:latin typeface="Adobe 楷体 Std R" panose="02020400000000000000" pitchFamily="18" charset="-122"/>
-              <a:ea typeface="Adobe 楷体 Std R" panose="02020400000000000000" pitchFamily="18" charset="-122"/>
-            </a:endParaRPr>
-          </a:p>
-          <a:p>
-            <a:r>
-              <a:rPr lang="zh-CN" altLang="en-US" b="1" dirty="0">
-                <a:latin typeface="Adobe 楷体 Std R" panose="02020400000000000000" pitchFamily="18" charset="-122"/>
-                <a:ea typeface="Adobe 楷体 Std R" panose="02020400000000000000" pitchFamily="18" charset="-122"/>
-              </a:rPr>
-              <a:t>结对编程</a:t>
-            </a:r>
-            <a:endParaRPr lang="en-US" altLang="zh-CN" b="1" dirty="0">
-              <a:latin typeface="Adobe 楷体 Std R" panose="02020400000000000000" pitchFamily="18" charset="-122"/>
-              <a:ea typeface="Adobe 楷体 Std R" panose="02020400000000000000" pitchFamily="18" charset="-122"/>
-            </a:endParaRPr>
-          </a:p>
-          <a:p>
-            <a:r>
-              <a:rPr lang="zh-CN" altLang="en-US" b="1" dirty="0">
-                <a:latin typeface="Adobe 楷体 Std R" panose="02020400000000000000" pitchFamily="18" charset="-122"/>
-                <a:ea typeface="Adobe 楷体 Std R" panose="02020400000000000000" pitchFamily="18" charset="-122"/>
-              </a:rPr>
-              <a:t>严格遵守流程</a:t>
-            </a:r>
-          </a:p>
-        </p:txBody>
-      </p:sp>
-    </p:spTree>
-    <p:extLst>
-      <p:ext uri="{BB962C8B-B14F-4D97-AF65-F5344CB8AC3E}">
-        <p14:creationId xmlns:p14="http://schemas.microsoft.com/office/powerpoint/2010/main" val="1413850510"/>
-      </p:ext>
-    </p:extLst>
-  </p:cSld>
-  <p:clrMapOvr>
-    <a:masterClrMapping/>
-  </p:clrMapOvr>
-</p:sld>
-</file>
-
-<file path=ppt/slides/slide37.xml><?xml version="1.0" encoding="utf-8"?>
-<p:sld xmlns:a="http://schemas.openxmlformats.org/drawingml/2006/main" xmlns:r="http://schemas.openxmlformats.org/officeDocument/2006/relationships" xmlns:p="http://schemas.openxmlformats.org/presentationml/2006/main">
-  <p:cSld>
-    <p:spTree>
-      <p:nvGrpSpPr>
-        <p:cNvPr id="1" name=""/>
-        <p:cNvGrpSpPr/>
-        <p:nvPr/>
-      </p:nvGrpSpPr>
-      <p:grpSpPr>
-        <a:xfrm>
-          <a:off x="0" y="0"/>
-          <a:ext cx="0" cy="0"/>
-          <a:chOff x="0" y="0"/>
-          <a:chExt cx="0" cy="0"/>
-        </a:xfrm>
-      </p:grpSpPr>
-      <p:sp>
-        <p:nvSpPr>
-          <p:cNvPr id="2" name="标题 1"/>
-          <p:cNvSpPr>
-            <a:spLocks noGrp="1"/>
-          </p:cNvSpPr>
-          <p:nvPr>
-            <p:ph type="title"/>
-          </p:nvPr>
-        </p:nvSpPr>
-        <p:spPr/>
-        <p:txBody>
-          <a:bodyPr/>
-          <a:lstStyle/>
-          <a:p>
-            <a:r>
-              <a:rPr lang="en-US" altLang="zh-CN" b="1" dirty="0"/>
               <a:t>Scrum</a:t>
             </a:r>
             <a:endParaRPr lang="zh-CN" altLang="en-US" b="1" dirty="0"/>
@@ -12554,7 +12419,7 @@
 </p:sld>
 </file>
 
-<file path=ppt/slides/slide38.xml><?xml version="1.0" encoding="utf-8"?>
+<file path=ppt/slides/slide37.xml><?xml version="1.0" encoding="utf-8"?>
 <p:sld xmlns:a="http://schemas.openxmlformats.org/drawingml/2006/main" xmlns:r="http://schemas.openxmlformats.org/officeDocument/2006/relationships" xmlns:p="http://schemas.openxmlformats.org/presentationml/2006/main">
   <p:cSld>
     <p:spTree>
@@ -12634,6 +12499,101 @@
 </p:sld>
 </file>
 
+<file path=ppt/slides/slide38.xml><?xml version="1.0" encoding="utf-8"?>
+<p:sld xmlns:a="http://schemas.openxmlformats.org/drawingml/2006/main" xmlns:r="http://schemas.openxmlformats.org/officeDocument/2006/relationships" xmlns:p="http://schemas.openxmlformats.org/presentationml/2006/main">
+  <p:cSld>
+    <p:spTree>
+      <p:nvGrpSpPr>
+        <p:cNvPr id="1" name=""/>
+        <p:cNvGrpSpPr/>
+        <p:nvPr/>
+      </p:nvGrpSpPr>
+      <p:grpSpPr>
+        <a:xfrm>
+          <a:off x="0" y="0"/>
+          <a:ext cx="0" cy="0"/>
+          <a:chOff x="0" y="0"/>
+          <a:chExt cx="0" cy="0"/>
+        </a:xfrm>
+      </p:grpSpPr>
+      <p:sp>
+        <p:nvSpPr>
+          <p:cNvPr id="2" name="标题 1"/>
+          <p:cNvSpPr>
+            <a:spLocks noGrp="1"/>
+          </p:cNvSpPr>
+          <p:nvPr>
+            <p:ph type="title"/>
+          </p:nvPr>
+        </p:nvSpPr>
+        <p:spPr/>
+        <p:txBody>
+          <a:bodyPr/>
+          <a:lstStyle/>
+          <a:p>
+            <a:r>
+              <a:rPr lang="en-US" altLang="zh-CN" b="1" dirty="0"/>
+              <a:t>Kanban</a:t>
+            </a:r>
+            <a:endParaRPr lang="zh-CN" altLang="en-US" b="1" dirty="0"/>
+          </a:p>
+        </p:txBody>
+      </p:sp>
+      <p:sp>
+        <p:nvSpPr>
+          <p:cNvPr id="3" name="内容占位符 2"/>
+          <p:cNvSpPr>
+            <a:spLocks noGrp="1"/>
+          </p:cNvSpPr>
+          <p:nvPr>
+            <p:ph idx="1"/>
+          </p:nvPr>
+        </p:nvSpPr>
+        <p:spPr/>
+        <p:txBody>
+          <a:bodyPr/>
+          <a:lstStyle/>
+          <a:p>
+            <a:r>
+              <a:rPr lang="zh-CN" altLang="en-US" b="1" dirty="0">
+                <a:latin typeface="Adobe 楷体 Std R" panose="02020400000000000000" pitchFamily="18" charset="-122"/>
+                <a:ea typeface="Adobe 楷体 Std R" panose="02020400000000000000" pitchFamily="18" charset="-122"/>
+              </a:rPr>
+              <a:t>主要的目的是做过程改进</a:t>
+            </a:r>
+            <a:endParaRPr lang="en-US" altLang="zh-CN" b="1" dirty="0">
+              <a:latin typeface="Adobe 楷体 Std R" panose="02020400000000000000" pitchFamily="18" charset="-122"/>
+              <a:ea typeface="Adobe 楷体 Std R" panose="02020400000000000000" pitchFamily="18" charset="-122"/>
+            </a:endParaRPr>
+          </a:p>
+          <a:p>
+            <a:r>
+              <a:rPr lang="zh-CN" altLang="en-US" b="1" dirty="0">
+                <a:latin typeface="Adobe 楷体 Std R" panose="02020400000000000000" pitchFamily="18" charset="-122"/>
+                <a:ea typeface="Adobe 楷体 Std R" panose="02020400000000000000" pitchFamily="18" charset="-122"/>
+              </a:rPr>
+              <a:t>寻找瓶颈和短板</a:t>
+            </a:r>
+            <a:endParaRPr lang="en-US" altLang="zh-CN" b="1" dirty="0">
+              <a:latin typeface="Adobe 楷体 Std R" panose="02020400000000000000" pitchFamily="18" charset="-122"/>
+              <a:ea typeface="Adobe 楷体 Std R" panose="02020400000000000000" pitchFamily="18" charset="-122"/>
+            </a:endParaRPr>
+          </a:p>
+        </p:txBody>
+      </p:sp>
+    </p:spTree>
+    <p:extLst>
+      <p:ext uri="{BB962C8B-B14F-4D97-AF65-F5344CB8AC3E}">
+        <p14:creationId xmlns:p14="http://schemas.microsoft.com/office/powerpoint/2010/main" val="3688189610"/>
+      </p:ext>
+    </p:extLst>
+  </p:cSld>
+  <p:clrMapOvr>
+    <a:masterClrMapping/>
+  </p:clrMapOvr>
+</p:sld>
+</file>
+
 <file path=ppt/slides/slide39.xml><?xml version="1.0" encoding="utf-8"?>
 <p:sld xmlns:a="http://schemas.openxmlformats.org/drawingml/2006/main" xmlns:r="http://schemas.openxmlformats.org/officeDocument/2006/relationships" xmlns:p="http://schemas.openxmlformats.org/presentationml/2006/main">
   <p:cSld>
@@ -12667,59 +12627,57 @@
           <a:lstStyle/>
           <a:p>
             <a:r>
-              <a:rPr lang="en-US" altLang="zh-CN" b="1" dirty="0"/>
-              <a:t>Kanban</a:t>
-            </a:r>
-            <a:endParaRPr lang="zh-CN" altLang="en-US" b="1" dirty="0"/>
-          </a:p>
-        </p:txBody>
-      </p:sp>
-      <p:sp>
-        <p:nvSpPr>
-          <p:cNvPr id="3" name="内容占位符 2"/>
-          <p:cNvSpPr>
-            <a:spLocks noGrp="1"/>
-          </p:cNvSpPr>
-          <p:nvPr>
-            <p:ph idx="1"/>
-          </p:nvPr>
-        </p:nvSpPr>
-        <p:spPr/>
-        <p:txBody>
-          <a:bodyPr/>
-          <a:lstStyle/>
-          <a:p>
-            <a:r>
-              <a:rPr lang="zh-CN" altLang="en-US" b="1" dirty="0">
-                <a:latin typeface="Adobe 楷体 Std R" panose="02020400000000000000" pitchFamily="18" charset="-122"/>
-                <a:ea typeface="Adobe 楷体 Std R" panose="02020400000000000000" pitchFamily="18" charset="-122"/>
-              </a:rPr>
-              <a:t>主要的目的是做过程改进</a:t>
-            </a:r>
-            <a:endParaRPr lang="en-US" altLang="zh-CN" b="1" dirty="0">
-              <a:latin typeface="Adobe 楷体 Std R" panose="02020400000000000000" pitchFamily="18" charset="-122"/>
-              <a:ea typeface="Adobe 楷体 Std R" panose="02020400000000000000" pitchFamily="18" charset="-122"/>
-            </a:endParaRPr>
-          </a:p>
-          <a:p>
-            <a:r>
-              <a:rPr lang="zh-CN" altLang="en-US" b="1" dirty="0">
-                <a:latin typeface="Adobe 楷体 Std R" panose="02020400000000000000" pitchFamily="18" charset="-122"/>
-                <a:ea typeface="Adobe 楷体 Std R" panose="02020400000000000000" pitchFamily="18" charset="-122"/>
-              </a:rPr>
-              <a:t>寻找瓶颈和短板</a:t>
-            </a:r>
-            <a:endParaRPr lang="en-US" altLang="zh-CN" b="1" dirty="0">
-              <a:latin typeface="Adobe 楷体 Std R" panose="02020400000000000000" pitchFamily="18" charset="-122"/>
-              <a:ea typeface="Adobe 楷体 Std R" panose="02020400000000000000" pitchFamily="18" charset="-122"/>
-            </a:endParaRPr>
-          </a:p>
-        </p:txBody>
-      </p:sp>
+              <a:rPr lang="zh-CN" altLang="en-US" b="1" dirty="0"/>
+              <a:t>一个看板</a:t>
+            </a:r>
+          </a:p>
+        </p:txBody>
+      </p:sp>
+      <p:pic>
+        <p:nvPicPr>
+          <p:cNvPr id="2050" name="Picture 2" descr="https://pic2.zhimg.com/80/4d81d8e5ddaf13f20589d9fe59794b42_hd.jpg"/>
+          <p:cNvPicPr>
+            <a:picLocks noChangeAspect="1" noChangeArrowheads="1"/>
+          </p:cNvPicPr>
+          <p:nvPr/>
+        </p:nvPicPr>
+        <p:blipFill>
+          <a:blip r:embed="rId2">
+            <a:extLst>
+              <a:ext uri="{28A0092B-C50C-407E-A947-70E740481C1C}">
+                <a14:useLocalDpi xmlns:a14="http://schemas.microsoft.com/office/drawing/2010/main" val="0"/>
+              </a:ext>
+            </a:extLst>
+          </a:blip>
+          <a:srcRect/>
+          <a:stretch>
+            <a:fillRect/>
+          </a:stretch>
+        </p:blipFill>
+        <p:spPr bwMode="auto">
+          <a:xfrm>
+            <a:off x="1547664" y="2420888"/>
+            <a:ext cx="6274703" cy="3699336"/>
+          </a:xfrm>
+          <a:prstGeom prst="rect">
+            <a:avLst/>
+          </a:prstGeom>
+          <a:noFill/>
+          <a:extLst>
+            <a:ext uri="{909E8E84-426E-40DD-AFC4-6F175D3DCCD1}">
+              <a14:hiddenFill xmlns:a14="http://schemas.microsoft.com/office/drawing/2010/main">
+                <a:solidFill>
+                  <a:srgbClr val="FFFFFF"/>
+                </a:solidFill>
+              </a14:hiddenFill>
+            </a:ext>
+          </a:extLst>
+        </p:spPr>
+      </p:pic>
     </p:spTree>
     <p:extLst>
       <p:ext uri="{BB962C8B-B14F-4D97-AF65-F5344CB8AC3E}">
-        <p14:creationId xmlns:p14="http://schemas.microsoft.com/office/powerpoint/2010/main" val="3688189610"/>
+        <p14:creationId xmlns:p14="http://schemas.microsoft.com/office/powerpoint/2010/main" val="899229766"/>
       </p:ext>
     </p:extLst>
   </p:cSld>
@@ -13292,99 +13250,6 @@
           <a:p>
             <a:r>
               <a:rPr lang="zh-CN" altLang="en-US" b="1" dirty="0"/>
-              <a:t>一个看板</a:t>
-            </a:r>
-          </a:p>
-        </p:txBody>
-      </p:sp>
-      <p:pic>
-        <p:nvPicPr>
-          <p:cNvPr id="2050" name="Picture 2" descr="https://pic2.zhimg.com/80/4d81d8e5ddaf13f20589d9fe59794b42_hd.jpg"/>
-          <p:cNvPicPr>
-            <a:picLocks noChangeAspect="1" noChangeArrowheads="1"/>
-          </p:cNvPicPr>
-          <p:nvPr/>
-        </p:nvPicPr>
-        <p:blipFill>
-          <a:blip r:embed="rId2">
-            <a:extLst>
-              <a:ext uri="{28A0092B-C50C-407E-A947-70E740481C1C}">
-                <a14:useLocalDpi xmlns:a14="http://schemas.microsoft.com/office/drawing/2010/main" val="0"/>
-              </a:ext>
-            </a:extLst>
-          </a:blip>
-          <a:srcRect/>
-          <a:stretch>
-            <a:fillRect/>
-          </a:stretch>
-        </p:blipFill>
-        <p:spPr bwMode="auto">
-          <a:xfrm>
-            <a:off x="1547664" y="2420888"/>
-            <a:ext cx="6274703" cy="3699336"/>
-          </a:xfrm>
-          <a:prstGeom prst="rect">
-            <a:avLst/>
-          </a:prstGeom>
-          <a:noFill/>
-          <a:extLst>
-            <a:ext uri="{909E8E84-426E-40DD-AFC4-6F175D3DCCD1}">
-              <a14:hiddenFill xmlns:a14="http://schemas.microsoft.com/office/drawing/2010/main">
-                <a:solidFill>
-                  <a:srgbClr val="FFFFFF"/>
-                </a:solidFill>
-              </a14:hiddenFill>
-            </a:ext>
-          </a:extLst>
-        </p:spPr>
-      </p:pic>
-    </p:spTree>
-    <p:extLst>
-      <p:ext uri="{BB962C8B-B14F-4D97-AF65-F5344CB8AC3E}">
-        <p14:creationId xmlns:p14="http://schemas.microsoft.com/office/powerpoint/2010/main" val="899229766"/>
-      </p:ext>
-    </p:extLst>
-  </p:cSld>
-  <p:clrMapOvr>
-    <a:masterClrMapping/>
-  </p:clrMapOvr>
-</p:sld>
-</file>
-
-<file path=ppt/slides/slide41.xml><?xml version="1.0" encoding="utf-8"?>
-<p:sld xmlns:a="http://schemas.openxmlformats.org/drawingml/2006/main" xmlns:r="http://schemas.openxmlformats.org/officeDocument/2006/relationships" xmlns:p="http://schemas.openxmlformats.org/presentationml/2006/main">
-  <p:cSld>
-    <p:spTree>
-      <p:nvGrpSpPr>
-        <p:cNvPr id="1" name=""/>
-        <p:cNvGrpSpPr/>
-        <p:nvPr/>
-      </p:nvGrpSpPr>
-      <p:grpSpPr>
-        <a:xfrm>
-          <a:off x="0" y="0"/>
-          <a:ext cx="0" cy="0"/>
-          <a:chOff x="0" y="0"/>
-          <a:chExt cx="0" cy="0"/>
-        </a:xfrm>
-      </p:grpSpPr>
-      <p:sp>
-        <p:nvSpPr>
-          <p:cNvPr id="2" name="标题 1"/>
-          <p:cNvSpPr>
-            <a:spLocks noGrp="1"/>
-          </p:cNvSpPr>
-          <p:nvPr>
-            <p:ph type="title"/>
-          </p:nvPr>
-        </p:nvSpPr>
-        <p:spPr/>
-        <p:txBody>
-          <a:bodyPr/>
-          <a:lstStyle/>
-          <a:p>
-            <a:r>
-              <a:rPr lang="zh-CN" altLang="en-US" b="1" dirty="0"/>
               <a:t>对比</a:t>
             </a:r>
           </a:p>
@@ -13475,7 +13340,7 @@
 </p:sld>
 </file>
 
-<file path=ppt/slides/slide42.xml><?xml version="1.0" encoding="utf-8"?>
+<file path=ppt/slides/slide41.xml><?xml version="1.0" encoding="utf-8"?>
 <p:sld xmlns:a="http://schemas.openxmlformats.org/drawingml/2006/main" xmlns:r="http://schemas.openxmlformats.org/officeDocument/2006/relationships" xmlns:p="http://schemas.openxmlformats.org/presentationml/2006/main">
   <p:cSld>
     <p:spTree>
@@ -13570,13 +13435,7 @@
       </p:grpSpPr>
       <p:sp>
         <p:nvSpPr>
-          <p:cNvPr id="2" name="标题 1">
-            <a:extLst>
-              <a:ext uri="{FF2B5EF4-FFF2-40B4-BE49-F238E27FC236}">
-                <a16:creationId xmlns:a16="http://schemas.microsoft.com/office/drawing/2014/main" id="{F1C224B5-6D1D-4D5B-9AA9-DD0773113F1E}"/>
-              </a:ext>
-            </a:extLst>
-          </p:cNvPr>
+          <p:cNvPr id="2" name="标题 1"/>
           <p:cNvSpPr>
             <a:spLocks noGrp="1"/>
           </p:cNvSpPr>
@@ -13589,26 +13448,20 @@
           <a:bodyPr/>
           <a:lstStyle/>
           <a:p>
-            <a:pPr eaLnBrk="1" hangingPunct="1"/>
+            <a:pPr algn="l"/>
             <a:r>
               <a:rPr lang="zh-CN" altLang="en-US" b="1" dirty="0">
                 <a:latin typeface="Adobe 黑体 Std R" panose="020B0400000000000000" pitchFamily="34" charset="-122"/>
                 <a:ea typeface="Adobe 黑体 Std R" panose="020B0400000000000000" pitchFamily="34" charset="-122"/>
               </a:rPr>
-              <a:t>软件开发过程中的规范</a:t>
-            </a:r>
-          </a:p>
-        </p:txBody>
-      </p:sp>
-      <p:sp>
-        <p:nvSpPr>
-          <p:cNvPr id="3" name="内容占位符 2">
-            <a:extLst>
-              <a:ext uri="{FF2B5EF4-FFF2-40B4-BE49-F238E27FC236}">
-                <a16:creationId xmlns:a16="http://schemas.microsoft.com/office/drawing/2014/main" id="{F2D23FE6-653B-4E4A-909A-99E2053999E9}"/>
-              </a:ext>
-            </a:extLst>
-          </p:cNvPr>
+              <a:t>目录</a:t>
+            </a:r>
+          </a:p>
+        </p:txBody>
+      </p:sp>
+      <p:sp>
+        <p:nvSpPr>
+          <p:cNvPr id="3" name="内容占位符 2"/>
           <p:cNvSpPr>
             <a:spLocks noGrp="1"/>
           </p:cNvSpPr>
@@ -13622,49 +13475,72 @@
           <a:lstStyle/>
           <a:p>
             <a:r>
-              <a:rPr lang="zh-CN" altLang="en-US" sz="3200" b="1" dirty="0">
-                <a:latin typeface="华文新魏" panose="02010800040101010101" pitchFamily="2" charset="-122"/>
-                <a:ea typeface="华文新魏" panose="02010800040101010101" pitchFamily="2" charset="-122"/>
-              </a:rPr>
-              <a:t>认识协作 </a:t>
-            </a:r>
-            <a:endParaRPr lang="en-US" altLang="zh-CN" sz="3200" b="1" dirty="0">
-              <a:latin typeface="华文新魏" panose="02010800040101010101" pitchFamily="2" charset="-122"/>
-              <a:ea typeface="华文新魏" panose="02010800040101010101" pitchFamily="2" charset="-122"/>
-            </a:endParaRPr>
-          </a:p>
-          <a:p>
-            <a:r>
-              <a:rPr lang="zh-CN" altLang="en-US" sz="3200" b="1" dirty="0">
-                <a:latin typeface="华文新魏" panose="02010800040101010101" pitchFamily="2" charset="-122"/>
-                <a:ea typeface="华文新魏" panose="02010800040101010101" pitchFamily="2" charset="-122"/>
-              </a:rPr>
-              <a:t>团队与沟通</a:t>
-            </a:r>
-            <a:endParaRPr lang="en-US" altLang="zh-CN" sz="3200" b="1" dirty="0">
-              <a:latin typeface="华文新魏" panose="02010800040101010101" pitchFamily="2" charset="-122"/>
-              <a:ea typeface="华文新魏" panose="02010800040101010101" pitchFamily="2" charset="-122"/>
-            </a:endParaRPr>
-          </a:p>
-          <a:p>
-            <a:r>
-              <a:rPr lang="zh-CN" altLang="en-US" sz="3200" b="1" dirty="0">
-                <a:latin typeface="华文新魏" panose="02010800040101010101" pitchFamily="2" charset="-122"/>
-                <a:ea typeface="华文新魏" panose="02010800040101010101" pitchFamily="2" charset="-122"/>
-              </a:rPr>
-              <a:t>协作的工具</a:t>
-            </a:r>
-            <a:endParaRPr lang="en-US" altLang="zh-CN" sz="3200" b="1" dirty="0">
-              <a:latin typeface="华文新魏" panose="02010800040101010101" pitchFamily="2" charset="-122"/>
-              <a:ea typeface="华文新魏" panose="02010800040101010101" pitchFamily="2" charset="-122"/>
-            </a:endParaRPr>
+              <a:rPr lang="en-US" altLang="zh-CN" b="1" dirty="0">
+                <a:solidFill>
+                  <a:srgbClr val="FF0000"/>
+                </a:solidFill>
+              </a:rPr>
+              <a:t>3.1</a:t>
+            </a:r>
+            <a:r>
+              <a:rPr lang="zh-CN" altLang="zh-CN" b="1" dirty="0">
+                <a:solidFill>
+                  <a:srgbClr val="FF0000"/>
+                </a:solidFill>
+              </a:rPr>
+              <a:t>开发规范的重要性</a:t>
+            </a:r>
+          </a:p>
+          <a:p>
+            <a:r>
+              <a:rPr lang="en-US" altLang="zh-CN" b="1" dirty="0"/>
+              <a:t>3.2</a:t>
+            </a:r>
+            <a:r>
+              <a:rPr lang="zh-CN" altLang="zh-CN" b="1" dirty="0"/>
+              <a:t>文档规范</a:t>
+            </a:r>
+          </a:p>
+          <a:p>
+            <a:r>
+              <a:rPr lang="en-US" altLang="zh-CN" b="1" dirty="0"/>
+              <a:t>3.3</a:t>
+            </a:r>
+            <a:r>
+              <a:rPr lang="zh-CN" altLang="zh-CN" b="1" dirty="0"/>
+              <a:t>编程规范</a:t>
+            </a:r>
+            <a:endParaRPr lang="en-US" altLang="zh-CN" b="1" dirty="0"/>
+          </a:p>
+          <a:p>
+            <a:r>
+              <a:rPr lang="en-US" altLang="zh-CN" b="1" dirty="0"/>
+              <a:t>3.4</a:t>
+            </a:r>
+            <a:r>
+              <a:rPr lang="zh-CN" altLang="zh-CN" b="1" dirty="0"/>
+              <a:t>流程规范</a:t>
+            </a:r>
+          </a:p>
+          <a:p>
+            <a:r>
+              <a:rPr lang="en-US" altLang="zh-CN" b="1" dirty="0"/>
+              <a:t>3.5</a:t>
+            </a:r>
+            <a:r>
+              <a:rPr lang="zh-CN" altLang="zh-CN" b="1" dirty="0"/>
+              <a:t>敏捷</a:t>
+            </a:r>
+          </a:p>
+          <a:p>
+            <a:endParaRPr lang="zh-CN" altLang="en-US" dirty="0"/>
           </a:p>
         </p:txBody>
       </p:sp>
     </p:spTree>
     <p:extLst>
       <p:ext uri="{BB962C8B-B14F-4D97-AF65-F5344CB8AC3E}">
-        <p14:creationId xmlns:p14="http://schemas.microsoft.com/office/powerpoint/2010/main" val="1097421190"/>
+        <p14:creationId xmlns:p14="http://schemas.microsoft.com/office/powerpoint/2010/main" val="2052822695"/>
       </p:ext>
     </p:extLst>
   </p:cSld>
@@ -13693,112 +13569,854 @@
       </p:grpSpPr>
       <p:sp>
         <p:nvSpPr>
-          <p:cNvPr id="2" name="标题 1"/>
-          <p:cNvSpPr>
-            <a:spLocks noGrp="1"/>
-          </p:cNvSpPr>
-          <p:nvPr>
-            <p:ph type="title"/>
-          </p:nvPr>
-        </p:nvSpPr>
-        <p:spPr/>
+          <p:cNvPr id="3" name="标题 1"/>
+          <p:cNvSpPr txBox="1">
+            <a:spLocks/>
+          </p:cNvSpPr>
+          <p:nvPr/>
+        </p:nvSpPr>
+        <p:spPr>
+          <a:xfrm>
+            <a:off x="457200" y="800100"/>
+            <a:ext cx="8229600" cy="952500"/>
+          </a:xfrm>
+          <a:prstGeom prst="rect">
+            <a:avLst/>
+          </a:prstGeom>
+        </p:spPr>
         <p:txBody>
           <a:bodyPr/>
-          <a:lstStyle/>
-          <a:p>
-            <a:pPr algn="l"/>
+          <a:lstStyle>
+            <a:lvl1pPr algn="ctr" rtl="0" eaLnBrk="0" fontAlgn="base" hangingPunct="0">
+              <a:spcBef>
+                <a:spcPct val="0"/>
+              </a:spcBef>
+              <a:spcAft>
+                <a:spcPct val="0"/>
+              </a:spcAft>
+              <a:defRPr sz="4400" kern="1200">
+                <a:solidFill>
+                  <a:schemeClr val="tx1"/>
+                </a:solidFill>
+                <a:latin typeface="+mj-lt"/>
+                <a:ea typeface="+mj-ea"/>
+                <a:cs typeface="+mj-cs"/>
+              </a:defRPr>
+            </a:lvl1pPr>
+            <a:lvl2pPr algn="ctr" rtl="0" eaLnBrk="0" fontAlgn="base" hangingPunct="0">
+              <a:spcBef>
+                <a:spcPct val="0"/>
+              </a:spcBef>
+              <a:spcAft>
+                <a:spcPct val="0"/>
+              </a:spcAft>
+              <a:defRPr sz="4400">
+                <a:solidFill>
+                  <a:schemeClr val="tx1"/>
+                </a:solidFill>
+                <a:latin typeface="Calibri" pitchFamily="34" charset="0"/>
+                <a:ea typeface="宋体" pitchFamily="2" charset="-122"/>
+              </a:defRPr>
+            </a:lvl2pPr>
+            <a:lvl3pPr algn="ctr" rtl="0" eaLnBrk="0" fontAlgn="base" hangingPunct="0">
+              <a:spcBef>
+                <a:spcPct val="0"/>
+              </a:spcBef>
+              <a:spcAft>
+                <a:spcPct val="0"/>
+              </a:spcAft>
+              <a:defRPr sz="4400">
+                <a:solidFill>
+                  <a:schemeClr val="tx1"/>
+                </a:solidFill>
+                <a:latin typeface="Calibri" pitchFamily="34" charset="0"/>
+                <a:ea typeface="宋体" pitchFamily="2" charset="-122"/>
+              </a:defRPr>
+            </a:lvl3pPr>
+            <a:lvl4pPr algn="ctr" rtl="0" eaLnBrk="0" fontAlgn="base" hangingPunct="0">
+              <a:spcBef>
+                <a:spcPct val="0"/>
+              </a:spcBef>
+              <a:spcAft>
+                <a:spcPct val="0"/>
+              </a:spcAft>
+              <a:defRPr sz="4400">
+                <a:solidFill>
+                  <a:schemeClr val="tx1"/>
+                </a:solidFill>
+                <a:latin typeface="Calibri" pitchFamily="34" charset="0"/>
+                <a:ea typeface="宋体" pitchFamily="2" charset="-122"/>
+              </a:defRPr>
+            </a:lvl4pPr>
+            <a:lvl5pPr algn="ctr" rtl="0" eaLnBrk="0" fontAlgn="base" hangingPunct="0">
+              <a:spcBef>
+                <a:spcPct val="0"/>
+              </a:spcBef>
+              <a:spcAft>
+                <a:spcPct val="0"/>
+              </a:spcAft>
+              <a:defRPr sz="4400">
+                <a:solidFill>
+                  <a:schemeClr val="tx1"/>
+                </a:solidFill>
+                <a:latin typeface="Calibri" pitchFamily="34" charset="0"/>
+                <a:ea typeface="宋体" pitchFamily="2" charset="-122"/>
+              </a:defRPr>
+            </a:lvl5pPr>
+            <a:lvl6pPr marL="457200" algn="ctr" rtl="0" fontAlgn="base">
+              <a:spcBef>
+                <a:spcPct val="0"/>
+              </a:spcBef>
+              <a:spcAft>
+                <a:spcPct val="0"/>
+              </a:spcAft>
+              <a:defRPr sz="4400">
+                <a:solidFill>
+                  <a:schemeClr val="tx1"/>
+                </a:solidFill>
+                <a:latin typeface="Calibri" pitchFamily="34" charset="0"/>
+                <a:ea typeface="宋体" pitchFamily="2" charset="-122"/>
+              </a:defRPr>
+            </a:lvl6pPr>
+            <a:lvl7pPr marL="914400" algn="ctr" rtl="0" fontAlgn="base">
+              <a:spcBef>
+                <a:spcPct val="0"/>
+              </a:spcBef>
+              <a:spcAft>
+                <a:spcPct val="0"/>
+              </a:spcAft>
+              <a:defRPr sz="4400">
+                <a:solidFill>
+                  <a:schemeClr val="tx1"/>
+                </a:solidFill>
+                <a:latin typeface="Calibri" pitchFamily="34" charset="0"/>
+                <a:ea typeface="宋体" pitchFamily="2" charset="-122"/>
+              </a:defRPr>
+            </a:lvl7pPr>
+            <a:lvl8pPr marL="1371600" algn="ctr" rtl="0" fontAlgn="base">
+              <a:spcBef>
+                <a:spcPct val="0"/>
+              </a:spcBef>
+              <a:spcAft>
+                <a:spcPct val="0"/>
+              </a:spcAft>
+              <a:defRPr sz="4400">
+                <a:solidFill>
+                  <a:schemeClr val="tx1"/>
+                </a:solidFill>
+                <a:latin typeface="Calibri" pitchFamily="34" charset="0"/>
+                <a:ea typeface="宋体" pitchFamily="2" charset="-122"/>
+              </a:defRPr>
+            </a:lvl8pPr>
+            <a:lvl9pPr marL="1828800" algn="ctr" rtl="0" fontAlgn="base">
+              <a:spcBef>
+                <a:spcPct val="0"/>
+              </a:spcBef>
+              <a:spcAft>
+                <a:spcPct val="0"/>
+              </a:spcAft>
+              <a:defRPr sz="4400">
+                <a:solidFill>
+                  <a:schemeClr val="tx1"/>
+                </a:solidFill>
+                <a:latin typeface="Calibri" pitchFamily="34" charset="0"/>
+                <a:ea typeface="宋体" pitchFamily="2" charset="-122"/>
+              </a:defRPr>
+            </a:lvl9pPr>
+          </a:lstStyle>
+          <a:p>
+            <a:r>
+              <a:rPr lang="en-US" altLang="zh-CN" b="1" dirty="0">
+                <a:latin typeface="Adobe 黑体 Std R" panose="020B0400000000000000" pitchFamily="34" charset="-122"/>
+                <a:ea typeface="Adobe 黑体 Std R" panose="020B0400000000000000" pitchFamily="34" charset="-122"/>
+              </a:rPr>
+              <a:t> </a:t>
+            </a:r>
             <a:r>
               <a:rPr lang="zh-CN" altLang="en-US" b="1" dirty="0">
                 <a:latin typeface="Adobe 黑体 Std R" panose="020B0400000000000000" pitchFamily="34" charset="-122"/>
                 <a:ea typeface="Adobe 黑体 Std R" panose="020B0400000000000000" pitchFamily="34" charset="-122"/>
               </a:rPr>
-              <a:t>目录</a:t>
-            </a:r>
-          </a:p>
-        </p:txBody>
-      </p:sp>
-      <p:sp>
-        <p:nvSpPr>
-          <p:cNvPr id="3" name="内容占位符 2"/>
-          <p:cNvSpPr>
-            <a:spLocks noGrp="1"/>
-          </p:cNvSpPr>
-          <p:nvPr>
-            <p:ph idx="1"/>
-          </p:nvPr>
-        </p:nvSpPr>
-        <p:spPr/>
-        <p:txBody>
-          <a:bodyPr/>
+              <a:t>规则的重要性</a:t>
+            </a:r>
+          </a:p>
+        </p:txBody>
+      </p:sp>
+      <p:sp>
+        <p:nvSpPr>
+          <p:cNvPr id="5" name="矩形 4">
+            <a:extLst>
+              <a:ext uri="{FF2B5EF4-FFF2-40B4-BE49-F238E27FC236}">
+                <a16:creationId xmlns:a16="http://schemas.microsoft.com/office/drawing/2014/main" id="{BFC93859-88BB-452B-A01A-459B2628A1AB}"/>
+              </a:ext>
+            </a:extLst>
+          </p:cNvPr>
+          <p:cNvSpPr/>
+          <p:nvPr/>
+        </p:nvSpPr>
+        <p:spPr>
+          <a:xfrm>
+            <a:off x="1269976" y="2348880"/>
+            <a:ext cx="7416824" cy="2862322"/>
+          </a:xfrm>
+          <a:prstGeom prst="rect">
+            <a:avLst/>
+          </a:prstGeom>
+        </p:spPr>
+        <p:txBody>
+          <a:bodyPr wrap="square">
+            <a:spAutoFit/>
+          </a:bodyPr>
           <a:lstStyle/>
           <a:p>
             <a:r>
-              <a:rPr lang="en-US" altLang="zh-CN" b="1" dirty="0">
-                <a:solidFill>
-                  <a:srgbClr val="FF0000"/>
-                </a:solidFill>
-              </a:rPr>
-              <a:t>3.1</a:t>
-            </a:r>
-            <a:r>
-              <a:rPr lang="zh-CN" altLang="zh-CN" b="1" dirty="0">
-                <a:solidFill>
-                  <a:srgbClr val="FF0000"/>
-                </a:solidFill>
-              </a:rPr>
-              <a:t>开发规范的重要性</a:t>
-            </a:r>
-          </a:p>
-          <a:p>
-            <a:r>
-              <a:rPr lang="en-US" altLang="zh-CN" b="1" dirty="0"/>
-              <a:t>3.2</a:t>
-            </a:r>
-            <a:r>
-              <a:rPr lang="zh-CN" altLang="zh-CN" b="1" dirty="0"/>
-              <a:t>文档规范</a:t>
-            </a:r>
-          </a:p>
-          <a:p>
-            <a:r>
-              <a:rPr lang="en-US" altLang="zh-CN" b="1" dirty="0"/>
-              <a:t>3.3</a:t>
-            </a:r>
-            <a:r>
-              <a:rPr lang="zh-CN" altLang="zh-CN" b="1" dirty="0"/>
-              <a:t>编程规范</a:t>
-            </a:r>
-            <a:endParaRPr lang="en-US" altLang="zh-CN" b="1" dirty="0"/>
-          </a:p>
-          <a:p>
-            <a:r>
-              <a:rPr lang="en-US" altLang="zh-CN" b="1" dirty="0"/>
-              <a:t>3.4</a:t>
-            </a:r>
-            <a:r>
-              <a:rPr lang="zh-CN" altLang="zh-CN" b="1" dirty="0"/>
-              <a:t>流程规范</a:t>
-            </a:r>
-          </a:p>
-          <a:p>
-            <a:r>
-              <a:rPr lang="en-US" altLang="zh-CN" b="1" dirty="0"/>
-              <a:t>3.5</a:t>
-            </a:r>
-            <a:r>
-              <a:rPr lang="zh-CN" altLang="zh-CN" b="1" dirty="0"/>
-              <a:t>敏捷</a:t>
-            </a:r>
-          </a:p>
-          <a:p>
-            <a:endParaRPr lang="zh-CN" altLang="en-US" dirty="0"/>
+              <a:rPr lang="en-US" altLang="zh-CN" sz="2000" b="1" dirty="0">
+                <a:solidFill>
+                  <a:srgbClr val="0000FF"/>
+                </a:solidFill>
+                <a:latin typeface="新宋体" panose="02010609030101010101" pitchFamily="49" charset="-122"/>
+                <a:ea typeface="新宋体" panose="02010609030101010101" pitchFamily="49" charset="-122"/>
+              </a:rPr>
+              <a:t>int</a:t>
+            </a:r>
+            <a:r>
+              <a:rPr lang="en-US" altLang="zh-CN" sz="2000" b="1" dirty="0">
+                <a:solidFill>
+                  <a:srgbClr val="000000"/>
+                </a:solidFill>
+                <a:latin typeface="新宋体" panose="02010609030101010101" pitchFamily="49" charset="-122"/>
+                <a:ea typeface="新宋体" panose="02010609030101010101" pitchFamily="49" charset="-122"/>
+              </a:rPr>
+              <a:t> </a:t>
+            </a:r>
+            <a:r>
+              <a:rPr lang="en-US" altLang="zh-CN" sz="2000" b="1" dirty="0">
+                <a:solidFill>
+                  <a:srgbClr val="6F008A"/>
+                </a:solidFill>
+                <a:latin typeface="新宋体" panose="02010609030101010101" pitchFamily="49" charset="-122"/>
+                <a:ea typeface="新宋体" panose="02010609030101010101" pitchFamily="49" charset="-122"/>
+              </a:rPr>
+              <a:t>APIENTRY</a:t>
+            </a:r>
+            <a:r>
+              <a:rPr lang="en-US" altLang="zh-CN" sz="2000" b="1" dirty="0">
+                <a:solidFill>
+                  <a:srgbClr val="000000"/>
+                </a:solidFill>
+                <a:latin typeface="新宋体" panose="02010609030101010101" pitchFamily="49" charset="-122"/>
+                <a:ea typeface="新宋体" panose="02010609030101010101" pitchFamily="49" charset="-122"/>
+              </a:rPr>
+              <a:t> </a:t>
+            </a:r>
+            <a:r>
+              <a:rPr lang="en-US" altLang="zh-CN" sz="2000" b="1" dirty="0" err="1">
+                <a:solidFill>
+                  <a:srgbClr val="000000"/>
+                </a:solidFill>
+                <a:latin typeface="新宋体" panose="02010609030101010101" pitchFamily="49" charset="-122"/>
+                <a:ea typeface="新宋体" panose="02010609030101010101" pitchFamily="49" charset="-122"/>
+              </a:rPr>
+              <a:t>wWinMain</a:t>
+            </a:r>
+            <a:r>
+              <a:rPr lang="en-US" altLang="zh-CN" sz="2000" b="1" dirty="0">
+                <a:solidFill>
+                  <a:srgbClr val="000000"/>
+                </a:solidFill>
+                <a:latin typeface="新宋体" panose="02010609030101010101" pitchFamily="49" charset="-122"/>
+                <a:ea typeface="新宋体" panose="02010609030101010101" pitchFamily="49" charset="-122"/>
+              </a:rPr>
+              <a:t>(</a:t>
+            </a:r>
+            <a:r>
+              <a:rPr lang="en-US" altLang="zh-CN" sz="2000" b="1" dirty="0">
+                <a:solidFill>
+                  <a:srgbClr val="6F008A"/>
+                </a:solidFill>
+                <a:latin typeface="新宋体" panose="02010609030101010101" pitchFamily="49" charset="-122"/>
+                <a:ea typeface="新宋体" panose="02010609030101010101" pitchFamily="49" charset="-122"/>
+              </a:rPr>
+              <a:t>_In_</a:t>
+            </a:r>
+            <a:r>
+              <a:rPr lang="en-US" altLang="zh-CN" sz="2000" b="1" dirty="0">
+                <a:solidFill>
+                  <a:srgbClr val="000000"/>
+                </a:solidFill>
+                <a:latin typeface="新宋体" panose="02010609030101010101" pitchFamily="49" charset="-122"/>
+                <a:ea typeface="新宋体" panose="02010609030101010101" pitchFamily="49" charset="-122"/>
+              </a:rPr>
+              <a:t> </a:t>
+            </a:r>
+            <a:r>
+              <a:rPr lang="en-US" altLang="zh-CN" sz="2000" b="1" dirty="0">
+                <a:solidFill>
+                  <a:srgbClr val="2B91AF"/>
+                </a:solidFill>
+                <a:latin typeface="新宋体" panose="02010609030101010101" pitchFamily="49" charset="-122"/>
+                <a:ea typeface="新宋体" panose="02010609030101010101" pitchFamily="49" charset="-122"/>
+              </a:rPr>
+              <a:t>HINSTANCE</a:t>
+            </a:r>
+            <a:r>
+              <a:rPr lang="en-US" altLang="zh-CN" sz="2000" b="1" dirty="0">
+                <a:solidFill>
+                  <a:srgbClr val="000000"/>
+                </a:solidFill>
+                <a:latin typeface="新宋体" panose="02010609030101010101" pitchFamily="49" charset="-122"/>
+                <a:ea typeface="新宋体" panose="02010609030101010101" pitchFamily="49" charset="-122"/>
+              </a:rPr>
+              <a:t> </a:t>
+            </a:r>
+            <a:r>
+              <a:rPr lang="en-US" altLang="zh-CN" sz="2000" b="1" dirty="0" err="1">
+                <a:solidFill>
+                  <a:srgbClr val="808080"/>
+                </a:solidFill>
+                <a:latin typeface="新宋体" panose="02010609030101010101" pitchFamily="49" charset="-122"/>
+                <a:ea typeface="新宋体" panose="02010609030101010101" pitchFamily="49" charset="-122"/>
+              </a:rPr>
+              <a:t>hInstance</a:t>
+            </a:r>
+            <a:r>
+              <a:rPr lang="en-US" altLang="zh-CN" sz="2000" b="1" dirty="0">
+                <a:solidFill>
+                  <a:srgbClr val="000000"/>
+                </a:solidFill>
+                <a:latin typeface="新宋体" panose="02010609030101010101" pitchFamily="49" charset="-122"/>
+                <a:ea typeface="新宋体" panose="02010609030101010101" pitchFamily="49" charset="-122"/>
+              </a:rPr>
+              <a:t>,</a:t>
+            </a:r>
+          </a:p>
+          <a:p>
+            <a:r>
+              <a:rPr lang="en-US" altLang="zh-CN" sz="2000" b="1" dirty="0">
+                <a:solidFill>
+                  <a:srgbClr val="000000"/>
+                </a:solidFill>
+                <a:latin typeface="新宋体" panose="02010609030101010101" pitchFamily="49" charset="-122"/>
+                <a:ea typeface="新宋体" panose="02010609030101010101" pitchFamily="49" charset="-122"/>
+              </a:rPr>
+              <a:t>                      </a:t>
+            </a:r>
+            <a:r>
+              <a:rPr lang="en-US" altLang="zh-CN" sz="2000" b="1" dirty="0">
+                <a:solidFill>
+                  <a:srgbClr val="6F008A"/>
+                </a:solidFill>
+                <a:latin typeface="新宋体" panose="02010609030101010101" pitchFamily="49" charset="-122"/>
+                <a:ea typeface="新宋体" panose="02010609030101010101" pitchFamily="49" charset="-122"/>
+              </a:rPr>
+              <a:t>_</a:t>
+            </a:r>
+            <a:r>
+              <a:rPr lang="en-US" altLang="zh-CN" sz="2000" b="1" dirty="0" err="1">
+                <a:solidFill>
+                  <a:srgbClr val="6F008A"/>
+                </a:solidFill>
+                <a:latin typeface="新宋体" panose="02010609030101010101" pitchFamily="49" charset="-122"/>
+                <a:ea typeface="新宋体" panose="02010609030101010101" pitchFamily="49" charset="-122"/>
+              </a:rPr>
+              <a:t>In_opt</a:t>
+            </a:r>
+            <a:r>
+              <a:rPr lang="en-US" altLang="zh-CN" sz="2000" b="1" dirty="0">
+                <a:solidFill>
+                  <a:srgbClr val="6F008A"/>
+                </a:solidFill>
+                <a:latin typeface="新宋体" panose="02010609030101010101" pitchFamily="49" charset="-122"/>
+                <a:ea typeface="新宋体" panose="02010609030101010101" pitchFamily="49" charset="-122"/>
+              </a:rPr>
+              <a:t>_</a:t>
+            </a:r>
+            <a:r>
+              <a:rPr lang="en-US" altLang="zh-CN" sz="2000" b="1" dirty="0">
+                <a:solidFill>
+                  <a:srgbClr val="000000"/>
+                </a:solidFill>
+                <a:latin typeface="新宋体" panose="02010609030101010101" pitchFamily="49" charset="-122"/>
+                <a:ea typeface="新宋体" panose="02010609030101010101" pitchFamily="49" charset="-122"/>
+              </a:rPr>
+              <a:t> </a:t>
+            </a:r>
+            <a:r>
+              <a:rPr lang="en-US" altLang="zh-CN" sz="2000" b="1" dirty="0">
+                <a:solidFill>
+                  <a:srgbClr val="2B91AF"/>
+                </a:solidFill>
+                <a:latin typeface="新宋体" panose="02010609030101010101" pitchFamily="49" charset="-122"/>
+                <a:ea typeface="新宋体" panose="02010609030101010101" pitchFamily="49" charset="-122"/>
+              </a:rPr>
+              <a:t>HINSTANCE</a:t>
+            </a:r>
+            <a:r>
+              <a:rPr lang="en-US" altLang="zh-CN" sz="2000" b="1" dirty="0">
+                <a:solidFill>
+                  <a:srgbClr val="000000"/>
+                </a:solidFill>
+                <a:latin typeface="新宋体" panose="02010609030101010101" pitchFamily="49" charset="-122"/>
+                <a:ea typeface="新宋体" panose="02010609030101010101" pitchFamily="49" charset="-122"/>
+              </a:rPr>
+              <a:t> </a:t>
+            </a:r>
+            <a:r>
+              <a:rPr lang="en-US" altLang="zh-CN" sz="2000" b="1" dirty="0" err="1">
+                <a:solidFill>
+                  <a:srgbClr val="808080"/>
+                </a:solidFill>
+                <a:latin typeface="新宋体" panose="02010609030101010101" pitchFamily="49" charset="-122"/>
+                <a:ea typeface="新宋体" panose="02010609030101010101" pitchFamily="49" charset="-122"/>
+              </a:rPr>
+              <a:t>hPrevInstance</a:t>
+            </a:r>
+            <a:r>
+              <a:rPr lang="en-US" altLang="zh-CN" sz="2000" b="1" dirty="0">
+                <a:solidFill>
+                  <a:srgbClr val="000000"/>
+                </a:solidFill>
+                <a:latin typeface="新宋体" panose="02010609030101010101" pitchFamily="49" charset="-122"/>
+                <a:ea typeface="新宋体" panose="02010609030101010101" pitchFamily="49" charset="-122"/>
+              </a:rPr>
+              <a:t>,</a:t>
+            </a:r>
+          </a:p>
+          <a:p>
+            <a:r>
+              <a:rPr lang="en-US" altLang="zh-CN" sz="2000" b="1" dirty="0">
+                <a:solidFill>
+                  <a:srgbClr val="000000"/>
+                </a:solidFill>
+                <a:latin typeface="新宋体" panose="02010609030101010101" pitchFamily="49" charset="-122"/>
+                <a:ea typeface="新宋体" panose="02010609030101010101" pitchFamily="49" charset="-122"/>
+              </a:rPr>
+              <a:t>                      </a:t>
+            </a:r>
+            <a:r>
+              <a:rPr lang="en-US" altLang="zh-CN" sz="2000" b="1" dirty="0">
+                <a:solidFill>
+                  <a:srgbClr val="6F008A"/>
+                </a:solidFill>
+                <a:latin typeface="新宋体" panose="02010609030101010101" pitchFamily="49" charset="-122"/>
+                <a:ea typeface="新宋体" panose="02010609030101010101" pitchFamily="49" charset="-122"/>
+              </a:rPr>
+              <a:t>_In_</a:t>
+            </a:r>
+            <a:r>
+              <a:rPr lang="en-US" altLang="zh-CN" sz="2000" b="1" dirty="0">
+                <a:solidFill>
+                  <a:srgbClr val="000000"/>
+                </a:solidFill>
+                <a:latin typeface="新宋体" panose="02010609030101010101" pitchFamily="49" charset="-122"/>
+                <a:ea typeface="新宋体" panose="02010609030101010101" pitchFamily="49" charset="-122"/>
+              </a:rPr>
+              <a:t> </a:t>
+            </a:r>
+            <a:r>
+              <a:rPr lang="en-US" altLang="zh-CN" sz="2000" b="1" dirty="0">
+                <a:solidFill>
+                  <a:srgbClr val="2B91AF"/>
+                </a:solidFill>
+                <a:latin typeface="新宋体" panose="02010609030101010101" pitchFamily="49" charset="-122"/>
+                <a:ea typeface="新宋体" panose="02010609030101010101" pitchFamily="49" charset="-122"/>
+              </a:rPr>
+              <a:t>LPWSTR</a:t>
+            </a:r>
+            <a:r>
+              <a:rPr lang="en-US" altLang="zh-CN" sz="2000" b="1" dirty="0">
+                <a:solidFill>
+                  <a:srgbClr val="000000"/>
+                </a:solidFill>
+                <a:latin typeface="新宋体" panose="02010609030101010101" pitchFamily="49" charset="-122"/>
+                <a:ea typeface="新宋体" panose="02010609030101010101" pitchFamily="49" charset="-122"/>
+              </a:rPr>
+              <a:t>  </a:t>
+            </a:r>
+            <a:r>
+              <a:rPr lang="en-US" altLang="zh-CN" sz="2000" b="1" dirty="0" err="1">
+                <a:solidFill>
+                  <a:srgbClr val="808080"/>
+                </a:solidFill>
+                <a:latin typeface="新宋体" panose="02010609030101010101" pitchFamily="49" charset="-122"/>
+                <a:ea typeface="新宋体" panose="02010609030101010101" pitchFamily="49" charset="-122"/>
+              </a:rPr>
+              <a:t>lpCmdLine</a:t>
+            </a:r>
+            <a:r>
+              <a:rPr lang="en-US" altLang="zh-CN" sz="2000" b="1" dirty="0">
+                <a:solidFill>
+                  <a:srgbClr val="000000"/>
+                </a:solidFill>
+                <a:latin typeface="新宋体" panose="02010609030101010101" pitchFamily="49" charset="-122"/>
+                <a:ea typeface="新宋体" panose="02010609030101010101" pitchFamily="49" charset="-122"/>
+              </a:rPr>
+              <a:t>,</a:t>
+            </a:r>
+          </a:p>
+          <a:p>
+            <a:r>
+              <a:rPr lang="en-US" altLang="zh-CN" sz="2000" b="1" dirty="0">
+                <a:solidFill>
+                  <a:srgbClr val="000000"/>
+                </a:solidFill>
+                <a:latin typeface="新宋体" panose="02010609030101010101" pitchFamily="49" charset="-122"/>
+                <a:ea typeface="新宋体" panose="02010609030101010101" pitchFamily="49" charset="-122"/>
+              </a:rPr>
+              <a:t>                      </a:t>
+            </a:r>
+            <a:r>
+              <a:rPr lang="en-US" altLang="zh-CN" sz="2000" b="1" dirty="0">
+                <a:solidFill>
+                  <a:srgbClr val="6F008A"/>
+                </a:solidFill>
+                <a:latin typeface="新宋体" panose="02010609030101010101" pitchFamily="49" charset="-122"/>
+                <a:ea typeface="新宋体" panose="02010609030101010101" pitchFamily="49" charset="-122"/>
+              </a:rPr>
+              <a:t>_In_</a:t>
+            </a:r>
+            <a:r>
+              <a:rPr lang="en-US" altLang="zh-CN" sz="2000" b="1" dirty="0">
+                <a:solidFill>
+                  <a:srgbClr val="000000"/>
+                </a:solidFill>
+                <a:latin typeface="新宋体" panose="02010609030101010101" pitchFamily="49" charset="-122"/>
+                <a:ea typeface="新宋体" panose="02010609030101010101" pitchFamily="49" charset="-122"/>
+              </a:rPr>
+              <a:t> </a:t>
+            </a:r>
+            <a:r>
+              <a:rPr lang="en-US" altLang="zh-CN" sz="2000" b="1" dirty="0">
+                <a:solidFill>
+                  <a:srgbClr val="0000FF"/>
+                </a:solidFill>
+                <a:latin typeface="新宋体" panose="02010609030101010101" pitchFamily="49" charset="-122"/>
+                <a:ea typeface="新宋体" panose="02010609030101010101" pitchFamily="49" charset="-122"/>
+              </a:rPr>
+              <a:t>int</a:t>
+            </a:r>
+            <a:r>
+              <a:rPr lang="en-US" altLang="zh-CN" sz="2000" b="1" dirty="0">
+                <a:solidFill>
+                  <a:srgbClr val="000000"/>
+                </a:solidFill>
+                <a:latin typeface="新宋体" panose="02010609030101010101" pitchFamily="49" charset="-122"/>
+                <a:ea typeface="新宋体" panose="02010609030101010101" pitchFamily="49" charset="-122"/>
+              </a:rPr>
+              <a:t>  </a:t>
+            </a:r>
+            <a:r>
+              <a:rPr lang="en-US" altLang="zh-CN" sz="2000" b="1" dirty="0" err="1">
+                <a:solidFill>
+                  <a:srgbClr val="808080"/>
+                </a:solidFill>
+                <a:latin typeface="新宋体" panose="02010609030101010101" pitchFamily="49" charset="-122"/>
+                <a:ea typeface="新宋体" panose="02010609030101010101" pitchFamily="49" charset="-122"/>
+              </a:rPr>
+              <a:t>nCmdShow</a:t>
+            </a:r>
+            <a:r>
+              <a:rPr lang="en-US" altLang="zh-CN" sz="2000" b="1" dirty="0">
+                <a:solidFill>
+                  <a:srgbClr val="000000"/>
+                </a:solidFill>
+                <a:latin typeface="新宋体" panose="02010609030101010101" pitchFamily="49" charset="-122"/>
+                <a:ea typeface="新宋体" panose="02010609030101010101" pitchFamily="49" charset="-122"/>
+              </a:rPr>
+              <a:t>)</a:t>
+            </a:r>
+          </a:p>
+          <a:p>
+            <a:r>
+              <a:rPr lang="en-US" altLang="zh-CN" sz="2000" b="1" dirty="0">
+                <a:solidFill>
+                  <a:srgbClr val="000000"/>
+                </a:solidFill>
+                <a:latin typeface="新宋体" panose="02010609030101010101" pitchFamily="49" charset="-122"/>
+                <a:ea typeface="新宋体" panose="02010609030101010101" pitchFamily="49" charset="-122"/>
+              </a:rPr>
+              <a:t>{</a:t>
+            </a:r>
+          </a:p>
+          <a:p>
+            <a:r>
+              <a:rPr lang="en-US" altLang="zh-CN" sz="2000" b="1" dirty="0">
+                <a:solidFill>
+                  <a:srgbClr val="6F008A"/>
+                </a:solidFill>
+                <a:latin typeface="新宋体" panose="02010609030101010101" pitchFamily="49" charset="-122"/>
+                <a:ea typeface="新宋体" panose="02010609030101010101" pitchFamily="49" charset="-122"/>
+              </a:rPr>
+              <a:t>	___</a:t>
+            </a:r>
+            <a:r>
+              <a:rPr lang="zh-CN" altLang="en-US" sz="2000" b="1" dirty="0">
+                <a:solidFill>
+                  <a:srgbClr val="000000"/>
+                </a:solidFill>
+                <a:latin typeface="新宋体" panose="02010609030101010101" pitchFamily="49" charset="-122"/>
+                <a:ea typeface="新宋体" panose="02010609030101010101" pitchFamily="49" charset="-122"/>
+              </a:rPr>
+              <a:t> </a:t>
+            </a:r>
+            <a:r>
+              <a:rPr lang="en-US" altLang="zh-CN" sz="2000" b="1" dirty="0">
+                <a:solidFill>
+                  <a:srgbClr val="6F008A"/>
+                </a:solidFill>
+                <a:latin typeface="新宋体" panose="02010609030101010101" pitchFamily="49" charset="-122"/>
+                <a:ea typeface="新宋体" panose="02010609030101010101" pitchFamily="49" charset="-122"/>
+              </a:rPr>
+              <a:t>____</a:t>
+            </a:r>
+            <a:r>
+              <a:rPr lang="zh-CN" altLang="en-US" sz="2000" b="1" dirty="0">
+                <a:solidFill>
+                  <a:srgbClr val="000000"/>
+                </a:solidFill>
+                <a:latin typeface="新宋体" panose="02010609030101010101" pitchFamily="49" charset="-122"/>
+                <a:ea typeface="新宋体" panose="02010609030101010101" pitchFamily="49" charset="-122"/>
+              </a:rPr>
+              <a:t> </a:t>
+            </a:r>
+            <a:r>
+              <a:rPr lang="en-US" altLang="zh-CN" sz="2000" b="1" dirty="0">
+                <a:solidFill>
+                  <a:srgbClr val="6F008A"/>
+                </a:solidFill>
+                <a:latin typeface="新宋体" panose="02010609030101010101" pitchFamily="49" charset="-122"/>
+                <a:ea typeface="新宋体" panose="02010609030101010101" pitchFamily="49" charset="-122"/>
+              </a:rPr>
+              <a:t>___________</a:t>
+            </a:r>
+            <a:r>
+              <a:rPr lang="zh-CN" altLang="en-US" sz="2000" b="1" dirty="0">
+                <a:solidFill>
+                  <a:srgbClr val="000000"/>
+                </a:solidFill>
+                <a:latin typeface="新宋体" panose="02010609030101010101" pitchFamily="49" charset="-122"/>
+                <a:ea typeface="新宋体" panose="02010609030101010101" pitchFamily="49" charset="-122"/>
+              </a:rPr>
+              <a:t> </a:t>
+            </a:r>
+            <a:r>
+              <a:rPr lang="en-US" altLang="zh-CN" sz="2000" b="1" dirty="0">
+                <a:solidFill>
+                  <a:srgbClr val="6F008A"/>
+                </a:solidFill>
+                <a:latin typeface="新宋体" panose="02010609030101010101" pitchFamily="49" charset="-122"/>
+                <a:ea typeface="新宋体" panose="02010609030101010101" pitchFamily="49" charset="-122"/>
+              </a:rPr>
+              <a:t>_________</a:t>
+            </a:r>
+            <a:r>
+              <a:rPr lang="zh-CN" altLang="en-US" sz="2000" b="1" dirty="0">
+                <a:solidFill>
+                  <a:srgbClr val="000000"/>
+                </a:solidFill>
+                <a:latin typeface="新宋体" panose="02010609030101010101" pitchFamily="49" charset="-122"/>
+                <a:ea typeface="新宋体" panose="02010609030101010101" pitchFamily="49" charset="-122"/>
+              </a:rPr>
+              <a:t> </a:t>
+            </a:r>
+            <a:r>
+              <a:rPr lang="en-US" altLang="zh-CN" sz="2000" b="1" dirty="0">
+                <a:solidFill>
+                  <a:srgbClr val="6F008A"/>
+                </a:solidFill>
+                <a:latin typeface="新宋体" panose="02010609030101010101" pitchFamily="49" charset="-122"/>
+                <a:ea typeface="新宋体" panose="02010609030101010101" pitchFamily="49" charset="-122"/>
+              </a:rPr>
+              <a:t>_____</a:t>
+            </a:r>
+            <a:r>
+              <a:rPr lang="zh-CN" altLang="en-US" sz="2000" b="1" dirty="0">
+                <a:solidFill>
+                  <a:srgbClr val="000000"/>
+                </a:solidFill>
+                <a:latin typeface="新宋体" panose="02010609030101010101" pitchFamily="49" charset="-122"/>
+                <a:ea typeface="新宋体" panose="02010609030101010101" pitchFamily="49" charset="-122"/>
+              </a:rPr>
+              <a:t> </a:t>
+            </a:r>
+            <a:r>
+              <a:rPr lang="en-US" altLang="zh-CN" sz="2000" b="1" dirty="0">
+                <a:solidFill>
+                  <a:srgbClr val="6F008A"/>
+                </a:solidFill>
+                <a:latin typeface="新宋体" panose="02010609030101010101" pitchFamily="49" charset="-122"/>
+                <a:ea typeface="新宋体" panose="02010609030101010101" pitchFamily="49" charset="-122"/>
+              </a:rPr>
+              <a:t>_________</a:t>
+            </a:r>
+            <a:r>
+              <a:rPr lang="zh-CN" altLang="en-US" sz="2000" b="1" dirty="0">
+                <a:solidFill>
+                  <a:srgbClr val="000000"/>
+                </a:solidFill>
+                <a:latin typeface="新宋体" panose="02010609030101010101" pitchFamily="49" charset="-122"/>
+                <a:ea typeface="新宋体" panose="02010609030101010101" pitchFamily="49" charset="-122"/>
+              </a:rPr>
+              <a:t> </a:t>
+            </a:r>
+          </a:p>
+          <a:p>
+            <a:r>
+              <a:rPr lang="en-US" altLang="zh-CN" sz="2000" b="1" dirty="0">
+                <a:solidFill>
+                  <a:srgbClr val="6F008A"/>
+                </a:solidFill>
+                <a:latin typeface="新宋体" panose="02010609030101010101" pitchFamily="49" charset="-122"/>
+                <a:ea typeface="新宋体" panose="02010609030101010101" pitchFamily="49" charset="-122"/>
+              </a:rPr>
+              <a:t>	______</a:t>
+            </a:r>
+            <a:r>
+              <a:rPr lang="zh-CN" altLang="en-US" sz="2000" b="1" dirty="0">
+                <a:solidFill>
+                  <a:srgbClr val="000000"/>
+                </a:solidFill>
+                <a:latin typeface="新宋体" panose="02010609030101010101" pitchFamily="49" charset="-122"/>
+                <a:ea typeface="新宋体" panose="02010609030101010101" pitchFamily="49" charset="-122"/>
+              </a:rPr>
+              <a:t> </a:t>
+            </a:r>
+            <a:r>
+              <a:rPr lang="en-US" altLang="zh-CN" sz="2000" b="1" dirty="0">
+                <a:solidFill>
+                  <a:srgbClr val="6F008A"/>
+                </a:solidFill>
+                <a:latin typeface="新宋体" panose="02010609030101010101" pitchFamily="49" charset="-122"/>
+                <a:ea typeface="新宋体" panose="02010609030101010101" pitchFamily="49" charset="-122"/>
+              </a:rPr>
+              <a:t>_________</a:t>
+            </a:r>
+            <a:r>
+              <a:rPr lang="zh-CN" altLang="en-US" sz="2000" b="1" dirty="0">
+                <a:solidFill>
+                  <a:srgbClr val="000000"/>
+                </a:solidFill>
+                <a:latin typeface="新宋体" panose="02010609030101010101" pitchFamily="49" charset="-122"/>
+                <a:ea typeface="新宋体" panose="02010609030101010101" pitchFamily="49" charset="-122"/>
+              </a:rPr>
+              <a:t> </a:t>
+            </a:r>
+            <a:r>
+              <a:rPr lang="en-US" altLang="zh-CN" sz="2000" b="1" dirty="0">
+                <a:solidFill>
+                  <a:srgbClr val="6F008A"/>
+                </a:solidFill>
+                <a:latin typeface="新宋体" panose="02010609030101010101" pitchFamily="49" charset="-122"/>
+                <a:ea typeface="新宋体" panose="02010609030101010101" pitchFamily="49" charset="-122"/>
+              </a:rPr>
+              <a:t>_______</a:t>
+            </a:r>
+            <a:r>
+              <a:rPr lang="zh-CN" altLang="en-US" sz="2000" b="1" dirty="0">
+                <a:solidFill>
+                  <a:srgbClr val="000000"/>
+                </a:solidFill>
+                <a:latin typeface="新宋体" panose="02010609030101010101" pitchFamily="49" charset="-122"/>
+                <a:ea typeface="新宋体" panose="02010609030101010101" pitchFamily="49" charset="-122"/>
+              </a:rPr>
+              <a:t> </a:t>
+            </a:r>
+            <a:r>
+              <a:rPr lang="en-US" altLang="zh-CN" sz="2000" b="1" dirty="0">
+                <a:solidFill>
+                  <a:srgbClr val="6F008A"/>
+                </a:solidFill>
+                <a:latin typeface="新宋体" panose="02010609030101010101" pitchFamily="49" charset="-122"/>
+                <a:ea typeface="新宋体" panose="02010609030101010101" pitchFamily="49" charset="-122"/>
+              </a:rPr>
+              <a:t>________</a:t>
+            </a:r>
+            <a:r>
+              <a:rPr lang="zh-CN" altLang="en-US" sz="2000" b="1" dirty="0">
+                <a:solidFill>
+                  <a:srgbClr val="000000"/>
+                </a:solidFill>
+                <a:latin typeface="新宋体" panose="02010609030101010101" pitchFamily="49" charset="-122"/>
+                <a:ea typeface="新宋体" panose="02010609030101010101" pitchFamily="49" charset="-122"/>
+              </a:rPr>
+              <a:t> </a:t>
+            </a:r>
+            <a:r>
+              <a:rPr lang="en-US" altLang="zh-CN" sz="2000" b="1" dirty="0">
+                <a:solidFill>
+                  <a:srgbClr val="6F008A"/>
+                </a:solidFill>
+                <a:latin typeface="新宋体" panose="02010609030101010101" pitchFamily="49" charset="-122"/>
+                <a:ea typeface="新宋体" panose="02010609030101010101" pitchFamily="49" charset="-122"/>
+              </a:rPr>
+              <a:t>__________</a:t>
+            </a:r>
+            <a:endParaRPr lang="zh-CN" altLang="en-US" sz="2000" b="1" dirty="0">
+              <a:solidFill>
+                <a:srgbClr val="000000"/>
+              </a:solidFill>
+              <a:latin typeface="新宋体" panose="02010609030101010101" pitchFamily="49" charset="-122"/>
+              <a:ea typeface="新宋体" panose="02010609030101010101" pitchFamily="49" charset="-122"/>
+            </a:endParaRPr>
+          </a:p>
+          <a:p>
+            <a:r>
+              <a:rPr lang="en-US" altLang="zh-CN" sz="2000" b="1" dirty="0">
+                <a:solidFill>
+                  <a:srgbClr val="6F008A"/>
+                </a:solidFill>
+                <a:latin typeface="新宋体" panose="02010609030101010101" pitchFamily="49" charset="-122"/>
+                <a:ea typeface="新宋体" panose="02010609030101010101" pitchFamily="49" charset="-122"/>
+              </a:rPr>
+              <a:t>	____________</a:t>
+            </a:r>
+            <a:r>
+              <a:rPr lang="zh-CN" altLang="en-US" sz="2000" b="1" dirty="0">
+                <a:solidFill>
+                  <a:srgbClr val="000000"/>
+                </a:solidFill>
+                <a:latin typeface="新宋体" panose="02010609030101010101" pitchFamily="49" charset="-122"/>
+                <a:ea typeface="新宋体" panose="02010609030101010101" pitchFamily="49" charset="-122"/>
+              </a:rPr>
+              <a:t> </a:t>
+            </a:r>
+            <a:r>
+              <a:rPr lang="en-US" altLang="zh-CN" sz="2000" b="1" dirty="0">
+                <a:solidFill>
+                  <a:srgbClr val="6F008A"/>
+                </a:solidFill>
+                <a:latin typeface="新宋体" panose="02010609030101010101" pitchFamily="49" charset="-122"/>
+                <a:ea typeface="新宋体" panose="02010609030101010101" pitchFamily="49" charset="-122"/>
+              </a:rPr>
+              <a:t>__________</a:t>
+            </a:r>
+            <a:endParaRPr lang="zh-CN" altLang="en-US" sz="2000" b="1" dirty="0">
+              <a:solidFill>
+                <a:srgbClr val="000000"/>
+              </a:solidFill>
+              <a:latin typeface="新宋体" panose="02010609030101010101" pitchFamily="49" charset="-122"/>
+              <a:ea typeface="新宋体" panose="02010609030101010101" pitchFamily="49" charset="-122"/>
+            </a:endParaRPr>
+          </a:p>
+          <a:p>
+            <a:r>
+              <a:rPr lang="en-US" altLang="zh-CN" sz="2000" b="1" dirty="0">
+                <a:solidFill>
+                  <a:srgbClr val="000000"/>
+                </a:solidFill>
+                <a:latin typeface="新宋体" panose="02010609030101010101" pitchFamily="49" charset="-122"/>
+                <a:ea typeface="新宋体" panose="02010609030101010101" pitchFamily="49" charset="-122"/>
+              </a:rPr>
+              <a:t>}</a:t>
+            </a:r>
+            <a:endParaRPr lang="zh-CN" altLang="en-US" sz="2000" b="1" dirty="0"/>
           </a:p>
         </p:txBody>
       </p:sp>
     </p:spTree>
     <p:extLst>
       <p:ext uri="{BB962C8B-B14F-4D97-AF65-F5344CB8AC3E}">
-        <p14:creationId xmlns:p14="http://schemas.microsoft.com/office/powerpoint/2010/main" val="2052822695"/>
+        <p14:creationId xmlns:p14="http://schemas.microsoft.com/office/powerpoint/2010/main" val="3864228693"/>
       </p:ext>
     </p:extLst>
   </p:cSld>
@@ -13827,218 +14445,43 @@
       </p:grpSpPr>
       <p:sp>
         <p:nvSpPr>
-          <p:cNvPr id="3" name="标题 1"/>
-          <p:cNvSpPr txBox="1">
-            <a:spLocks/>
-          </p:cNvSpPr>
+          <p:cNvPr id="2" name="矩形 1">
+            <a:extLst>
+              <a:ext uri="{FF2B5EF4-FFF2-40B4-BE49-F238E27FC236}">
+                <a16:creationId xmlns:a16="http://schemas.microsoft.com/office/drawing/2014/main" id="{71EBF644-5260-4D6F-882F-4FE5B8145C98}"/>
+              </a:ext>
+            </a:extLst>
+          </p:cNvPr>
+          <p:cNvSpPr/>
           <p:nvPr/>
         </p:nvSpPr>
         <p:spPr>
           <a:xfrm>
-            <a:off x="457200" y="800100"/>
-            <a:ext cx="8229600" cy="952500"/>
+            <a:off x="2195736" y="1628800"/>
+            <a:ext cx="6336704" cy="3785652"/>
           </a:xfrm>
           <a:prstGeom prst="rect">
             <a:avLst/>
           </a:prstGeom>
         </p:spPr>
         <p:txBody>
-          <a:bodyPr/>
-          <a:lstStyle>
-            <a:lvl1pPr algn="ctr" rtl="0" eaLnBrk="0" fontAlgn="base" hangingPunct="0">
-              <a:spcBef>
-                <a:spcPct val="0"/>
-              </a:spcBef>
-              <a:spcAft>
-                <a:spcPct val="0"/>
-              </a:spcAft>
-              <a:defRPr sz="4400" kern="1200">
-                <a:solidFill>
-                  <a:schemeClr val="tx1"/>
-                </a:solidFill>
-                <a:latin typeface="+mj-lt"/>
-                <a:ea typeface="+mj-ea"/>
-                <a:cs typeface="+mj-cs"/>
-              </a:defRPr>
-            </a:lvl1pPr>
-            <a:lvl2pPr algn="ctr" rtl="0" eaLnBrk="0" fontAlgn="base" hangingPunct="0">
-              <a:spcBef>
-                <a:spcPct val="0"/>
-              </a:spcBef>
-              <a:spcAft>
-                <a:spcPct val="0"/>
-              </a:spcAft>
-              <a:defRPr sz="4400">
-                <a:solidFill>
-                  <a:schemeClr val="tx1"/>
-                </a:solidFill>
-                <a:latin typeface="Calibri" pitchFamily="34" charset="0"/>
-                <a:ea typeface="宋体" pitchFamily="2" charset="-122"/>
-              </a:defRPr>
-            </a:lvl2pPr>
-            <a:lvl3pPr algn="ctr" rtl="0" eaLnBrk="0" fontAlgn="base" hangingPunct="0">
-              <a:spcBef>
-                <a:spcPct val="0"/>
-              </a:spcBef>
-              <a:spcAft>
-                <a:spcPct val="0"/>
-              </a:spcAft>
-              <a:defRPr sz="4400">
-                <a:solidFill>
-                  <a:schemeClr val="tx1"/>
-                </a:solidFill>
-                <a:latin typeface="Calibri" pitchFamily="34" charset="0"/>
-                <a:ea typeface="宋体" pitchFamily="2" charset="-122"/>
-              </a:defRPr>
-            </a:lvl3pPr>
-            <a:lvl4pPr algn="ctr" rtl="0" eaLnBrk="0" fontAlgn="base" hangingPunct="0">
-              <a:spcBef>
-                <a:spcPct val="0"/>
-              </a:spcBef>
-              <a:spcAft>
-                <a:spcPct val="0"/>
-              </a:spcAft>
-              <a:defRPr sz="4400">
-                <a:solidFill>
-                  <a:schemeClr val="tx1"/>
-                </a:solidFill>
-                <a:latin typeface="Calibri" pitchFamily="34" charset="0"/>
-                <a:ea typeface="宋体" pitchFamily="2" charset="-122"/>
-              </a:defRPr>
-            </a:lvl4pPr>
-            <a:lvl5pPr algn="ctr" rtl="0" eaLnBrk="0" fontAlgn="base" hangingPunct="0">
-              <a:spcBef>
-                <a:spcPct val="0"/>
-              </a:spcBef>
-              <a:spcAft>
-                <a:spcPct val="0"/>
-              </a:spcAft>
-              <a:defRPr sz="4400">
-                <a:solidFill>
-                  <a:schemeClr val="tx1"/>
-                </a:solidFill>
-                <a:latin typeface="Calibri" pitchFamily="34" charset="0"/>
-                <a:ea typeface="宋体" pitchFamily="2" charset="-122"/>
-              </a:defRPr>
-            </a:lvl5pPr>
-            <a:lvl6pPr marL="457200" algn="ctr" rtl="0" fontAlgn="base">
-              <a:spcBef>
-                <a:spcPct val="0"/>
-              </a:spcBef>
-              <a:spcAft>
-                <a:spcPct val="0"/>
-              </a:spcAft>
-              <a:defRPr sz="4400">
-                <a:solidFill>
-                  <a:schemeClr val="tx1"/>
-                </a:solidFill>
-                <a:latin typeface="Calibri" pitchFamily="34" charset="0"/>
-                <a:ea typeface="宋体" pitchFamily="2" charset="-122"/>
-              </a:defRPr>
-            </a:lvl6pPr>
-            <a:lvl7pPr marL="914400" algn="ctr" rtl="0" fontAlgn="base">
-              <a:spcBef>
-                <a:spcPct val="0"/>
-              </a:spcBef>
-              <a:spcAft>
-                <a:spcPct val="0"/>
-              </a:spcAft>
-              <a:defRPr sz="4400">
-                <a:solidFill>
-                  <a:schemeClr val="tx1"/>
-                </a:solidFill>
-                <a:latin typeface="Calibri" pitchFamily="34" charset="0"/>
-                <a:ea typeface="宋体" pitchFamily="2" charset="-122"/>
-              </a:defRPr>
-            </a:lvl7pPr>
-            <a:lvl8pPr marL="1371600" algn="ctr" rtl="0" fontAlgn="base">
-              <a:spcBef>
-                <a:spcPct val="0"/>
-              </a:spcBef>
-              <a:spcAft>
-                <a:spcPct val="0"/>
-              </a:spcAft>
-              <a:defRPr sz="4400">
-                <a:solidFill>
-                  <a:schemeClr val="tx1"/>
-                </a:solidFill>
-                <a:latin typeface="Calibri" pitchFamily="34" charset="0"/>
-                <a:ea typeface="宋体" pitchFamily="2" charset="-122"/>
-              </a:defRPr>
-            </a:lvl8pPr>
-            <a:lvl9pPr marL="1828800" algn="ctr" rtl="0" fontAlgn="base">
-              <a:spcBef>
-                <a:spcPct val="0"/>
-              </a:spcBef>
-              <a:spcAft>
-                <a:spcPct val="0"/>
-              </a:spcAft>
-              <a:defRPr sz="4400">
-                <a:solidFill>
-                  <a:schemeClr val="tx1"/>
-                </a:solidFill>
-                <a:latin typeface="Calibri" pitchFamily="34" charset="0"/>
-                <a:ea typeface="宋体" pitchFamily="2" charset="-122"/>
-              </a:defRPr>
-            </a:lvl9pPr>
-          </a:lstStyle>
-          <a:p>
-            <a:r>
-              <a:rPr lang="en-US" altLang="zh-CN" b="1" dirty="0">
-                <a:latin typeface="Adobe 黑体 Std R" panose="020B0400000000000000" pitchFamily="34" charset="-122"/>
-                <a:ea typeface="Adobe 黑体 Std R" panose="020B0400000000000000" pitchFamily="34" charset="-122"/>
-              </a:rPr>
-              <a:t> </a:t>
-            </a:r>
-            <a:r>
-              <a:rPr lang="zh-CN" altLang="en-US" b="1" dirty="0">
-                <a:latin typeface="Adobe 黑体 Std R" panose="020B0400000000000000" pitchFamily="34" charset="-122"/>
-                <a:ea typeface="Adobe 黑体 Std R" panose="020B0400000000000000" pitchFamily="34" charset="-122"/>
-              </a:rPr>
-              <a:t>规则的重要性</a:t>
-            </a:r>
-          </a:p>
-        </p:txBody>
-      </p:sp>
-      <p:sp>
-        <p:nvSpPr>
-          <p:cNvPr id="5" name="矩形 4">
-            <a:extLst>
-              <a:ext uri="{FF2B5EF4-FFF2-40B4-BE49-F238E27FC236}">
-                <a16:creationId xmlns:a16="http://schemas.microsoft.com/office/drawing/2014/main" id="{BFC93859-88BB-452B-A01A-459B2628A1AB}"/>
-              </a:ext>
-            </a:extLst>
-          </p:cNvPr>
-          <p:cNvSpPr/>
-          <p:nvPr/>
-        </p:nvSpPr>
-        <p:spPr>
-          <a:xfrm>
-            <a:off x="1269976" y="2348880"/>
-            <a:ext cx="7416824" cy="2862322"/>
-          </a:xfrm>
-          <a:prstGeom prst="rect">
-            <a:avLst/>
-          </a:prstGeom>
-        </p:spPr>
-        <p:txBody>
           <a:bodyPr wrap="square">
             <a:spAutoFit/>
           </a:bodyPr>
           <a:lstStyle/>
           <a:p>
             <a:r>
-              <a:rPr lang="en-US" altLang="zh-CN" sz="2000" b="1" dirty="0">
-                <a:solidFill>
-                  <a:srgbClr val="0000FF"/>
+              <a:rPr lang="en-US" altLang="zh-CN" sz="2400" b="1" dirty="0">
+                <a:solidFill>
+                  <a:srgbClr val="808080"/>
                 </a:solidFill>
                 <a:latin typeface="新宋体" panose="02010609030101010101" pitchFamily="49" charset="-122"/>
                 <a:ea typeface="新宋体" panose="02010609030101010101" pitchFamily="49" charset="-122"/>
               </a:rPr>
-              <a:t>int</a:t>
-            </a:r>
-            <a:r>
-              <a:rPr lang="en-US" altLang="zh-CN" sz="2000" b="1" dirty="0">
+              <a:t>#define</a:t>
+            </a:r>
+            <a:r>
+              <a:rPr lang="en-US" altLang="zh-CN" sz="2400" b="1" dirty="0">
                 <a:solidFill>
                   <a:srgbClr val="000000"/>
                 </a:solidFill>
@@ -14048,568 +14491,36 @@
               <a:t> </a:t>
             </a:r>
             <a:r>
-              <a:rPr lang="en-US" altLang="zh-CN" sz="2000" b="1" dirty="0">
+              <a:rPr lang="en-US" altLang="zh-CN" sz="2400" b="1" dirty="0">
                 <a:solidFill>
                   <a:srgbClr val="6F008A"/>
                 </a:solidFill>
                 <a:latin typeface="新宋体" panose="02010609030101010101" pitchFamily="49" charset="-122"/>
                 <a:ea typeface="新宋体" panose="02010609030101010101" pitchFamily="49" charset="-122"/>
               </a:rPr>
-              <a:t>APIENTRY</a:t>
-            </a:r>
-            <a:r>
-              <a:rPr lang="en-US" altLang="zh-CN" sz="2000" b="1" dirty="0">
+              <a:t>___</a:t>
+            </a:r>
+            <a:r>
+              <a:rPr lang="en-US" altLang="zh-CN" sz="2400" b="1" dirty="0">
                 <a:solidFill>
                   <a:srgbClr val="000000"/>
                 </a:solidFill>
                 <a:latin typeface="新宋体" panose="02010609030101010101" pitchFamily="49" charset="-122"/>
                 <a:ea typeface="新宋体" panose="02010609030101010101" pitchFamily="49" charset="-122"/>
               </a:rPr>
-              <a:t> </a:t>
-            </a:r>
-            <a:r>
-              <a:rPr lang="en-US" altLang="zh-CN" sz="2000" b="1" dirty="0" err="1">
-                <a:solidFill>
-                  <a:srgbClr val="000000"/>
+              <a:t> ::</a:t>
+            </a:r>
+            <a:r>
+              <a:rPr lang="en-US" altLang="zh-CN" sz="2400" b="1" dirty="0" err="1">
+                <a:solidFill>
+                  <a:srgbClr val="6F008A"/>
                 </a:solidFill>
                 <a:latin typeface="新宋体" panose="02010609030101010101" pitchFamily="49" charset="-122"/>
                 <a:ea typeface="新宋体" panose="02010609030101010101" pitchFamily="49" charset="-122"/>
               </a:rPr>
-              <a:t>wWinMain</a:t>
-            </a:r>
-            <a:r>
-              <a:rPr lang="en-US" altLang="zh-CN" sz="2000" b="1" dirty="0">
-                <a:solidFill>
-                  <a:srgbClr val="000000"/>
-                </a:solidFill>
-                <a:latin typeface="新宋体" panose="02010609030101010101" pitchFamily="49" charset="-122"/>
-                <a:ea typeface="新宋体" panose="02010609030101010101" pitchFamily="49" charset="-122"/>
-              </a:rPr>
-              <a:t>(</a:t>
-            </a:r>
-            <a:r>
-              <a:rPr lang="en-US" altLang="zh-CN" sz="2000" b="1" dirty="0">
-                <a:solidFill>
-                  <a:srgbClr val="6F008A"/>
-                </a:solidFill>
-                <a:latin typeface="新宋体" panose="02010609030101010101" pitchFamily="49" charset="-122"/>
-                <a:ea typeface="新宋体" panose="02010609030101010101" pitchFamily="49" charset="-122"/>
-              </a:rPr>
-              <a:t>_In_</a:t>
-            </a:r>
-            <a:r>
-              <a:rPr lang="en-US" altLang="zh-CN" sz="2000" b="1" dirty="0">
-                <a:solidFill>
-                  <a:srgbClr val="000000"/>
-                </a:solidFill>
-                <a:latin typeface="新宋体" panose="02010609030101010101" pitchFamily="49" charset="-122"/>
-                <a:ea typeface="新宋体" panose="02010609030101010101" pitchFamily="49" charset="-122"/>
-              </a:rPr>
-              <a:t> </a:t>
-            </a:r>
-            <a:r>
-              <a:rPr lang="en-US" altLang="zh-CN" sz="2000" b="1" dirty="0">
-                <a:solidFill>
-                  <a:srgbClr val="2B91AF"/>
-                </a:solidFill>
-                <a:latin typeface="新宋体" panose="02010609030101010101" pitchFamily="49" charset="-122"/>
-                <a:ea typeface="新宋体" panose="02010609030101010101" pitchFamily="49" charset="-122"/>
-              </a:rPr>
-              <a:t>HINSTANCE</a:t>
-            </a:r>
-            <a:r>
-              <a:rPr lang="en-US" altLang="zh-CN" sz="2000" b="1" dirty="0">
-                <a:solidFill>
-                  <a:srgbClr val="000000"/>
-                </a:solidFill>
-                <a:latin typeface="新宋体" panose="02010609030101010101" pitchFamily="49" charset="-122"/>
-                <a:ea typeface="新宋体" panose="02010609030101010101" pitchFamily="49" charset="-122"/>
-              </a:rPr>
-              <a:t> </a:t>
-            </a:r>
-            <a:r>
-              <a:rPr lang="en-US" altLang="zh-CN" sz="2000" b="1" dirty="0" err="1">
-                <a:solidFill>
-                  <a:srgbClr val="808080"/>
-                </a:solidFill>
-                <a:latin typeface="新宋体" panose="02010609030101010101" pitchFamily="49" charset="-122"/>
-                <a:ea typeface="新宋体" panose="02010609030101010101" pitchFamily="49" charset="-122"/>
-              </a:rPr>
-              <a:t>hInstance</a:t>
-            </a:r>
-            <a:r>
-              <a:rPr lang="en-US" altLang="zh-CN" sz="2000" b="1" dirty="0">
-                <a:solidFill>
-                  <a:srgbClr val="000000"/>
-                </a:solidFill>
-                <a:latin typeface="新宋体" panose="02010609030101010101" pitchFamily="49" charset="-122"/>
-                <a:ea typeface="新宋体" panose="02010609030101010101" pitchFamily="49" charset="-122"/>
-              </a:rPr>
-              <a:t>,</a:t>
-            </a:r>
-          </a:p>
-          <a:p>
-            <a:r>
-              <a:rPr lang="en-US" altLang="zh-CN" sz="2000" b="1" dirty="0">
-                <a:solidFill>
-                  <a:srgbClr val="000000"/>
-                </a:solidFill>
-                <a:latin typeface="新宋体" panose="02010609030101010101" pitchFamily="49" charset="-122"/>
-                <a:ea typeface="新宋体" panose="02010609030101010101" pitchFamily="49" charset="-122"/>
-              </a:rPr>
-              <a:t>                      </a:t>
-            </a:r>
-            <a:r>
-              <a:rPr lang="en-US" altLang="zh-CN" sz="2000" b="1" dirty="0">
-                <a:solidFill>
-                  <a:srgbClr val="6F008A"/>
-                </a:solidFill>
-                <a:latin typeface="新宋体" panose="02010609030101010101" pitchFamily="49" charset="-122"/>
-                <a:ea typeface="新宋体" panose="02010609030101010101" pitchFamily="49" charset="-122"/>
-              </a:rPr>
-              <a:t>_</a:t>
-            </a:r>
-            <a:r>
-              <a:rPr lang="en-US" altLang="zh-CN" sz="2000" b="1" dirty="0" err="1">
-                <a:solidFill>
-                  <a:srgbClr val="6F008A"/>
-                </a:solidFill>
-                <a:latin typeface="新宋体" panose="02010609030101010101" pitchFamily="49" charset="-122"/>
-                <a:ea typeface="新宋体" panose="02010609030101010101" pitchFamily="49" charset="-122"/>
-              </a:rPr>
-              <a:t>In_opt</a:t>
-            </a:r>
-            <a:r>
-              <a:rPr lang="en-US" altLang="zh-CN" sz="2000" b="1" dirty="0">
-                <a:solidFill>
-                  <a:srgbClr val="6F008A"/>
-                </a:solidFill>
-                <a:latin typeface="新宋体" panose="02010609030101010101" pitchFamily="49" charset="-122"/>
-                <a:ea typeface="新宋体" panose="02010609030101010101" pitchFamily="49" charset="-122"/>
-              </a:rPr>
-              <a:t>_</a:t>
-            </a:r>
-            <a:r>
-              <a:rPr lang="en-US" altLang="zh-CN" sz="2000" b="1" dirty="0">
-                <a:solidFill>
-                  <a:srgbClr val="000000"/>
-                </a:solidFill>
-                <a:latin typeface="新宋体" panose="02010609030101010101" pitchFamily="49" charset="-122"/>
-                <a:ea typeface="新宋体" panose="02010609030101010101" pitchFamily="49" charset="-122"/>
-              </a:rPr>
-              <a:t> </a:t>
-            </a:r>
-            <a:r>
-              <a:rPr lang="en-US" altLang="zh-CN" sz="2000" b="1" dirty="0">
-                <a:solidFill>
-                  <a:srgbClr val="2B91AF"/>
-                </a:solidFill>
-                <a:latin typeface="新宋体" panose="02010609030101010101" pitchFamily="49" charset="-122"/>
-                <a:ea typeface="新宋体" panose="02010609030101010101" pitchFamily="49" charset="-122"/>
-              </a:rPr>
-              <a:t>HINSTANCE</a:t>
-            </a:r>
-            <a:r>
-              <a:rPr lang="en-US" altLang="zh-CN" sz="2000" b="1" dirty="0">
-                <a:solidFill>
-                  <a:srgbClr val="000000"/>
-                </a:solidFill>
-                <a:latin typeface="新宋体" panose="02010609030101010101" pitchFamily="49" charset="-122"/>
-                <a:ea typeface="新宋体" panose="02010609030101010101" pitchFamily="49" charset="-122"/>
-              </a:rPr>
-              <a:t> </a:t>
-            </a:r>
-            <a:r>
-              <a:rPr lang="en-US" altLang="zh-CN" sz="2000" b="1" dirty="0" err="1">
-                <a:solidFill>
-                  <a:srgbClr val="808080"/>
-                </a:solidFill>
-                <a:latin typeface="新宋体" panose="02010609030101010101" pitchFamily="49" charset="-122"/>
-                <a:ea typeface="新宋体" panose="02010609030101010101" pitchFamily="49" charset="-122"/>
-              </a:rPr>
-              <a:t>hPrevInstance</a:t>
-            </a:r>
-            <a:r>
-              <a:rPr lang="en-US" altLang="zh-CN" sz="2000" b="1" dirty="0">
-                <a:solidFill>
-                  <a:srgbClr val="000000"/>
-                </a:solidFill>
-                <a:latin typeface="新宋体" panose="02010609030101010101" pitchFamily="49" charset="-122"/>
-                <a:ea typeface="新宋体" panose="02010609030101010101" pitchFamily="49" charset="-122"/>
-              </a:rPr>
-              <a:t>,</a:t>
-            </a:r>
-          </a:p>
-          <a:p>
-            <a:r>
-              <a:rPr lang="en-US" altLang="zh-CN" sz="2000" b="1" dirty="0">
-                <a:solidFill>
-                  <a:srgbClr val="000000"/>
-                </a:solidFill>
-                <a:latin typeface="新宋体" panose="02010609030101010101" pitchFamily="49" charset="-122"/>
-                <a:ea typeface="新宋体" panose="02010609030101010101" pitchFamily="49" charset="-122"/>
-              </a:rPr>
-              <a:t>                      </a:t>
-            </a:r>
-            <a:r>
-              <a:rPr lang="en-US" altLang="zh-CN" sz="2000" b="1" dirty="0">
-                <a:solidFill>
-                  <a:srgbClr val="6F008A"/>
-                </a:solidFill>
-                <a:latin typeface="新宋体" panose="02010609030101010101" pitchFamily="49" charset="-122"/>
-                <a:ea typeface="新宋体" panose="02010609030101010101" pitchFamily="49" charset="-122"/>
-              </a:rPr>
-              <a:t>_In_</a:t>
-            </a:r>
-            <a:r>
-              <a:rPr lang="en-US" altLang="zh-CN" sz="2000" b="1" dirty="0">
-                <a:solidFill>
-                  <a:srgbClr val="000000"/>
-                </a:solidFill>
-                <a:latin typeface="新宋体" panose="02010609030101010101" pitchFamily="49" charset="-122"/>
-                <a:ea typeface="新宋体" panose="02010609030101010101" pitchFamily="49" charset="-122"/>
-              </a:rPr>
-              <a:t> </a:t>
-            </a:r>
-            <a:r>
-              <a:rPr lang="en-US" altLang="zh-CN" sz="2000" b="1" dirty="0">
-                <a:solidFill>
-                  <a:srgbClr val="2B91AF"/>
-                </a:solidFill>
-                <a:latin typeface="新宋体" panose="02010609030101010101" pitchFamily="49" charset="-122"/>
-                <a:ea typeface="新宋体" panose="02010609030101010101" pitchFamily="49" charset="-122"/>
-              </a:rPr>
-              <a:t>LPWSTR</a:t>
-            </a:r>
-            <a:r>
-              <a:rPr lang="en-US" altLang="zh-CN" sz="2000" b="1" dirty="0">
-                <a:solidFill>
-                  <a:srgbClr val="000000"/>
-                </a:solidFill>
-                <a:latin typeface="新宋体" panose="02010609030101010101" pitchFamily="49" charset="-122"/>
-                <a:ea typeface="新宋体" panose="02010609030101010101" pitchFamily="49" charset="-122"/>
-              </a:rPr>
-              <a:t>  </a:t>
-            </a:r>
-            <a:r>
-              <a:rPr lang="en-US" altLang="zh-CN" sz="2000" b="1" dirty="0" err="1">
-                <a:solidFill>
-                  <a:srgbClr val="808080"/>
-                </a:solidFill>
-                <a:latin typeface="新宋体" panose="02010609030101010101" pitchFamily="49" charset="-122"/>
-                <a:ea typeface="新宋体" panose="02010609030101010101" pitchFamily="49" charset="-122"/>
-              </a:rPr>
-              <a:t>lpCmdLine</a:t>
-            </a:r>
-            <a:r>
-              <a:rPr lang="en-US" altLang="zh-CN" sz="2000" b="1" dirty="0">
-                <a:solidFill>
-                  <a:srgbClr val="000000"/>
-                </a:solidFill>
-                <a:latin typeface="新宋体" panose="02010609030101010101" pitchFamily="49" charset="-122"/>
-                <a:ea typeface="新宋体" panose="02010609030101010101" pitchFamily="49" charset="-122"/>
-              </a:rPr>
-              <a:t>,</a:t>
-            </a:r>
-          </a:p>
-          <a:p>
-            <a:r>
-              <a:rPr lang="en-US" altLang="zh-CN" sz="2000" b="1" dirty="0">
-                <a:solidFill>
-                  <a:srgbClr val="000000"/>
-                </a:solidFill>
-                <a:latin typeface="新宋体" panose="02010609030101010101" pitchFamily="49" charset="-122"/>
-                <a:ea typeface="新宋体" panose="02010609030101010101" pitchFamily="49" charset="-122"/>
-              </a:rPr>
-              <a:t>                      </a:t>
-            </a:r>
-            <a:r>
-              <a:rPr lang="en-US" altLang="zh-CN" sz="2000" b="1" dirty="0">
-                <a:solidFill>
-                  <a:srgbClr val="6F008A"/>
-                </a:solidFill>
-                <a:latin typeface="新宋体" panose="02010609030101010101" pitchFamily="49" charset="-122"/>
-                <a:ea typeface="新宋体" panose="02010609030101010101" pitchFamily="49" charset="-122"/>
-              </a:rPr>
-              <a:t>_In_</a:t>
-            </a:r>
-            <a:r>
-              <a:rPr lang="en-US" altLang="zh-CN" sz="2000" b="1" dirty="0">
-                <a:solidFill>
-                  <a:srgbClr val="000000"/>
-                </a:solidFill>
-                <a:latin typeface="新宋体" panose="02010609030101010101" pitchFamily="49" charset="-122"/>
-                <a:ea typeface="新宋体" panose="02010609030101010101" pitchFamily="49" charset="-122"/>
-              </a:rPr>
-              <a:t> </a:t>
-            </a:r>
-            <a:r>
-              <a:rPr lang="en-US" altLang="zh-CN" sz="2000" b="1" dirty="0">
-                <a:solidFill>
-                  <a:srgbClr val="0000FF"/>
-                </a:solidFill>
-                <a:latin typeface="新宋体" panose="02010609030101010101" pitchFamily="49" charset="-122"/>
-                <a:ea typeface="新宋体" panose="02010609030101010101" pitchFamily="49" charset="-122"/>
-              </a:rPr>
-              <a:t>int</a:t>
-            </a:r>
-            <a:r>
-              <a:rPr lang="en-US" altLang="zh-CN" sz="2000" b="1" dirty="0">
-                <a:solidFill>
-                  <a:srgbClr val="000000"/>
-                </a:solidFill>
-                <a:latin typeface="新宋体" panose="02010609030101010101" pitchFamily="49" charset="-122"/>
-                <a:ea typeface="新宋体" panose="02010609030101010101" pitchFamily="49" charset="-122"/>
-              </a:rPr>
-              <a:t>  </a:t>
-            </a:r>
-            <a:r>
-              <a:rPr lang="en-US" altLang="zh-CN" sz="2000" b="1" dirty="0" err="1">
-                <a:solidFill>
-                  <a:srgbClr val="808080"/>
-                </a:solidFill>
-                <a:latin typeface="新宋体" panose="02010609030101010101" pitchFamily="49" charset="-122"/>
-                <a:ea typeface="新宋体" panose="02010609030101010101" pitchFamily="49" charset="-122"/>
-              </a:rPr>
-              <a:t>nCmdShow</a:t>
-            </a:r>
-            <a:r>
-              <a:rPr lang="en-US" altLang="zh-CN" sz="2000" b="1" dirty="0">
-                <a:solidFill>
-                  <a:srgbClr val="000000"/>
-                </a:solidFill>
-                <a:latin typeface="新宋体" panose="02010609030101010101" pitchFamily="49" charset="-122"/>
-                <a:ea typeface="新宋体" panose="02010609030101010101" pitchFamily="49" charset="-122"/>
-              </a:rPr>
-              <a:t>)</a:t>
-            </a:r>
-          </a:p>
-          <a:p>
-            <a:r>
-              <a:rPr lang="en-US" altLang="zh-CN" sz="2000" b="1" dirty="0">
-                <a:solidFill>
-                  <a:srgbClr val="000000"/>
-                </a:solidFill>
-                <a:latin typeface="新宋体" panose="02010609030101010101" pitchFamily="49" charset="-122"/>
-                <a:ea typeface="新宋体" panose="02010609030101010101" pitchFamily="49" charset="-122"/>
-              </a:rPr>
-              <a:t>{</a:t>
-            </a:r>
-          </a:p>
-          <a:p>
-            <a:r>
-              <a:rPr lang="en-US" altLang="zh-CN" sz="2000" b="1" dirty="0">
-                <a:solidFill>
-                  <a:srgbClr val="6F008A"/>
-                </a:solidFill>
-                <a:latin typeface="新宋体" panose="02010609030101010101" pitchFamily="49" charset="-122"/>
-                <a:ea typeface="新宋体" panose="02010609030101010101" pitchFamily="49" charset="-122"/>
-              </a:rPr>
-              <a:t>	___</a:t>
-            </a:r>
-            <a:r>
-              <a:rPr lang="zh-CN" altLang="en-US" sz="2000" b="1" dirty="0">
-                <a:solidFill>
-                  <a:srgbClr val="000000"/>
-                </a:solidFill>
-                <a:latin typeface="新宋体" panose="02010609030101010101" pitchFamily="49" charset="-122"/>
-                <a:ea typeface="新宋体" panose="02010609030101010101" pitchFamily="49" charset="-122"/>
-              </a:rPr>
-              <a:t> </a:t>
-            </a:r>
-            <a:r>
-              <a:rPr lang="en-US" altLang="zh-CN" sz="2000" b="1" dirty="0">
-                <a:solidFill>
-                  <a:srgbClr val="6F008A"/>
-                </a:solidFill>
-                <a:latin typeface="新宋体" panose="02010609030101010101" pitchFamily="49" charset="-122"/>
-                <a:ea typeface="新宋体" panose="02010609030101010101" pitchFamily="49" charset="-122"/>
-              </a:rPr>
-              <a:t>____</a:t>
-            </a:r>
-            <a:r>
-              <a:rPr lang="zh-CN" altLang="en-US" sz="2000" b="1" dirty="0">
-                <a:solidFill>
-                  <a:srgbClr val="000000"/>
-                </a:solidFill>
-                <a:latin typeface="新宋体" panose="02010609030101010101" pitchFamily="49" charset="-122"/>
-                <a:ea typeface="新宋体" panose="02010609030101010101" pitchFamily="49" charset="-122"/>
-              </a:rPr>
-              <a:t> </a:t>
-            </a:r>
-            <a:r>
-              <a:rPr lang="en-US" altLang="zh-CN" sz="2000" b="1" dirty="0">
-                <a:solidFill>
-                  <a:srgbClr val="6F008A"/>
-                </a:solidFill>
-                <a:latin typeface="新宋体" panose="02010609030101010101" pitchFamily="49" charset="-122"/>
-                <a:ea typeface="新宋体" panose="02010609030101010101" pitchFamily="49" charset="-122"/>
-              </a:rPr>
-              <a:t>___________</a:t>
-            </a:r>
-            <a:r>
-              <a:rPr lang="zh-CN" altLang="en-US" sz="2000" b="1" dirty="0">
-                <a:solidFill>
-                  <a:srgbClr val="000000"/>
-                </a:solidFill>
-                <a:latin typeface="新宋体" panose="02010609030101010101" pitchFamily="49" charset="-122"/>
-                <a:ea typeface="新宋体" panose="02010609030101010101" pitchFamily="49" charset="-122"/>
-              </a:rPr>
-              <a:t> </a:t>
-            </a:r>
-            <a:r>
-              <a:rPr lang="en-US" altLang="zh-CN" sz="2000" b="1" dirty="0">
-                <a:solidFill>
-                  <a:srgbClr val="6F008A"/>
-                </a:solidFill>
-                <a:latin typeface="新宋体" panose="02010609030101010101" pitchFamily="49" charset="-122"/>
-                <a:ea typeface="新宋体" panose="02010609030101010101" pitchFamily="49" charset="-122"/>
-              </a:rPr>
-              <a:t>_________</a:t>
-            </a:r>
-            <a:r>
-              <a:rPr lang="zh-CN" altLang="en-US" sz="2000" b="1" dirty="0">
-                <a:solidFill>
-                  <a:srgbClr val="000000"/>
-                </a:solidFill>
-                <a:latin typeface="新宋体" panose="02010609030101010101" pitchFamily="49" charset="-122"/>
-                <a:ea typeface="新宋体" panose="02010609030101010101" pitchFamily="49" charset="-122"/>
-              </a:rPr>
-              <a:t> </a:t>
-            </a:r>
-            <a:r>
-              <a:rPr lang="en-US" altLang="zh-CN" sz="2000" b="1" dirty="0">
-                <a:solidFill>
-                  <a:srgbClr val="6F008A"/>
-                </a:solidFill>
-                <a:latin typeface="新宋体" panose="02010609030101010101" pitchFamily="49" charset="-122"/>
-                <a:ea typeface="新宋体" panose="02010609030101010101" pitchFamily="49" charset="-122"/>
-              </a:rPr>
-              <a:t>_____</a:t>
-            </a:r>
-            <a:r>
-              <a:rPr lang="zh-CN" altLang="en-US" sz="2000" b="1" dirty="0">
-                <a:solidFill>
-                  <a:srgbClr val="000000"/>
-                </a:solidFill>
-                <a:latin typeface="新宋体" panose="02010609030101010101" pitchFamily="49" charset="-122"/>
-                <a:ea typeface="新宋体" panose="02010609030101010101" pitchFamily="49" charset="-122"/>
-              </a:rPr>
-              <a:t> </a:t>
-            </a:r>
-            <a:r>
-              <a:rPr lang="en-US" altLang="zh-CN" sz="2000" b="1" dirty="0">
-                <a:solidFill>
-                  <a:srgbClr val="6F008A"/>
-                </a:solidFill>
-                <a:latin typeface="新宋体" panose="02010609030101010101" pitchFamily="49" charset="-122"/>
-                <a:ea typeface="新宋体" panose="02010609030101010101" pitchFamily="49" charset="-122"/>
-              </a:rPr>
-              <a:t>_________</a:t>
-            </a:r>
-            <a:r>
-              <a:rPr lang="zh-CN" altLang="en-US" sz="2000" b="1" dirty="0">
-                <a:solidFill>
-                  <a:srgbClr val="000000"/>
-                </a:solidFill>
-                <a:latin typeface="新宋体" panose="02010609030101010101" pitchFamily="49" charset="-122"/>
-                <a:ea typeface="新宋体" panose="02010609030101010101" pitchFamily="49" charset="-122"/>
-              </a:rPr>
-              <a:t> </a:t>
-            </a:r>
-          </a:p>
-          <a:p>
-            <a:r>
-              <a:rPr lang="en-US" altLang="zh-CN" sz="2000" b="1" dirty="0">
-                <a:solidFill>
-                  <a:srgbClr val="6F008A"/>
-                </a:solidFill>
-                <a:latin typeface="新宋体" panose="02010609030101010101" pitchFamily="49" charset="-122"/>
-                <a:ea typeface="新宋体" panose="02010609030101010101" pitchFamily="49" charset="-122"/>
-              </a:rPr>
-              <a:t>	______</a:t>
-            </a:r>
-            <a:r>
-              <a:rPr lang="zh-CN" altLang="en-US" sz="2000" b="1" dirty="0">
-                <a:solidFill>
-                  <a:srgbClr val="000000"/>
-                </a:solidFill>
-                <a:latin typeface="新宋体" panose="02010609030101010101" pitchFamily="49" charset="-122"/>
-                <a:ea typeface="新宋体" panose="02010609030101010101" pitchFamily="49" charset="-122"/>
-              </a:rPr>
-              <a:t> </a:t>
-            </a:r>
-            <a:r>
-              <a:rPr lang="en-US" altLang="zh-CN" sz="2000" b="1" dirty="0">
-                <a:solidFill>
-                  <a:srgbClr val="6F008A"/>
-                </a:solidFill>
-                <a:latin typeface="新宋体" panose="02010609030101010101" pitchFamily="49" charset="-122"/>
-                <a:ea typeface="新宋体" panose="02010609030101010101" pitchFamily="49" charset="-122"/>
-              </a:rPr>
-              <a:t>_________</a:t>
-            </a:r>
-            <a:r>
-              <a:rPr lang="zh-CN" altLang="en-US" sz="2000" b="1" dirty="0">
-                <a:solidFill>
-                  <a:srgbClr val="000000"/>
-                </a:solidFill>
-                <a:latin typeface="新宋体" panose="02010609030101010101" pitchFamily="49" charset="-122"/>
-                <a:ea typeface="新宋体" panose="02010609030101010101" pitchFamily="49" charset="-122"/>
-              </a:rPr>
-              <a:t> </a:t>
-            </a:r>
-            <a:r>
-              <a:rPr lang="en-US" altLang="zh-CN" sz="2000" b="1" dirty="0">
-                <a:solidFill>
-                  <a:srgbClr val="6F008A"/>
-                </a:solidFill>
-                <a:latin typeface="新宋体" panose="02010609030101010101" pitchFamily="49" charset="-122"/>
-                <a:ea typeface="新宋体" panose="02010609030101010101" pitchFamily="49" charset="-122"/>
-              </a:rPr>
-              <a:t>_______</a:t>
-            </a:r>
-            <a:r>
-              <a:rPr lang="zh-CN" altLang="en-US" sz="2000" b="1" dirty="0">
-                <a:solidFill>
-                  <a:srgbClr val="000000"/>
-                </a:solidFill>
-                <a:latin typeface="新宋体" panose="02010609030101010101" pitchFamily="49" charset="-122"/>
-                <a:ea typeface="新宋体" panose="02010609030101010101" pitchFamily="49" charset="-122"/>
-              </a:rPr>
-              <a:t> </a:t>
-            </a:r>
-            <a:r>
-              <a:rPr lang="en-US" altLang="zh-CN" sz="2000" b="1" dirty="0">
-                <a:solidFill>
-                  <a:srgbClr val="6F008A"/>
-                </a:solidFill>
-                <a:latin typeface="新宋体" panose="02010609030101010101" pitchFamily="49" charset="-122"/>
-                <a:ea typeface="新宋体" panose="02010609030101010101" pitchFamily="49" charset="-122"/>
-              </a:rPr>
-              <a:t>________</a:t>
-            </a:r>
-            <a:r>
-              <a:rPr lang="zh-CN" altLang="en-US" sz="2000" b="1" dirty="0">
-                <a:solidFill>
-                  <a:srgbClr val="000000"/>
-                </a:solidFill>
-                <a:latin typeface="新宋体" panose="02010609030101010101" pitchFamily="49" charset="-122"/>
-                <a:ea typeface="新宋体" panose="02010609030101010101" pitchFamily="49" charset="-122"/>
-              </a:rPr>
-              <a:t> </a:t>
-            </a:r>
-            <a:r>
-              <a:rPr lang="en-US" altLang="zh-CN" sz="2000" b="1" dirty="0">
-                <a:solidFill>
-                  <a:srgbClr val="6F008A"/>
-                </a:solidFill>
-                <a:latin typeface="新宋体" panose="02010609030101010101" pitchFamily="49" charset="-122"/>
-                <a:ea typeface="新宋体" panose="02010609030101010101" pitchFamily="49" charset="-122"/>
-              </a:rPr>
-              <a:t>__________</a:t>
-            </a:r>
-            <a:endParaRPr lang="zh-CN" altLang="en-US" sz="2000" b="1" dirty="0">
+              <a:t>MessageBox</a:t>
+            </a:r>
+            <a:endParaRPr lang="en-US" altLang="zh-CN" sz="2400" b="1" dirty="0">
               <a:solidFill>
                 <a:srgbClr val="000000"/>
               </a:solidFill>
@@ -14619,17 +14530,17 @@
           </a:p>
           <a:p>
             <a:r>
-              <a:rPr lang="en-US" altLang="zh-CN" sz="2000" b="1" dirty="0">
-                <a:solidFill>
-                  <a:srgbClr val="6F008A"/>
+              <a:rPr lang="en-US" altLang="zh-CN" sz="2400" b="1" dirty="0">
+                <a:solidFill>
+                  <a:srgbClr val="808080"/>
                 </a:solidFill>
                 <a:latin typeface="新宋体" panose="02010609030101010101" pitchFamily="49" charset="-122"/>
                 <a:ea typeface="新宋体" panose="02010609030101010101" pitchFamily="49" charset="-122"/>
               </a:rPr>
-              <a:t>	____________</a:t>
-            </a:r>
-            <a:r>
-              <a:rPr lang="zh-CN" altLang="en-US" sz="2000" b="1" dirty="0">
+              <a:t>#define</a:t>
+            </a:r>
+            <a:r>
+              <a:rPr lang="en-US" altLang="zh-CN" sz="2400" b="1" dirty="0">
                 <a:solidFill>
                   <a:srgbClr val="000000"/>
                 </a:solidFill>
@@ -14639,16 +14550,98 @@
               <a:t> </a:t>
             </a:r>
             <a:r>
-              <a:rPr lang="en-US" altLang="zh-CN" sz="2000" b="1" dirty="0">
+              <a:rPr lang="en-US" altLang="zh-CN" sz="2400" b="1" dirty="0">
                 <a:solidFill>
                   <a:srgbClr val="6F008A"/>
                 </a:solidFill>
                 <a:latin typeface="新宋体" panose="02010609030101010101" pitchFamily="49" charset="-122"/>
                 <a:ea typeface="新宋体" panose="02010609030101010101" pitchFamily="49" charset="-122"/>
               </a:rPr>
-              <a:t>__________</a:t>
-            </a:r>
-            <a:endParaRPr lang="zh-CN" altLang="en-US" sz="2000" b="1" dirty="0">
+              <a:t>____</a:t>
+            </a:r>
+            <a:r>
+              <a:rPr lang="en-US" altLang="zh-CN" sz="2400" b="1" dirty="0">
+                <a:solidFill>
+                  <a:srgbClr val="000000"/>
+                </a:solidFill>
+                <a:latin typeface="新宋体" panose="02010609030101010101" pitchFamily="49" charset="-122"/>
+                <a:ea typeface="新宋体" panose="02010609030101010101" pitchFamily="49" charset="-122"/>
+              </a:rPr>
+              <a:t> (</a:t>
+            </a:r>
+          </a:p>
+          <a:p>
+            <a:r>
+              <a:rPr lang="en-US" altLang="zh-CN" sz="2400" b="1" dirty="0">
+                <a:solidFill>
+                  <a:srgbClr val="808080"/>
+                </a:solidFill>
+                <a:latin typeface="新宋体" panose="02010609030101010101" pitchFamily="49" charset="-122"/>
+                <a:ea typeface="新宋体" panose="02010609030101010101" pitchFamily="49" charset="-122"/>
+              </a:rPr>
+              <a:t>#define</a:t>
+            </a:r>
+            <a:r>
+              <a:rPr lang="en-US" altLang="zh-CN" sz="2400" b="1" dirty="0">
+                <a:solidFill>
+                  <a:srgbClr val="000000"/>
+                </a:solidFill>
+                <a:latin typeface="新宋体" panose="02010609030101010101" pitchFamily="49" charset="-122"/>
+                <a:ea typeface="新宋体" panose="02010609030101010101" pitchFamily="49" charset="-122"/>
+              </a:rPr>
+              <a:t> </a:t>
+            </a:r>
+            <a:r>
+              <a:rPr lang="en-US" altLang="zh-CN" sz="2400" b="1" dirty="0">
+                <a:solidFill>
+                  <a:srgbClr val="6F008A"/>
+                </a:solidFill>
+                <a:latin typeface="新宋体" panose="02010609030101010101" pitchFamily="49" charset="-122"/>
+                <a:ea typeface="新宋体" panose="02010609030101010101" pitchFamily="49" charset="-122"/>
+              </a:rPr>
+              <a:t>_____</a:t>
+            </a:r>
+            <a:r>
+              <a:rPr lang="en-US" altLang="zh-CN" sz="2400" b="1" dirty="0">
+                <a:solidFill>
+                  <a:srgbClr val="000000"/>
+                </a:solidFill>
+                <a:latin typeface="新宋体" panose="02010609030101010101" pitchFamily="49" charset="-122"/>
+                <a:ea typeface="新宋体" panose="02010609030101010101" pitchFamily="49" charset="-122"/>
+              </a:rPr>
+              <a:t>  </a:t>
+            </a:r>
+            <a:r>
+              <a:rPr lang="en-US" altLang="zh-CN" sz="2400" b="1" dirty="0">
+                <a:solidFill>
+                  <a:srgbClr val="A31515"/>
+                </a:solidFill>
+                <a:latin typeface="新宋体" panose="02010609030101010101" pitchFamily="49" charset="-122"/>
+                <a:ea typeface="新宋体" panose="02010609030101010101" pitchFamily="49" charset="-122"/>
+              </a:rPr>
+              <a:t>L"</a:t>
+            </a:r>
+            <a:r>
+              <a:rPr lang="zh-CN" altLang="en-US" sz="2400" b="1" dirty="0">
+                <a:solidFill>
+                  <a:srgbClr val="A31515"/>
+                </a:solidFill>
+                <a:latin typeface="新宋体" panose="02010609030101010101" pitchFamily="49" charset="-122"/>
+                <a:ea typeface="新宋体" panose="02010609030101010101" pitchFamily="49" charset="-122"/>
+              </a:rPr>
+              <a:t>软件工程实践指导</a:t>
+            </a:r>
+            <a:r>
+              <a:rPr lang="en-US" altLang="zh-CN" sz="2400" b="1" dirty="0">
+                <a:solidFill>
+                  <a:srgbClr val="A31515"/>
+                </a:solidFill>
+                <a:latin typeface="新宋体" panose="02010609030101010101" pitchFamily="49" charset="-122"/>
+                <a:ea typeface="新宋体" panose="02010609030101010101" pitchFamily="49" charset="-122"/>
+              </a:rPr>
+              <a:t>"</a:t>
+            </a:r>
+            <a:endParaRPr lang="zh-CN" altLang="en-US" sz="2400" b="1" dirty="0">
               <a:solidFill>
                 <a:srgbClr val="000000"/>
               </a:solidFill>
@@ -14658,23 +14651,386 @@
           </a:p>
           <a:p>
             <a:r>
-              <a:rPr lang="en-US" altLang="zh-CN" sz="2000" b="1" dirty="0">
-                <a:solidFill>
-                  <a:srgbClr val="000000"/>
+              <a:rPr lang="en-US" altLang="zh-CN" sz="2400" b="1" dirty="0">
+                <a:solidFill>
+                  <a:srgbClr val="808080"/>
                 </a:solidFill>
                 <a:latin typeface="新宋体" panose="02010609030101010101" pitchFamily="49" charset="-122"/>
                 <a:ea typeface="新宋体" panose="02010609030101010101" pitchFamily="49" charset="-122"/>
               </a:rPr>
-              <a:t>}</a:t>
-            </a:r>
-            <a:endParaRPr lang="zh-CN" altLang="en-US" sz="2000" b="1" dirty="0"/>
+              <a:t>#define</a:t>
+            </a:r>
+            <a:r>
+              <a:rPr lang="en-US" altLang="zh-CN" sz="2400" b="1" dirty="0">
+                <a:solidFill>
+                  <a:srgbClr val="000000"/>
+                </a:solidFill>
+                <a:latin typeface="新宋体" panose="02010609030101010101" pitchFamily="49" charset="-122"/>
+                <a:ea typeface="新宋体" panose="02010609030101010101" pitchFamily="49" charset="-122"/>
+              </a:rPr>
+              <a:t> </a:t>
+            </a:r>
+            <a:r>
+              <a:rPr lang="en-US" altLang="zh-CN" sz="2400" b="1" dirty="0">
+                <a:solidFill>
+                  <a:srgbClr val="6F008A"/>
+                </a:solidFill>
+                <a:latin typeface="新宋体" panose="02010609030101010101" pitchFamily="49" charset="-122"/>
+                <a:ea typeface="新宋体" panose="02010609030101010101" pitchFamily="49" charset="-122"/>
+              </a:rPr>
+              <a:t>______</a:t>
+            </a:r>
+            <a:r>
+              <a:rPr lang="en-US" altLang="zh-CN" sz="2400" b="1" dirty="0">
+                <a:solidFill>
+                  <a:srgbClr val="000000"/>
+                </a:solidFill>
+                <a:latin typeface="新宋体" panose="02010609030101010101" pitchFamily="49" charset="-122"/>
+                <a:ea typeface="新宋体" panose="02010609030101010101" pitchFamily="49" charset="-122"/>
+              </a:rPr>
+              <a:t> </a:t>
+            </a:r>
+            <a:r>
+              <a:rPr lang="en-US" altLang="zh-CN" sz="2400" b="1" dirty="0" err="1">
+                <a:solidFill>
+                  <a:srgbClr val="A31515"/>
+                </a:solidFill>
+                <a:latin typeface="新宋体" panose="02010609030101010101" pitchFamily="49" charset="-122"/>
+                <a:ea typeface="新宋体" panose="02010609030101010101" pitchFamily="49" charset="-122"/>
+              </a:rPr>
+              <a:t>L"Hello</a:t>
+            </a:r>
+            <a:r>
+              <a:rPr lang="en-US" altLang="zh-CN" sz="2400" b="1" dirty="0">
+                <a:solidFill>
+                  <a:srgbClr val="A31515"/>
+                </a:solidFill>
+                <a:latin typeface="新宋体" panose="02010609030101010101" pitchFamily="49" charset="-122"/>
+                <a:ea typeface="新宋体" panose="02010609030101010101" pitchFamily="49" charset="-122"/>
+              </a:rPr>
+              <a:t>!"</a:t>
+            </a:r>
+            <a:endParaRPr lang="en-US" altLang="zh-CN" sz="2400" b="1" dirty="0">
+              <a:solidFill>
+                <a:srgbClr val="000000"/>
+              </a:solidFill>
+              <a:latin typeface="新宋体" panose="02010609030101010101" pitchFamily="49" charset="-122"/>
+              <a:ea typeface="新宋体" panose="02010609030101010101" pitchFamily="49" charset="-122"/>
+            </a:endParaRPr>
+          </a:p>
+          <a:p>
+            <a:r>
+              <a:rPr lang="en-US" altLang="zh-CN" sz="2400" b="1" dirty="0">
+                <a:solidFill>
+                  <a:srgbClr val="808080"/>
+                </a:solidFill>
+                <a:latin typeface="新宋体" panose="02010609030101010101" pitchFamily="49" charset="-122"/>
+                <a:ea typeface="新宋体" panose="02010609030101010101" pitchFamily="49" charset="-122"/>
+              </a:rPr>
+              <a:t>#define</a:t>
+            </a:r>
+            <a:r>
+              <a:rPr lang="en-US" altLang="zh-CN" sz="2400" b="1" dirty="0">
+                <a:solidFill>
+                  <a:srgbClr val="000000"/>
+                </a:solidFill>
+                <a:latin typeface="新宋体" panose="02010609030101010101" pitchFamily="49" charset="-122"/>
+                <a:ea typeface="新宋体" panose="02010609030101010101" pitchFamily="49" charset="-122"/>
+              </a:rPr>
+              <a:t> </a:t>
+            </a:r>
+            <a:r>
+              <a:rPr lang="en-US" altLang="zh-CN" sz="2400" b="1" dirty="0">
+                <a:solidFill>
+                  <a:srgbClr val="6F008A"/>
+                </a:solidFill>
+                <a:latin typeface="新宋体" panose="02010609030101010101" pitchFamily="49" charset="-122"/>
+                <a:ea typeface="新宋体" panose="02010609030101010101" pitchFamily="49" charset="-122"/>
+              </a:rPr>
+              <a:t>_______</a:t>
+            </a:r>
+            <a:r>
+              <a:rPr lang="en-US" altLang="zh-CN" sz="2400" b="1" dirty="0">
+                <a:solidFill>
+                  <a:srgbClr val="000000"/>
+                </a:solidFill>
+                <a:latin typeface="新宋体" panose="02010609030101010101" pitchFamily="49" charset="-122"/>
+                <a:ea typeface="新宋体" panose="02010609030101010101" pitchFamily="49" charset="-122"/>
+              </a:rPr>
+              <a:t> </a:t>
+            </a:r>
+            <a:r>
+              <a:rPr lang="en-US" altLang="zh-CN" sz="2400" b="1" dirty="0">
+                <a:solidFill>
+                  <a:srgbClr val="6F008A"/>
+                </a:solidFill>
+                <a:latin typeface="新宋体" panose="02010609030101010101" pitchFamily="49" charset="-122"/>
+                <a:ea typeface="新宋体" panose="02010609030101010101" pitchFamily="49" charset="-122"/>
+              </a:rPr>
+              <a:t>MB_OKCANCEL</a:t>
+            </a:r>
+            <a:endParaRPr lang="en-US" altLang="zh-CN" sz="2400" b="1" dirty="0">
+              <a:solidFill>
+                <a:srgbClr val="000000"/>
+              </a:solidFill>
+              <a:latin typeface="新宋体" panose="02010609030101010101" pitchFamily="49" charset="-122"/>
+              <a:ea typeface="新宋体" panose="02010609030101010101" pitchFamily="49" charset="-122"/>
+            </a:endParaRPr>
+          </a:p>
+          <a:p>
+            <a:r>
+              <a:rPr lang="en-US" altLang="zh-CN" sz="2400" b="1" dirty="0">
+                <a:solidFill>
+                  <a:srgbClr val="808080"/>
+                </a:solidFill>
+                <a:latin typeface="新宋体" panose="02010609030101010101" pitchFamily="49" charset="-122"/>
+                <a:ea typeface="新宋体" panose="02010609030101010101" pitchFamily="49" charset="-122"/>
+              </a:rPr>
+              <a:t>#define</a:t>
+            </a:r>
+            <a:r>
+              <a:rPr lang="en-US" altLang="zh-CN" sz="2400" b="1" dirty="0">
+                <a:solidFill>
+                  <a:srgbClr val="000000"/>
+                </a:solidFill>
+                <a:latin typeface="新宋体" panose="02010609030101010101" pitchFamily="49" charset="-122"/>
+                <a:ea typeface="新宋体" panose="02010609030101010101" pitchFamily="49" charset="-122"/>
+              </a:rPr>
+              <a:t> </a:t>
+            </a:r>
+            <a:r>
+              <a:rPr lang="en-US" altLang="zh-CN" sz="2400" b="1" dirty="0">
+                <a:solidFill>
+                  <a:srgbClr val="6F008A"/>
+                </a:solidFill>
+                <a:latin typeface="新宋体" panose="02010609030101010101" pitchFamily="49" charset="-122"/>
+                <a:ea typeface="新宋体" panose="02010609030101010101" pitchFamily="49" charset="-122"/>
+              </a:rPr>
+              <a:t>________</a:t>
+            </a:r>
+            <a:r>
+              <a:rPr lang="en-US" altLang="zh-CN" sz="2400" b="1" dirty="0">
+                <a:solidFill>
+                  <a:srgbClr val="000000"/>
+                </a:solidFill>
+                <a:latin typeface="新宋体" panose="02010609030101010101" pitchFamily="49" charset="-122"/>
+                <a:ea typeface="新宋体" panose="02010609030101010101" pitchFamily="49" charset="-122"/>
+              </a:rPr>
+              <a:t> )</a:t>
+            </a:r>
+          </a:p>
+          <a:p>
+            <a:r>
+              <a:rPr lang="en-US" altLang="zh-CN" sz="2400" b="1" dirty="0">
+                <a:solidFill>
+                  <a:srgbClr val="808080"/>
+                </a:solidFill>
+                <a:latin typeface="新宋体" panose="02010609030101010101" pitchFamily="49" charset="-122"/>
+                <a:ea typeface="新宋体" panose="02010609030101010101" pitchFamily="49" charset="-122"/>
+              </a:rPr>
+              <a:t>#define</a:t>
+            </a:r>
+            <a:r>
+              <a:rPr lang="en-US" altLang="zh-CN" sz="2400" b="1" dirty="0">
+                <a:solidFill>
+                  <a:srgbClr val="000000"/>
+                </a:solidFill>
+                <a:latin typeface="新宋体" panose="02010609030101010101" pitchFamily="49" charset="-122"/>
+                <a:ea typeface="新宋体" panose="02010609030101010101" pitchFamily="49" charset="-122"/>
+              </a:rPr>
+              <a:t> </a:t>
+            </a:r>
+            <a:r>
+              <a:rPr lang="en-US" altLang="zh-CN" sz="2400" b="1" dirty="0">
+                <a:solidFill>
+                  <a:srgbClr val="6F008A"/>
+                </a:solidFill>
+                <a:latin typeface="新宋体" panose="02010609030101010101" pitchFamily="49" charset="-122"/>
+                <a:ea typeface="新宋体" panose="02010609030101010101" pitchFamily="49" charset="-122"/>
+              </a:rPr>
+              <a:t>_________</a:t>
+            </a:r>
+            <a:r>
+              <a:rPr lang="en-US" altLang="zh-CN" sz="2400" b="1" dirty="0">
+                <a:solidFill>
+                  <a:srgbClr val="000000"/>
+                </a:solidFill>
+                <a:latin typeface="新宋体" panose="02010609030101010101" pitchFamily="49" charset="-122"/>
+                <a:ea typeface="新宋体" panose="02010609030101010101" pitchFamily="49" charset="-122"/>
+              </a:rPr>
+              <a:t> ,</a:t>
+            </a:r>
+          </a:p>
+          <a:p>
+            <a:r>
+              <a:rPr lang="en-US" altLang="zh-CN" sz="2400" b="1" dirty="0">
+                <a:solidFill>
+                  <a:srgbClr val="808080"/>
+                </a:solidFill>
+                <a:latin typeface="新宋体" panose="02010609030101010101" pitchFamily="49" charset="-122"/>
+                <a:ea typeface="新宋体" panose="02010609030101010101" pitchFamily="49" charset="-122"/>
+              </a:rPr>
+              <a:t>#define</a:t>
+            </a:r>
+            <a:r>
+              <a:rPr lang="en-US" altLang="zh-CN" sz="2400" b="1" dirty="0">
+                <a:solidFill>
+                  <a:srgbClr val="000000"/>
+                </a:solidFill>
+                <a:latin typeface="新宋体" panose="02010609030101010101" pitchFamily="49" charset="-122"/>
+                <a:ea typeface="新宋体" panose="02010609030101010101" pitchFamily="49" charset="-122"/>
+              </a:rPr>
+              <a:t> </a:t>
+            </a:r>
+            <a:r>
+              <a:rPr lang="en-US" altLang="zh-CN" sz="2400" b="1" dirty="0">
+                <a:solidFill>
+                  <a:srgbClr val="6F008A"/>
+                </a:solidFill>
+                <a:latin typeface="新宋体" panose="02010609030101010101" pitchFamily="49" charset="-122"/>
+                <a:ea typeface="新宋体" panose="02010609030101010101" pitchFamily="49" charset="-122"/>
+              </a:rPr>
+              <a:t>__________</a:t>
+            </a:r>
+            <a:r>
+              <a:rPr lang="en-US" altLang="zh-CN" sz="2400" b="1" dirty="0">
+                <a:solidFill>
+                  <a:srgbClr val="000000"/>
+                </a:solidFill>
+                <a:latin typeface="新宋体" panose="02010609030101010101" pitchFamily="49" charset="-122"/>
+                <a:ea typeface="新宋体" panose="02010609030101010101" pitchFamily="49" charset="-122"/>
+              </a:rPr>
+              <a:t> ;</a:t>
+            </a:r>
+          </a:p>
+          <a:p>
+            <a:r>
+              <a:rPr lang="en-US" altLang="zh-CN" sz="2400" b="1" dirty="0">
+                <a:solidFill>
+                  <a:srgbClr val="808080"/>
+                </a:solidFill>
+                <a:latin typeface="新宋体" panose="02010609030101010101" pitchFamily="49" charset="-122"/>
+                <a:ea typeface="新宋体" panose="02010609030101010101" pitchFamily="49" charset="-122"/>
+              </a:rPr>
+              <a:t>#define</a:t>
+            </a:r>
+            <a:r>
+              <a:rPr lang="en-US" altLang="zh-CN" sz="2400" b="1" dirty="0">
+                <a:solidFill>
+                  <a:srgbClr val="000000"/>
+                </a:solidFill>
+                <a:latin typeface="新宋体" panose="02010609030101010101" pitchFamily="49" charset="-122"/>
+                <a:ea typeface="新宋体" panose="02010609030101010101" pitchFamily="49" charset="-122"/>
+              </a:rPr>
+              <a:t> </a:t>
+            </a:r>
+            <a:r>
+              <a:rPr lang="en-US" altLang="zh-CN" sz="2400" b="1" dirty="0">
+                <a:solidFill>
+                  <a:srgbClr val="6F008A"/>
+                </a:solidFill>
+                <a:latin typeface="新宋体" panose="02010609030101010101" pitchFamily="49" charset="-122"/>
+                <a:ea typeface="新宋体" panose="02010609030101010101" pitchFamily="49" charset="-122"/>
+              </a:rPr>
+              <a:t>___________</a:t>
+            </a:r>
+            <a:r>
+              <a:rPr lang="en-US" altLang="zh-CN" sz="2400" b="1" dirty="0">
+                <a:solidFill>
+                  <a:srgbClr val="000000"/>
+                </a:solidFill>
+                <a:latin typeface="新宋体" panose="02010609030101010101" pitchFamily="49" charset="-122"/>
+                <a:ea typeface="新宋体" panose="02010609030101010101" pitchFamily="49" charset="-122"/>
+              </a:rPr>
+              <a:t> </a:t>
+            </a:r>
+            <a:r>
+              <a:rPr lang="en-US" altLang="zh-CN" sz="2400" b="1" dirty="0">
+                <a:solidFill>
+                  <a:srgbClr val="6F008A"/>
+                </a:solidFill>
+                <a:latin typeface="新宋体" panose="02010609030101010101" pitchFamily="49" charset="-122"/>
+                <a:ea typeface="新宋体" panose="02010609030101010101" pitchFamily="49" charset="-122"/>
+              </a:rPr>
+              <a:t>NULL</a:t>
+            </a:r>
+            <a:endParaRPr lang="en-US" altLang="zh-CN" sz="2400" b="1" dirty="0">
+              <a:solidFill>
+                <a:srgbClr val="000000"/>
+              </a:solidFill>
+              <a:latin typeface="新宋体" panose="02010609030101010101" pitchFamily="49" charset="-122"/>
+              <a:ea typeface="新宋体" panose="02010609030101010101" pitchFamily="49" charset="-122"/>
+            </a:endParaRPr>
+          </a:p>
+          <a:p>
+            <a:r>
+              <a:rPr lang="en-US" altLang="zh-CN" sz="2400" b="1" dirty="0">
+                <a:solidFill>
+                  <a:srgbClr val="808080"/>
+                </a:solidFill>
+                <a:latin typeface="新宋体" panose="02010609030101010101" pitchFamily="49" charset="-122"/>
+                <a:ea typeface="新宋体" panose="02010609030101010101" pitchFamily="49" charset="-122"/>
+              </a:rPr>
+              <a:t>#define</a:t>
+            </a:r>
+            <a:r>
+              <a:rPr lang="en-US" altLang="zh-CN" sz="2400" b="1" dirty="0">
+                <a:solidFill>
+                  <a:srgbClr val="000000"/>
+                </a:solidFill>
+                <a:latin typeface="新宋体" panose="02010609030101010101" pitchFamily="49" charset="-122"/>
+                <a:ea typeface="新宋体" panose="02010609030101010101" pitchFamily="49" charset="-122"/>
+              </a:rPr>
+              <a:t> </a:t>
+            </a:r>
+            <a:r>
+              <a:rPr lang="en-US" altLang="zh-CN" sz="2400" b="1" dirty="0">
+                <a:solidFill>
+                  <a:srgbClr val="6F008A"/>
+                </a:solidFill>
+                <a:latin typeface="新宋体" panose="02010609030101010101" pitchFamily="49" charset="-122"/>
+                <a:ea typeface="新宋体" panose="02010609030101010101" pitchFamily="49" charset="-122"/>
+              </a:rPr>
+              <a:t>____________</a:t>
+            </a:r>
+            <a:r>
+              <a:rPr lang="en-US" altLang="zh-CN" sz="2400" b="1" dirty="0">
+                <a:solidFill>
+                  <a:srgbClr val="000000"/>
+                </a:solidFill>
+                <a:latin typeface="新宋体" panose="02010609030101010101" pitchFamily="49" charset="-122"/>
+                <a:ea typeface="新宋体" panose="02010609030101010101" pitchFamily="49" charset="-122"/>
+              </a:rPr>
+              <a:t> </a:t>
+            </a:r>
+            <a:r>
+              <a:rPr lang="en-US" altLang="zh-CN" sz="2400" b="1" dirty="0">
+                <a:solidFill>
+                  <a:srgbClr val="0000FF"/>
+                </a:solidFill>
+                <a:latin typeface="新宋体" panose="02010609030101010101" pitchFamily="49" charset="-122"/>
+                <a:ea typeface="新宋体" panose="02010609030101010101" pitchFamily="49" charset="-122"/>
+              </a:rPr>
+              <a:t>return</a:t>
+            </a:r>
+            <a:r>
+              <a:rPr lang="en-US" altLang="zh-CN" sz="2400" b="1" dirty="0">
+                <a:solidFill>
+                  <a:srgbClr val="000000"/>
+                </a:solidFill>
+                <a:latin typeface="新宋体" panose="02010609030101010101" pitchFamily="49" charset="-122"/>
+                <a:ea typeface="新宋体" panose="02010609030101010101" pitchFamily="49" charset="-122"/>
+              </a:rPr>
+              <a:t> 1</a:t>
+            </a:r>
+            <a:endParaRPr lang="zh-CN" altLang="en-US" sz="2400" b="1" dirty="0"/>
           </a:p>
         </p:txBody>
       </p:sp>
     </p:spTree>
     <p:extLst>
       <p:ext uri="{BB962C8B-B14F-4D97-AF65-F5344CB8AC3E}">
-        <p14:creationId xmlns:p14="http://schemas.microsoft.com/office/powerpoint/2010/main" val="3864228693"/>
+        <p14:creationId xmlns:p14="http://schemas.microsoft.com/office/powerpoint/2010/main" val="395628273"/>
       </p:ext>
     </p:extLst>
   </p:cSld>
@@ -14703,82 +15059,208 @@
       </p:grpSpPr>
       <p:sp>
         <p:nvSpPr>
-          <p:cNvPr id="2" name="矩形 1">
-            <a:extLst>
-              <a:ext uri="{FF2B5EF4-FFF2-40B4-BE49-F238E27FC236}">
-                <a16:creationId xmlns:a16="http://schemas.microsoft.com/office/drawing/2014/main" id="{71EBF644-5260-4D6F-882F-4FE5B8145C98}"/>
-              </a:ext>
-            </a:extLst>
-          </p:cNvPr>
-          <p:cNvSpPr/>
+          <p:cNvPr id="4" name="标题 1"/>
+          <p:cNvSpPr txBox="1">
+            <a:spLocks/>
+          </p:cNvSpPr>
           <p:nvPr/>
         </p:nvSpPr>
         <p:spPr>
           <a:xfrm>
-            <a:off x="2195736" y="1628800"/>
-            <a:ext cx="6336704" cy="3785652"/>
+            <a:off x="457200" y="800100"/>
+            <a:ext cx="8229600" cy="952500"/>
           </a:xfrm>
           <a:prstGeom prst="rect">
             <a:avLst/>
           </a:prstGeom>
         </p:spPr>
         <p:txBody>
+          <a:bodyPr/>
+          <a:lstStyle>
+            <a:lvl1pPr algn="ctr" rtl="0" eaLnBrk="0" fontAlgn="base" hangingPunct="0">
+              <a:spcBef>
+                <a:spcPct val="0"/>
+              </a:spcBef>
+              <a:spcAft>
+                <a:spcPct val="0"/>
+              </a:spcAft>
+              <a:defRPr sz="4400" kern="1200">
+                <a:solidFill>
+                  <a:schemeClr val="tx1"/>
+                </a:solidFill>
+                <a:latin typeface="+mj-lt"/>
+                <a:ea typeface="+mj-ea"/>
+                <a:cs typeface="+mj-cs"/>
+              </a:defRPr>
+            </a:lvl1pPr>
+            <a:lvl2pPr algn="ctr" rtl="0" eaLnBrk="0" fontAlgn="base" hangingPunct="0">
+              <a:spcBef>
+                <a:spcPct val="0"/>
+              </a:spcBef>
+              <a:spcAft>
+                <a:spcPct val="0"/>
+              </a:spcAft>
+              <a:defRPr sz="4400">
+                <a:solidFill>
+                  <a:schemeClr val="tx1"/>
+                </a:solidFill>
+                <a:latin typeface="Calibri" pitchFamily="34" charset="0"/>
+                <a:ea typeface="宋体" pitchFamily="2" charset="-122"/>
+              </a:defRPr>
+            </a:lvl2pPr>
+            <a:lvl3pPr algn="ctr" rtl="0" eaLnBrk="0" fontAlgn="base" hangingPunct="0">
+              <a:spcBef>
+                <a:spcPct val="0"/>
+              </a:spcBef>
+              <a:spcAft>
+                <a:spcPct val="0"/>
+              </a:spcAft>
+              <a:defRPr sz="4400">
+                <a:solidFill>
+                  <a:schemeClr val="tx1"/>
+                </a:solidFill>
+                <a:latin typeface="Calibri" pitchFamily="34" charset="0"/>
+                <a:ea typeface="宋体" pitchFamily="2" charset="-122"/>
+              </a:defRPr>
+            </a:lvl3pPr>
+            <a:lvl4pPr algn="ctr" rtl="0" eaLnBrk="0" fontAlgn="base" hangingPunct="0">
+              <a:spcBef>
+                <a:spcPct val="0"/>
+              </a:spcBef>
+              <a:spcAft>
+                <a:spcPct val="0"/>
+              </a:spcAft>
+              <a:defRPr sz="4400">
+                <a:solidFill>
+                  <a:schemeClr val="tx1"/>
+                </a:solidFill>
+                <a:latin typeface="Calibri" pitchFamily="34" charset="0"/>
+                <a:ea typeface="宋体" pitchFamily="2" charset="-122"/>
+              </a:defRPr>
+            </a:lvl4pPr>
+            <a:lvl5pPr algn="ctr" rtl="0" eaLnBrk="0" fontAlgn="base" hangingPunct="0">
+              <a:spcBef>
+                <a:spcPct val="0"/>
+              </a:spcBef>
+              <a:spcAft>
+                <a:spcPct val="0"/>
+              </a:spcAft>
+              <a:defRPr sz="4400">
+                <a:solidFill>
+                  <a:schemeClr val="tx1"/>
+                </a:solidFill>
+                <a:latin typeface="Calibri" pitchFamily="34" charset="0"/>
+                <a:ea typeface="宋体" pitchFamily="2" charset="-122"/>
+              </a:defRPr>
+            </a:lvl5pPr>
+            <a:lvl6pPr marL="457200" algn="ctr" rtl="0" fontAlgn="base">
+              <a:spcBef>
+                <a:spcPct val="0"/>
+              </a:spcBef>
+              <a:spcAft>
+                <a:spcPct val="0"/>
+              </a:spcAft>
+              <a:defRPr sz="4400">
+                <a:solidFill>
+                  <a:schemeClr val="tx1"/>
+                </a:solidFill>
+                <a:latin typeface="Calibri" pitchFamily="34" charset="0"/>
+                <a:ea typeface="宋体" pitchFamily="2" charset="-122"/>
+              </a:defRPr>
+            </a:lvl6pPr>
+            <a:lvl7pPr marL="914400" algn="ctr" rtl="0" fontAlgn="base">
+              <a:spcBef>
+                <a:spcPct val="0"/>
+              </a:spcBef>
+              <a:spcAft>
+                <a:spcPct val="0"/>
+              </a:spcAft>
+              <a:defRPr sz="4400">
+                <a:solidFill>
+                  <a:schemeClr val="tx1"/>
+                </a:solidFill>
+                <a:latin typeface="Calibri" pitchFamily="34" charset="0"/>
+                <a:ea typeface="宋体" pitchFamily="2" charset="-122"/>
+              </a:defRPr>
+            </a:lvl7pPr>
+            <a:lvl8pPr marL="1371600" algn="ctr" rtl="0" fontAlgn="base">
+              <a:spcBef>
+                <a:spcPct val="0"/>
+              </a:spcBef>
+              <a:spcAft>
+                <a:spcPct val="0"/>
+              </a:spcAft>
+              <a:defRPr sz="4400">
+                <a:solidFill>
+                  <a:schemeClr val="tx1"/>
+                </a:solidFill>
+                <a:latin typeface="Calibri" pitchFamily="34" charset="0"/>
+                <a:ea typeface="宋体" pitchFamily="2" charset="-122"/>
+              </a:defRPr>
+            </a:lvl8pPr>
+            <a:lvl9pPr marL="1828800" algn="ctr" rtl="0" fontAlgn="base">
+              <a:spcBef>
+                <a:spcPct val="0"/>
+              </a:spcBef>
+              <a:spcAft>
+                <a:spcPct val="0"/>
+              </a:spcAft>
+              <a:defRPr sz="4400">
+                <a:solidFill>
+                  <a:schemeClr val="tx1"/>
+                </a:solidFill>
+                <a:latin typeface="Calibri" pitchFamily="34" charset="0"/>
+                <a:ea typeface="宋体" pitchFamily="2" charset="-122"/>
+              </a:defRPr>
+            </a:lvl9pPr>
+          </a:lstStyle>
+          <a:p>
+            <a:r>
+              <a:rPr lang="en-US" altLang="zh-CN" dirty="0"/>
+              <a:t> </a:t>
+            </a:r>
+            <a:r>
+              <a:rPr lang="zh-CN" altLang="en-US" b="1" dirty="0">
+                <a:latin typeface="Adobe 黑体 Std R" panose="020B0400000000000000" pitchFamily="34" charset="-122"/>
+                <a:ea typeface="Adobe 黑体 Std R" panose="020B0400000000000000" pitchFamily="34" charset="-122"/>
+              </a:rPr>
+              <a:t>另一段代码</a:t>
+            </a:r>
+          </a:p>
+        </p:txBody>
+      </p:sp>
+      <p:sp>
+        <p:nvSpPr>
+          <p:cNvPr id="5" name="矩形 4"/>
+          <p:cNvSpPr/>
+          <p:nvPr/>
+        </p:nvSpPr>
+        <p:spPr>
+          <a:xfrm>
+            <a:off x="2123728" y="1556792"/>
+            <a:ext cx="5238328" cy="4154984"/>
+          </a:xfrm>
+          <a:prstGeom prst="rect">
+            <a:avLst/>
+          </a:prstGeom>
+        </p:spPr>
+        <p:txBody>
           <a:bodyPr wrap="square">
             <a:spAutoFit/>
           </a:bodyPr>
           <a:lstStyle/>
           <a:p>
             <a:r>
-              <a:rPr lang="en-US" altLang="zh-CN" sz="2400" b="1" dirty="0">
-                <a:solidFill>
-                  <a:srgbClr val="808080"/>
+              <a:rPr lang="en-US" altLang="zh-CN" sz="2400" dirty="0">
+                <a:solidFill>
+                  <a:srgbClr val="008000"/>
                 </a:solidFill>
                 <a:latin typeface="新宋体" panose="02010609030101010101" pitchFamily="49" charset="-122"/>
                 <a:ea typeface="新宋体" panose="02010609030101010101" pitchFamily="49" charset="-122"/>
               </a:rPr>
-              <a:t>#define</a:t>
-            </a:r>
-            <a:r>
-              <a:rPr lang="en-US" altLang="zh-CN" sz="2400" b="1" dirty="0">
-                <a:solidFill>
-                  <a:srgbClr val="000000"/>
-                </a:solidFill>
-                <a:latin typeface="新宋体" panose="02010609030101010101" pitchFamily="49" charset="-122"/>
-                <a:ea typeface="新宋体" panose="02010609030101010101" pitchFamily="49" charset="-122"/>
-              </a:rPr>
-              <a:t> </a:t>
-            </a:r>
-            <a:r>
-              <a:rPr lang="en-US" altLang="zh-CN" sz="2400" b="1" dirty="0">
-                <a:solidFill>
-                  <a:srgbClr val="6F008A"/>
-                </a:solidFill>
-                <a:latin typeface="新宋体" panose="02010609030101010101" pitchFamily="49" charset="-122"/>
-                <a:ea typeface="新宋体" panose="02010609030101010101" pitchFamily="49" charset="-122"/>
-              </a:rPr>
-              <a:t>___</a:t>
-            </a:r>
-            <a:r>
-              <a:rPr lang="en-US" altLang="zh-CN" sz="2400" b="1" dirty="0">
-                <a:solidFill>
-                  <a:srgbClr val="000000"/>
-                </a:solidFill>
-                <a:latin typeface="新宋体" panose="02010609030101010101" pitchFamily="49" charset="-122"/>
-                <a:ea typeface="新宋体" panose="02010609030101010101" pitchFamily="49" charset="-122"/>
-              </a:rPr>
-              <a:t> ::</a:t>
-            </a:r>
-            <a:r>
-              <a:rPr lang="en-US" altLang="zh-CN" sz="2400" b="1" dirty="0" err="1">
-                <a:solidFill>
-                  <a:srgbClr val="6F008A"/>
-                </a:solidFill>
-                <a:latin typeface="新宋体" panose="02010609030101010101" pitchFamily="49" charset="-122"/>
-                <a:ea typeface="新宋体" panose="02010609030101010101" pitchFamily="49" charset="-122"/>
-              </a:rPr>
-              <a:t>MessageBox</a:t>
-            </a:r>
-            <a:endParaRPr lang="en-US" altLang="zh-CN" sz="2400" b="1" dirty="0">
+              <a:t>/*</a:t>
+            </a:r>
+            <a:endParaRPr lang="zh-CN" altLang="en-US" sz="2400" dirty="0">
               <a:solidFill>
                 <a:srgbClr val="000000"/>
               </a:solidFill>
@@ -14788,116 +15270,162 @@
           </a:p>
           <a:p>
             <a:r>
-              <a:rPr lang="en-US" altLang="zh-CN" sz="2400" b="1" dirty="0">
-                <a:solidFill>
-                  <a:srgbClr val="808080"/>
+              <a:rPr lang="ar-AE" altLang="zh-CN" sz="2400" dirty="0">
+                <a:solidFill>
+                  <a:srgbClr val="008000"/>
                 </a:solidFill>
                 <a:latin typeface="新宋体" panose="02010609030101010101" pitchFamily="49" charset="-122"/>
                 <a:ea typeface="新宋体" panose="02010609030101010101" pitchFamily="49" charset="-122"/>
               </a:rPr>
-              <a:t>#define</a:t>
-            </a:r>
-            <a:r>
-              <a:rPr lang="en-US" altLang="zh-CN" sz="2400" b="1" dirty="0">
-                <a:solidFill>
-                  <a:srgbClr val="000000"/>
+              <a:t>وفيما يلي  وصف وظيفة  هذا الكود </a:t>
+            </a:r>
+            <a:endParaRPr lang="ar-AE" altLang="zh-CN" sz="2400" dirty="0">
+              <a:solidFill>
+                <a:srgbClr val="000000"/>
+              </a:solidFill>
+              <a:latin typeface="新宋体" panose="02010609030101010101" pitchFamily="49" charset="-122"/>
+              <a:ea typeface="新宋体" panose="02010609030101010101" pitchFamily="49" charset="-122"/>
+            </a:endParaRPr>
+          </a:p>
+          <a:p>
+            <a:endParaRPr lang="zh-CN" altLang="en-US" sz="2400" dirty="0">
+              <a:solidFill>
+                <a:srgbClr val="000000"/>
+              </a:solidFill>
+              <a:latin typeface="新宋体" panose="02010609030101010101" pitchFamily="49" charset="-122"/>
+              <a:ea typeface="新宋体" panose="02010609030101010101" pitchFamily="49" charset="-122"/>
+            </a:endParaRPr>
+          </a:p>
+          <a:p>
+            <a:r>
+              <a:rPr lang="ar-AE" altLang="zh-CN" sz="2400" dirty="0">
+                <a:solidFill>
+                  <a:srgbClr val="008000"/>
                 </a:solidFill>
                 <a:latin typeface="新宋体" panose="02010609030101010101" pitchFamily="49" charset="-122"/>
                 <a:ea typeface="新宋体" panose="02010609030101010101" pitchFamily="49" charset="-122"/>
               </a:rPr>
-              <a:t> </a:t>
-            </a:r>
-            <a:r>
-              <a:rPr lang="en-US" altLang="zh-CN" sz="2400" b="1" dirty="0">
-                <a:solidFill>
-                  <a:srgbClr val="6F008A"/>
+              <a:t>هو  تحقيق وظيفة  واحد  يترجم السلسلة  الرقمية </a:t>
+            </a:r>
+            <a:endParaRPr lang="ar-AE" altLang="zh-CN" sz="2400" dirty="0">
+              <a:solidFill>
+                <a:srgbClr val="000000"/>
+              </a:solidFill>
+              <a:latin typeface="新宋体" panose="02010609030101010101" pitchFamily="49" charset="-122"/>
+              <a:ea typeface="新宋体" panose="02010609030101010101" pitchFamily="49" charset="-122"/>
+            </a:endParaRPr>
+          </a:p>
+          <a:p>
+            <a:endParaRPr lang="zh-CN" altLang="en-US" sz="2400" dirty="0">
+              <a:solidFill>
+                <a:srgbClr val="000000"/>
+              </a:solidFill>
+              <a:latin typeface="新宋体" panose="02010609030101010101" pitchFamily="49" charset="-122"/>
+              <a:ea typeface="新宋体" panose="02010609030101010101" pitchFamily="49" charset="-122"/>
+            </a:endParaRPr>
+          </a:p>
+          <a:p>
+            <a:r>
+              <a:rPr lang="ja-JP" altLang="en-US" sz="2400" dirty="0">
+                <a:solidFill>
+                  <a:srgbClr val="008000"/>
                 </a:solidFill>
                 <a:latin typeface="新宋体" panose="02010609030101010101" pitchFamily="49" charset="-122"/>
                 <a:ea typeface="新宋体" panose="02010609030101010101" pitchFamily="49" charset="-122"/>
               </a:rPr>
-              <a:t>____</a:t>
-            </a:r>
-            <a:r>
-              <a:rPr lang="en-US" altLang="zh-CN" sz="2400" b="1" dirty="0">
-                <a:solidFill>
-                  <a:srgbClr val="000000"/>
+              <a:t>画像フォーマットのファイルパス</a:t>
+            </a:r>
+            <a:endParaRPr lang="ja-JP" altLang="en-US" sz="2400" dirty="0">
+              <a:solidFill>
+                <a:srgbClr val="000000"/>
+              </a:solidFill>
+              <a:latin typeface="新宋体" panose="02010609030101010101" pitchFamily="49" charset="-122"/>
+              <a:ea typeface="新宋体" panose="02010609030101010101" pitchFamily="49" charset="-122"/>
+            </a:endParaRPr>
+          </a:p>
+          <a:p>
+            <a:r>
+              <a:rPr lang="zh-CN" altLang="en-US" sz="2400" dirty="0">
+                <a:solidFill>
+                  <a:srgbClr val="008000"/>
                 </a:solidFill>
                 <a:latin typeface="新宋体" panose="02010609030101010101" pitchFamily="49" charset="-122"/>
                 <a:ea typeface="新宋体" panose="02010609030101010101" pitchFamily="49" charset="-122"/>
               </a:rPr>
-              <a:t> (</a:t>
-            </a:r>
-          </a:p>
-          <a:p>
-            <a:r>
-              <a:rPr lang="en-US" altLang="zh-CN" sz="2400" b="1" dirty="0">
-                <a:solidFill>
-                  <a:srgbClr val="808080"/>
+              <a:t>*</a:t>
+            </a:r>
+            <a:r>
+              <a:rPr lang="en-US" altLang="zh-CN" sz="2400" dirty="0">
+                <a:solidFill>
+                  <a:srgbClr val="008000"/>
                 </a:solidFill>
                 <a:latin typeface="新宋体" panose="02010609030101010101" pitchFamily="49" charset="-122"/>
                 <a:ea typeface="新宋体" panose="02010609030101010101" pitchFamily="49" charset="-122"/>
               </a:rPr>
-              <a:t>#define</a:t>
-            </a:r>
-            <a:r>
-              <a:rPr lang="en-US" altLang="zh-CN" sz="2400" b="1" dirty="0">
-                <a:solidFill>
-                  <a:srgbClr val="000000"/>
+              <a:t>/</a:t>
+            </a:r>
+          </a:p>
+          <a:p>
+            <a:r>
+              <a:rPr lang="en-US" altLang="zh-CN" sz="2400" dirty="0">
+                <a:solidFill>
+                  <a:srgbClr val="008000"/>
                 </a:solidFill>
                 <a:latin typeface="新宋体" panose="02010609030101010101" pitchFamily="49" charset="-122"/>
                 <a:ea typeface="新宋体" panose="02010609030101010101" pitchFamily="49" charset="-122"/>
               </a:rPr>
-              <a:t> </a:t>
-            </a:r>
-            <a:r>
-              <a:rPr lang="en-US" altLang="zh-CN" sz="2400" b="1" dirty="0">
-                <a:solidFill>
-                  <a:srgbClr val="6F008A"/>
+              <a:t>// </a:t>
+            </a:r>
+            <a:r>
+              <a:rPr lang="zh-CN" altLang="en-US" sz="2400" dirty="0">
+                <a:solidFill>
+                  <a:srgbClr val="008000"/>
                 </a:solidFill>
                 <a:latin typeface="新宋体" panose="02010609030101010101" pitchFamily="49" charset="-122"/>
                 <a:ea typeface="新宋体" panose="02010609030101010101" pitchFamily="49" charset="-122"/>
               </a:rPr>
-              <a:t>_____</a:t>
-            </a:r>
+              <a:t>楼上的注释是神马意思？</a:t>
+            </a:r>
+            <a:endParaRPr lang="zh-CN" altLang="en-US" sz="2400" dirty="0">
+              <a:solidFill>
+                <a:srgbClr val="000000"/>
+              </a:solidFill>
+              <a:latin typeface="新宋体" panose="02010609030101010101" pitchFamily="49" charset="-122"/>
+              <a:ea typeface="新宋体" panose="02010609030101010101" pitchFamily="49" charset="-122"/>
+            </a:endParaRPr>
+          </a:p>
+          <a:p>
             <a:r>
               <a:rPr lang="en-US" altLang="zh-CN" sz="2400" b="1" dirty="0">
                 <a:solidFill>
-                  <a:srgbClr val="000000"/>
+                  <a:srgbClr val="0000FF"/>
                 </a:solidFill>
                 <a:latin typeface="新宋体" panose="02010609030101010101" pitchFamily="49" charset="-122"/>
                 <a:ea typeface="新宋体" panose="02010609030101010101" pitchFamily="49" charset="-122"/>
               </a:rPr>
-              <a:t>  </a:t>
+              <a:t>void</a:t>
             </a:r>
             <a:r>
               <a:rPr lang="en-US" altLang="zh-CN" sz="2400" b="1" dirty="0">
                 <a:solidFill>
-                  <a:srgbClr val="A31515"/>
+                  <a:srgbClr val="000000"/>
                 </a:solidFill>
                 <a:latin typeface="新宋体" panose="02010609030101010101" pitchFamily="49" charset="-122"/>
                 <a:ea typeface="新宋体" panose="02010609030101010101" pitchFamily="49" charset="-122"/>
               </a:rPr>
-              <a:t>L"</a:t>
-            </a:r>
-            <a:r>
-              <a:rPr lang="zh-CN" altLang="en-US" sz="2400" b="1" dirty="0">
-                <a:solidFill>
-                  <a:srgbClr val="A31515"/>
+              <a:t> fun()</a:t>
+            </a:r>
+          </a:p>
+          <a:p>
+            <a:r>
+              <a:rPr lang="en-US" altLang="zh-CN" sz="2400" b="1" dirty="0">
+                <a:solidFill>
+                  <a:srgbClr val="000000"/>
                 </a:solidFill>
                 <a:latin typeface="新宋体" panose="02010609030101010101" pitchFamily="49" charset="-122"/>
                 <a:ea typeface="新宋体" panose="02010609030101010101" pitchFamily="49" charset="-122"/>
               </a:rPr>
-              <a:t>软件工程实践指导</a:t>
-            </a:r>
-            <a:r>
-              <a:rPr lang="en-US" altLang="zh-CN" sz="2400" b="1" dirty="0">
-                <a:solidFill>
-                  <a:srgbClr val="A31515"/>
-                </a:solidFill>
-                <a:latin typeface="新宋体" panose="02010609030101010101" pitchFamily="49" charset="-122"/>
-                <a:ea typeface="新宋体" panose="02010609030101010101" pitchFamily="49" charset="-122"/>
-              </a:rPr>
-              <a:t>"</a:t>
+              <a:t>{</a:t>
             </a:r>
             <a:endParaRPr lang="zh-CN" altLang="en-US" sz="2400" b="1" dirty="0">
               <a:solidFill>
@@ -14911,375 +15439,12 @@
             <a:r>
               <a:rPr lang="en-US" altLang="zh-CN" sz="2400" b="1" dirty="0">
                 <a:solidFill>
-                  <a:srgbClr val="808080"/>
+                  <a:srgbClr val="000000"/>
                 </a:solidFill>
                 <a:latin typeface="新宋体" panose="02010609030101010101" pitchFamily="49" charset="-122"/>
                 <a:ea typeface="新宋体" panose="02010609030101010101" pitchFamily="49" charset="-122"/>
               </a:rPr>
-              <a:t>#define</a:t>
-            </a:r>
-            <a:r>
-              <a:rPr lang="en-US" altLang="zh-CN" sz="2400" b="1" dirty="0">
-                <a:solidFill>
-                  <a:srgbClr val="000000"/>
-                </a:solidFill>
-                <a:latin typeface="新宋体" panose="02010609030101010101" pitchFamily="49" charset="-122"/>
-                <a:ea typeface="新宋体" panose="02010609030101010101" pitchFamily="49" charset="-122"/>
-              </a:rPr>
-              <a:t> </a:t>
-            </a:r>
-            <a:r>
-              <a:rPr lang="en-US" altLang="zh-CN" sz="2400" b="1" dirty="0">
-                <a:solidFill>
-                  <a:srgbClr val="6F008A"/>
-                </a:solidFill>
-                <a:latin typeface="新宋体" panose="02010609030101010101" pitchFamily="49" charset="-122"/>
-                <a:ea typeface="新宋体" panose="02010609030101010101" pitchFamily="49" charset="-122"/>
-              </a:rPr>
-              <a:t>______</a:t>
-            </a:r>
-            <a:r>
-              <a:rPr lang="en-US" altLang="zh-CN" sz="2400" b="1" dirty="0">
-                <a:solidFill>
-                  <a:srgbClr val="000000"/>
-                </a:solidFill>
-                <a:latin typeface="新宋体" panose="02010609030101010101" pitchFamily="49" charset="-122"/>
-                <a:ea typeface="新宋体" panose="02010609030101010101" pitchFamily="49" charset="-122"/>
-              </a:rPr>
-              <a:t> </a:t>
-            </a:r>
-            <a:r>
-              <a:rPr lang="en-US" altLang="zh-CN" sz="2400" b="1" dirty="0" err="1">
-                <a:solidFill>
-                  <a:srgbClr val="A31515"/>
-                </a:solidFill>
-                <a:latin typeface="新宋体" panose="02010609030101010101" pitchFamily="49" charset="-122"/>
-                <a:ea typeface="新宋体" panose="02010609030101010101" pitchFamily="49" charset="-122"/>
-              </a:rPr>
-              <a:t>L"Hello</a:t>
-            </a:r>
-            <a:r>
-              <a:rPr lang="en-US" altLang="zh-CN" sz="2400" b="1" dirty="0">
-                <a:solidFill>
-                  <a:srgbClr val="A31515"/>
-                </a:solidFill>
-                <a:latin typeface="新宋体" panose="02010609030101010101" pitchFamily="49" charset="-122"/>
-                <a:ea typeface="新宋体" panose="02010609030101010101" pitchFamily="49" charset="-122"/>
-              </a:rPr>
-              <a:t>!"</a:t>
-            </a:r>
-            <a:endParaRPr lang="en-US" altLang="zh-CN" sz="2400" b="1" dirty="0">
-              <a:solidFill>
-                <a:srgbClr val="000000"/>
-              </a:solidFill>
-              <a:latin typeface="新宋体" panose="02010609030101010101" pitchFamily="49" charset="-122"/>
-              <a:ea typeface="新宋体" panose="02010609030101010101" pitchFamily="49" charset="-122"/>
-            </a:endParaRPr>
-          </a:p>
-          <a:p>
-            <a:r>
-              <a:rPr lang="en-US" altLang="zh-CN" sz="2400" b="1" dirty="0">
-                <a:solidFill>
-                  <a:srgbClr val="808080"/>
-                </a:solidFill>
-                <a:latin typeface="新宋体" panose="02010609030101010101" pitchFamily="49" charset="-122"/>
-                <a:ea typeface="新宋体" panose="02010609030101010101" pitchFamily="49" charset="-122"/>
-              </a:rPr>
-              <a:t>#define</a:t>
-            </a:r>
-            <a:r>
-              <a:rPr lang="en-US" altLang="zh-CN" sz="2400" b="1" dirty="0">
-                <a:solidFill>
-                  <a:srgbClr val="000000"/>
-                </a:solidFill>
-                <a:latin typeface="新宋体" panose="02010609030101010101" pitchFamily="49" charset="-122"/>
-                <a:ea typeface="新宋体" panose="02010609030101010101" pitchFamily="49" charset="-122"/>
-              </a:rPr>
-              <a:t> </a:t>
-            </a:r>
-            <a:r>
-              <a:rPr lang="en-US" altLang="zh-CN" sz="2400" b="1" dirty="0">
-                <a:solidFill>
-                  <a:srgbClr val="6F008A"/>
-                </a:solidFill>
-                <a:latin typeface="新宋体" panose="02010609030101010101" pitchFamily="49" charset="-122"/>
-                <a:ea typeface="新宋体" panose="02010609030101010101" pitchFamily="49" charset="-122"/>
-              </a:rPr>
-              <a:t>_______</a:t>
-            </a:r>
-            <a:r>
-              <a:rPr lang="en-US" altLang="zh-CN" sz="2400" b="1" dirty="0">
-                <a:solidFill>
-                  <a:srgbClr val="000000"/>
-                </a:solidFill>
-                <a:latin typeface="新宋体" panose="02010609030101010101" pitchFamily="49" charset="-122"/>
-                <a:ea typeface="新宋体" panose="02010609030101010101" pitchFamily="49" charset="-122"/>
-              </a:rPr>
-              <a:t> </a:t>
-            </a:r>
-            <a:r>
-              <a:rPr lang="en-US" altLang="zh-CN" sz="2400" b="1" dirty="0">
-                <a:solidFill>
-                  <a:srgbClr val="6F008A"/>
-                </a:solidFill>
-                <a:latin typeface="新宋体" panose="02010609030101010101" pitchFamily="49" charset="-122"/>
-                <a:ea typeface="新宋体" panose="02010609030101010101" pitchFamily="49" charset="-122"/>
-              </a:rPr>
-              <a:t>MB_OKCANCEL</a:t>
-            </a:r>
-            <a:endParaRPr lang="en-US" altLang="zh-CN" sz="2400" b="1" dirty="0">
-              <a:solidFill>
-                <a:srgbClr val="000000"/>
-              </a:solidFill>
-              <a:latin typeface="新宋体" panose="02010609030101010101" pitchFamily="49" charset="-122"/>
-              <a:ea typeface="新宋体" panose="02010609030101010101" pitchFamily="49" charset="-122"/>
-            </a:endParaRPr>
-          </a:p>
-          <a:p>
-            <a:r>
-              <a:rPr lang="en-US" altLang="zh-CN" sz="2400" b="1" dirty="0">
-                <a:solidFill>
-                  <a:srgbClr val="808080"/>
-                </a:solidFill>
-                <a:latin typeface="新宋体" panose="02010609030101010101" pitchFamily="49" charset="-122"/>
-                <a:ea typeface="新宋体" panose="02010609030101010101" pitchFamily="49" charset="-122"/>
-              </a:rPr>
-              <a:t>#define</a:t>
-            </a:r>
-            <a:r>
-              <a:rPr lang="en-US" altLang="zh-CN" sz="2400" b="1" dirty="0">
-                <a:solidFill>
-                  <a:srgbClr val="000000"/>
-                </a:solidFill>
-                <a:latin typeface="新宋体" panose="02010609030101010101" pitchFamily="49" charset="-122"/>
-                <a:ea typeface="新宋体" panose="02010609030101010101" pitchFamily="49" charset="-122"/>
-              </a:rPr>
-              <a:t> </a:t>
-            </a:r>
-            <a:r>
-              <a:rPr lang="en-US" altLang="zh-CN" sz="2400" b="1" dirty="0">
-                <a:solidFill>
-                  <a:srgbClr val="6F008A"/>
-                </a:solidFill>
-                <a:latin typeface="新宋体" panose="02010609030101010101" pitchFamily="49" charset="-122"/>
-                <a:ea typeface="新宋体" panose="02010609030101010101" pitchFamily="49" charset="-122"/>
-              </a:rPr>
-              <a:t>________</a:t>
-            </a:r>
-            <a:r>
-              <a:rPr lang="en-US" altLang="zh-CN" sz="2400" b="1" dirty="0">
-                <a:solidFill>
-                  <a:srgbClr val="000000"/>
-                </a:solidFill>
-                <a:latin typeface="新宋体" panose="02010609030101010101" pitchFamily="49" charset="-122"/>
-                <a:ea typeface="新宋体" panose="02010609030101010101" pitchFamily="49" charset="-122"/>
-              </a:rPr>
-              <a:t> )</a:t>
-            </a:r>
-          </a:p>
-          <a:p>
-            <a:r>
-              <a:rPr lang="en-US" altLang="zh-CN" sz="2400" b="1" dirty="0">
-                <a:solidFill>
-                  <a:srgbClr val="808080"/>
-                </a:solidFill>
-                <a:latin typeface="新宋体" panose="02010609030101010101" pitchFamily="49" charset="-122"/>
-                <a:ea typeface="新宋体" panose="02010609030101010101" pitchFamily="49" charset="-122"/>
-              </a:rPr>
-              <a:t>#define</a:t>
-            </a:r>
-            <a:r>
-              <a:rPr lang="en-US" altLang="zh-CN" sz="2400" b="1" dirty="0">
-                <a:solidFill>
-                  <a:srgbClr val="000000"/>
-                </a:solidFill>
-                <a:latin typeface="新宋体" panose="02010609030101010101" pitchFamily="49" charset="-122"/>
-                <a:ea typeface="新宋体" panose="02010609030101010101" pitchFamily="49" charset="-122"/>
-              </a:rPr>
-              <a:t> </a:t>
-            </a:r>
-            <a:r>
-              <a:rPr lang="en-US" altLang="zh-CN" sz="2400" b="1" dirty="0">
-                <a:solidFill>
-                  <a:srgbClr val="6F008A"/>
-                </a:solidFill>
-                <a:latin typeface="新宋体" panose="02010609030101010101" pitchFamily="49" charset="-122"/>
-                <a:ea typeface="新宋体" panose="02010609030101010101" pitchFamily="49" charset="-122"/>
-              </a:rPr>
-              <a:t>_________</a:t>
-            </a:r>
-            <a:r>
-              <a:rPr lang="en-US" altLang="zh-CN" sz="2400" b="1" dirty="0">
-                <a:solidFill>
-                  <a:srgbClr val="000000"/>
-                </a:solidFill>
-                <a:latin typeface="新宋体" panose="02010609030101010101" pitchFamily="49" charset="-122"/>
-                <a:ea typeface="新宋体" panose="02010609030101010101" pitchFamily="49" charset="-122"/>
-              </a:rPr>
-              <a:t> ,</a:t>
-            </a:r>
-          </a:p>
-          <a:p>
-            <a:r>
-              <a:rPr lang="en-US" altLang="zh-CN" sz="2400" b="1" dirty="0">
-                <a:solidFill>
-                  <a:srgbClr val="808080"/>
-                </a:solidFill>
-                <a:latin typeface="新宋体" panose="02010609030101010101" pitchFamily="49" charset="-122"/>
-                <a:ea typeface="新宋体" panose="02010609030101010101" pitchFamily="49" charset="-122"/>
-              </a:rPr>
-              <a:t>#define</a:t>
-            </a:r>
-            <a:r>
-              <a:rPr lang="en-US" altLang="zh-CN" sz="2400" b="1" dirty="0">
-                <a:solidFill>
-                  <a:srgbClr val="000000"/>
-                </a:solidFill>
-                <a:latin typeface="新宋体" panose="02010609030101010101" pitchFamily="49" charset="-122"/>
-                <a:ea typeface="新宋体" panose="02010609030101010101" pitchFamily="49" charset="-122"/>
-              </a:rPr>
-              <a:t> </a:t>
-            </a:r>
-            <a:r>
-              <a:rPr lang="en-US" altLang="zh-CN" sz="2400" b="1" dirty="0">
-                <a:solidFill>
-                  <a:srgbClr val="6F008A"/>
-                </a:solidFill>
-                <a:latin typeface="新宋体" panose="02010609030101010101" pitchFamily="49" charset="-122"/>
-                <a:ea typeface="新宋体" panose="02010609030101010101" pitchFamily="49" charset="-122"/>
-              </a:rPr>
-              <a:t>__________</a:t>
-            </a:r>
-            <a:r>
-              <a:rPr lang="en-US" altLang="zh-CN" sz="2400" b="1" dirty="0">
-                <a:solidFill>
-                  <a:srgbClr val="000000"/>
-                </a:solidFill>
-                <a:latin typeface="新宋体" panose="02010609030101010101" pitchFamily="49" charset="-122"/>
-                <a:ea typeface="新宋体" panose="02010609030101010101" pitchFamily="49" charset="-122"/>
-              </a:rPr>
-              <a:t> ;</a:t>
-            </a:r>
-          </a:p>
-          <a:p>
-            <a:r>
-              <a:rPr lang="en-US" altLang="zh-CN" sz="2400" b="1" dirty="0">
-                <a:solidFill>
-                  <a:srgbClr val="808080"/>
-                </a:solidFill>
-                <a:latin typeface="新宋体" panose="02010609030101010101" pitchFamily="49" charset="-122"/>
-                <a:ea typeface="新宋体" panose="02010609030101010101" pitchFamily="49" charset="-122"/>
-              </a:rPr>
-              <a:t>#define</a:t>
-            </a:r>
-            <a:r>
-              <a:rPr lang="en-US" altLang="zh-CN" sz="2400" b="1" dirty="0">
-                <a:solidFill>
-                  <a:srgbClr val="000000"/>
-                </a:solidFill>
-                <a:latin typeface="新宋体" panose="02010609030101010101" pitchFamily="49" charset="-122"/>
-                <a:ea typeface="新宋体" panose="02010609030101010101" pitchFamily="49" charset="-122"/>
-              </a:rPr>
-              <a:t> </a:t>
-            </a:r>
-            <a:r>
-              <a:rPr lang="en-US" altLang="zh-CN" sz="2400" b="1" dirty="0">
-                <a:solidFill>
-                  <a:srgbClr val="6F008A"/>
-                </a:solidFill>
-                <a:latin typeface="新宋体" panose="02010609030101010101" pitchFamily="49" charset="-122"/>
-                <a:ea typeface="新宋体" panose="02010609030101010101" pitchFamily="49" charset="-122"/>
-              </a:rPr>
-              <a:t>___________</a:t>
-            </a:r>
-            <a:r>
-              <a:rPr lang="en-US" altLang="zh-CN" sz="2400" b="1" dirty="0">
-                <a:solidFill>
-                  <a:srgbClr val="000000"/>
-                </a:solidFill>
-                <a:latin typeface="新宋体" panose="02010609030101010101" pitchFamily="49" charset="-122"/>
-                <a:ea typeface="新宋体" panose="02010609030101010101" pitchFamily="49" charset="-122"/>
-              </a:rPr>
-              <a:t> </a:t>
-            </a:r>
-            <a:r>
-              <a:rPr lang="en-US" altLang="zh-CN" sz="2400" b="1" dirty="0">
-                <a:solidFill>
-                  <a:srgbClr val="6F008A"/>
-                </a:solidFill>
-                <a:latin typeface="新宋体" panose="02010609030101010101" pitchFamily="49" charset="-122"/>
-                <a:ea typeface="新宋体" panose="02010609030101010101" pitchFamily="49" charset="-122"/>
-              </a:rPr>
-              <a:t>NULL</a:t>
-            </a:r>
-            <a:endParaRPr lang="en-US" altLang="zh-CN" sz="2400" b="1" dirty="0">
-              <a:solidFill>
-                <a:srgbClr val="000000"/>
-              </a:solidFill>
-              <a:latin typeface="新宋体" panose="02010609030101010101" pitchFamily="49" charset="-122"/>
-              <a:ea typeface="新宋体" panose="02010609030101010101" pitchFamily="49" charset="-122"/>
-            </a:endParaRPr>
-          </a:p>
-          <a:p>
-            <a:r>
-              <a:rPr lang="en-US" altLang="zh-CN" sz="2400" b="1" dirty="0">
-                <a:solidFill>
-                  <a:srgbClr val="808080"/>
-                </a:solidFill>
-                <a:latin typeface="新宋体" panose="02010609030101010101" pitchFamily="49" charset="-122"/>
-                <a:ea typeface="新宋体" panose="02010609030101010101" pitchFamily="49" charset="-122"/>
-              </a:rPr>
-              <a:t>#define</a:t>
-            </a:r>
-            <a:r>
-              <a:rPr lang="en-US" altLang="zh-CN" sz="2400" b="1" dirty="0">
-                <a:solidFill>
-                  <a:srgbClr val="000000"/>
-                </a:solidFill>
-                <a:latin typeface="新宋体" panose="02010609030101010101" pitchFamily="49" charset="-122"/>
-                <a:ea typeface="新宋体" panose="02010609030101010101" pitchFamily="49" charset="-122"/>
-              </a:rPr>
-              <a:t> </a:t>
-            </a:r>
-            <a:r>
-              <a:rPr lang="en-US" altLang="zh-CN" sz="2400" b="1" dirty="0">
-                <a:solidFill>
-                  <a:srgbClr val="6F008A"/>
-                </a:solidFill>
-                <a:latin typeface="新宋体" panose="02010609030101010101" pitchFamily="49" charset="-122"/>
-                <a:ea typeface="新宋体" panose="02010609030101010101" pitchFamily="49" charset="-122"/>
-              </a:rPr>
-              <a:t>____________</a:t>
-            </a:r>
-            <a:r>
-              <a:rPr lang="en-US" altLang="zh-CN" sz="2400" b="1" dirty="0">
-                <a:solidFill>
-                  <a:srgbClr val="000000"/>
-                </a:solidFill>
-                <a:latin typeface="新宋体" panose="02010609030101010101" pitchFamily="49" charset="-122"/>
-                <a:ea typeface="新宋体" panose="02010609030101010101" pitchFamily="49" charset="-122"/>
-              </a:rPr>
-              <a:t> </a:t>
-            </a:r>
-            <a:r>
-              <a:rPr lang="en-US" altLang="zh-CN" sz="2400" b="1" dirty="0">
-                <a:solidFill>
-                  <a:srgbClr val="0000FF"/>
-                </a:solidFill>
-                <a:latin typeface="新宋体" panose="02010609030101010101" pitchFamily="49" charset="-122"/>
-                <a:ea typeface="新宋体" panose="02010609030101010101" pitchFamily="49" charset="-122"/>
-              </a:rPr>
-              <a:t>return</a:t>
-            </a:r>
-            <a:r>
-              <a:rPr lang="en-US" altLang="zh-CN" sz="2400" b="1" dirty="0">
-                <a:solidFill>
-                  <a:srgbClr val="000000"/>
-                </a:solidFill>
-                <a:latin typeface="新宋体" panose="02010609030101010101" pitchFamily="49" charset="-122"/>
-                <a:ea typeface="新宋体" panose="02010609030101010101" pitchFamily="49" charset="-122"/>
-              </a:rPr>
-              <a:t> 1</a:t>
+              <a:t>}</a:t>
             </a:r>
             <a:endParaRPr lang="zh-CN" altLang="en-US" sz="2400" b="1" dirty="0"/>
           </a:p>
@@ -15288,7 +15453,7 @@
     </p:spTree>
     <p:extLst>
       <p:ext uri="{BB962C8B-B14F-4D97-AF65-F5344CB8AC3E}">
-        <p14:creationId xmlns:p14="http://schemas.microsoft.com/office/powerpoint/2010/main" val="395628273"/>
+        <p14:creationId xmlns:p14="http://schemas.microsoft.com/office/powerpoint/2010/main" val="1467507621"/>
       </p:ext>
     </p:extLst>
   </p:cSld>
@@ -15317,401 +15482,112 @@
       </p:grpSpPr>
       <p:sp>
         <p:nvSpPr>
-          <p:cNvPr id="4" name="标题 1"/>
-          <p:cNvSpPr txBox="1">
-            <a:spLocks/>
-          </p:cNvSpPr>
-          <p:nvPr/>
-        </p:nvSpPr>
-        <p:spPr>
-          <a:xfrm>
-            <a:off x="457200" y="800100"/>
-            <a:ext cx="8229600" cy="952500"/>
-          </a:xfrm>
-          <a:prstGeom prst="rect">
-            <a:avLst/>
-          </a:prstGeom>
-        </p:spPr>
+          <p:cNvPr id="2" name="标题 1"/>
+          <p:cNvSpPr>
+            <a:spLocks noGrp="1"/>
+          </p:cNvSpPr>
+          <p:nvPr>
+            <p:ph type="title"/>
+          </p:nvPr>
+        </p:nvSpPr>
+        <p:spPr/>
         <p:txBody>
           <a:bodyPr/>
-          <a:lstStyle>
-            <a:lvl1pPr algn="ctr" rtl="0" eaLnBrk="0" fontAlgn="base" hangingPunct="0">
-              <a:spcBef>
-                <a:spcPct val="0"/>
-              </a:spcBef>
-              <a:spcAft>
-                <a:spcPct val="0"/>
-              </a:spcAft>
-              <a:defRPr sz="4400" kern="1200">
-                <a:solidFill>
-                  <a:schemeClr val="tx1"/>
-                </a:solidFill>
-                <a:latin typeface="+mj-lt"/>
-                <a:ea typeface="+mj-ea"/>
-                <a:cs typeface="+mj-cs"/>
-              </a:defRPr>
-            </a:lvl1pPr>
-            <a:lvl2pPr algn="ctr" rtl="0" eaLnBrk="0" fontAlgn="base" hangingPunct="0">
-              <a:spcBef>
-                <a:spcPct val="0"/>
-              </a:spcBef>
-              <a:spcAft>
-                <a:spcPct val="0"/>
-              </a:spcAft>
-              <a:defRPr sz="4400">
-                <a:solidFill>
-                  <a:schemeClr val="tx1"/>
-                </a:solidFill>
-                <a:latin typeface="Calibri" pitchFamily="34" charset="0"/>
-                <a:ea typeface="宋体" pitchFamily="2" charset="-122"/>
-              </a:defRPr>
-            </a:lvl2pPr>
-            <a:lvl3pPr algn="ctr" rtl="0" eaLnBrk="0" fontAlgn="base" hangingPunct="0">
-              <a:spcBef>
-                <a:spcPct val="0"/>
-              </a:spcBef>
-              <a:spcAft>
-                <a:spcPct val="0"/>
-              </a:spcAft>
-              <a:defRPr sz="4400">
-                <a:solidFill>
-                  <a:schemeClr val="tx1"/>
-                </a:solidFill>
-                <a:latin typeface="Calibri" pitchFamily="34" charset="0"/>
-                <a:ea typeface="宋体" pitchFamily="2" charset="-122"/>
-              </a:defRPr>
-            </a:lvl3pPr>
-            <a:lvl4pPr algn="ctr" rtl="0" eaLnBrk="0" fontAlgn="base" hangingPunct="0">
-              <a:spcBef>
-                <a:spcPct val="0"/>
-              </a:spcBef>
-              <a:spcAft>
-                <a:spcPct val="0"/>
-              </a:spcAft>
-              <a:defRPr sz="4400">
-                <a:solidFill>
-                  <a:schemeClr val="tx1"/>
-                </a:solidFill>
-                <a:latin typeface="Calibri" pitchFamily="34" charset="0"/>
-                <a:ea typeface="宋体" pitchFamily="2" charset="-122"/>
-              </a:defRPr>
-            </a:lvl4pPr>
-            <a:lvl5pPr algn="ctr" rtl="0" eaLnBrk="0" fontAlgn="base" hangingPunct="0">
-              <a:spcBef>
-                <a:spcPct val="0"/>
-              </a:spcBef>
-              <a:spcAft>
-                <a:spcPct val="0"/>
-              </a:spcAft>
-              <a:defRPr sz="4400">
-                <a:solidFill>
-                  <a:schemeClr val="tx1"/>
-                </a:solidFill>
-                <a:latin typeface="Calibri" pitchFamily="34" charset="0"/>
-                <a:ea typeface="宋体" pitchFamily="2" charset="-122"/>
-              </a:defRPr>
-            </a:lvl5pPr>
-            <a:lvl6pPr marL="457200" algn="ctr" rtl="0" fontAlgn="base">
-              <a:spcBef>
-                <a:spcPct val="0"/>
-              </a:spcBef>
-              <a:spcAft>
-                <a:spcPct val="0"/>
-              </a:spcAft>
-              <a:defRPr sz="4400">
-                <a:solidFill>
-                  <a:schemeClr val="tx1"/>
-                </a:solidFill>
-                <a:latin typeface="Calibri" pitchFamily="34" charset="0"/>
-                <a:ea typeface="宋体" pitchFamily="2" charset="-122"/>
-              </a:defRPr>
-            </a:lvl6pPr>
-            <a:lvl7pPr marL="914400" algn="ctr" rtl="0" fontAlgn="base">
-              <a:spcBef>
-                <a:spcPct val="0"/>
-              </a:spcBef>
-              <a:spcAft>
-                <a:spcPct val="0"/>
-              </a:spcAft>
-              <a:defRPr sz="4400">
-                <a:solidFill>
-                  <a:schemeClr val="tx1"/>
-                </a:solidFill>
-                <a:latin typeface="Calibri" pitchFamily="34" charset="0"/>
-                <a:ea typeface="宋体" pitchFamily="2" charset="-122"/>
-              </a:defRPr>
-            </a:lvl7pPr>
-            <a:lvl8pPr marL="1371600" algn="ctr" rtl="0" fontAlgn="base">
-              <a:spcBef>
-                <a:spcPct val="0"/>
-              </a:spcBef>
-              <a:spcAft>
-                <a:spcPct val="0"/>
-              </a:spcAft>
-              <a:defRPr sz="4400">
-                <a:solidFill>
-                  <a:schemeClr val="tx1"/>
-                </a:solidFill>
-                <a:latin typeface="Calibri" pitchFamily="34" charset="0"/>
-                <a:ea typeface="宋体" pitchFamily="2" charset="-122"/>
-              </a:defRPr>
-            </a:lvl8pPr>
-            <a:lvl9pPr marL="1828800" algn="ctr" rtl="0" fontAlgn="base">
-              <a:spcBef>
-                <a:spcPct val="0"/>
-              </a:spcBef>
-              <a:spcAft>
-                <a:spcPct val="0"/>
-              </a:spcAft>
-              <a:defRPr sz="4400">
-                <a:solidFill>
-                  <a:schemeClr val="tx1"/>
-                </a:solidFill>
-                <a:latin typeface="Calibri" pitchFamily="34" charset="0"/>
-                <a:ea typeface="宋体" pitchFamily="2" charset="-122"/>
-              </a:defRPr>
-            </a:lvl9pPr>
-          </a:lstStyle>
-          <a:p>
-            <a:r>
-              <a:rPr lang="en-US" altLang="zh-CN" dirty="0"/>
-              <a:t> </a:t>
-            </a:r>
+          <a:lstStyle/>
+          <a:p>
+            <a:pPr algn="l"/>
             <a:r>
               <a:rPr lang="zh-CN" altLang="en-US" b="1" dirty="0">
                 <a:latin typeface="Adobe 黑体 Std R" panose="020B0400000000000000" pitchFamily="34" charset="-122"/>
                 <a:ea typeface="Adobe 黑体 Std R" panose="020B0400000000000000" pitchFamily="34" charset="-122"/>
               </a:rPr>
-              <a:t>另一段代码</a:t>
-            </a:r>
-          </a:p>
-        </p:txBody>
-      </p:sp>
-      <p:sp>
-        <p:nvSpPr>
-          <p:cNvPr id="5" name="矩形 4"/>
-          <p:cNvSpPr/>
-          <p:nvPr/>
-        </p:nvSpPr>
-        <p:spPr>
-          <a:xfrm>
-            <a:off x="2267744" y="1736035"/>
-            <a:ext cx="5238328" cy="4154984"/>
-          </a:xfrm>
-          <a:prstGeom prst="rect">
-            <a:avLst/>
-          </a:prstGeom>
-        </p:spPr>
-        <p:txBody>
-          <a:bodyPr wrap="square">
-            <a:spAutoFit/>
-          </a:bodyPr>
+              <a:t>目录</a:t>
+            </a:r>
+          </a:p>
+        </p:txBody>
+      </p:sp>
+      <p:sp>
+        <p:nvSpPr>
+          <p:cNvPr id="3" name="内容占位符 2"/>
+          <p:cNvSpPr>
+            <a:spLocks noGrp="1"/>
+          </p:cNvSpPr>
+          <p:nvPr>
+            <p:ph idx="1"/>
+          </p:nvPr>
+        </p:nvSpPr>
+        <p:spPr/>
+        <p:txBody>
+          <a:bodyPr/>
           <a:lstStyle/>
           <a:p>
             <a:r>
-              <a:rPr lang="en-US" altLang="zh-CN" sz="2400" dirty="0">
-                <a:solidFill>
-                  <a:srgbClr val="008000"/>
-                </a:solidFill>
-                <a:latin typeface="新宋体" panose="02010609030101010101" pitchFamily="49" charset="-122"/>
-                <a:ea typeface="新宋体" panose="02010609030101010101" pitchFamily="49" charset="-122"/>
-              </a:rPr>
-              <a:t>/*</a:t>
-            </a:r>
-            <a:endParaRPr lang="zh-CN" altLang="en-US" sz="2400" dirty="0">
-              <a:solidFill>
-                <a:srgbClr val="000000"/>
-              </a:solidFill>
-              <a:latin typeface="新宋体" panose="02010609030101010101" pitchFamily="49" charset="-122"/>
-              <a:ea typeface="新宋体" panose="02010609030101010101" pitchFamily="49" charset="-122"/>
-            </a:endParaRPr>
-          </a:p>
-          <a:p>
-            <a:r>
-              <a:rPr lang="ar-AE" altLang="zh-CN" sz="2400" dirty="0">
-                <a:solidFill>
-                  <a:srgbClr val="008000"/>
-                </a:solidFill>
-                <a:latin typeface="新宋体" panose="02010609030101010101" pitchFamily="49" charset="-122"/>
-                <a:ea typeface="新宋体" panose="02010609030101010101" pitchFamily="49" charset="-122"/>
-              </a:rPr>
-              <a:t>وفيما يلي  وصف وظيفة  هذا الكود </a:t>
-            </a:r>
-            <a:endParaRPr lang="ar-AE" altLang="zh-CN" sz="2400" dirty="0">
-              <a:solidFill>
-                <a:srgbClr val="000000"/>
-              </a:solidFill>
-              <a:latin typeface="新宋体" panose="02010609030101010101" pitchFamily="49" charset="-122"/>
-              <a:ea typeface="新宋体" panose="02010609030101010101" pitchFamily="49" charset="-122"/>
-            </a:endParaRPr>
-          </a:p>
-          <a:p>
-            <a:endParaRPr lang="zh-CN" altLang="en-US" sz="2400" dirty="0">
-              <a:solidFill>
-                <a:srgbClr val="000000"/>
-              </a:solidFill>
-              <a:latin typeface="新宋体" panose="02010609030101010101" pitchFamily="49" charset="-122"/>
-              <a:ea typeface="新宋体" panose="02010609030101010101" pitchFamily="49" charset="-122"/>
-            </a:endParaRPr>
-          </a:p>
-          <a:p>
-            <a:r>
-              <a:rPr lang="ar-AE" altLang="zh-CN" sz="2400" dirty="0">
-                <a:solidFill>
-                  <a:srgbClr val="008000"/>
-                </a:solidFill>
-                <a:latin typeface="新宋体" panose="02010609030101010101" pitchFamily="49" charset="-122"/>
-                <a:ea typeface="新宋体" panose="02010609030101010101" pitchFamily="49" charset="-122"/>
-              </a:rPr>
-              <a:t>هو  تحقيق وظيفة  واحد  يترجم السلسلة  الرقمية </a:t>
-            </a:r>
-            <a:endParaRPr lang="ar-AE" altLang="zh-CN" sz="2400" dirty="0">
-              <a:solidFill>
-                <a:srgbClr val="000000"/>
-              </a:solidFill>
-              <a:latin typeface="新宋体" panose="02010609030101010101" pitchFamily="49" charset="-122"/>
-              <a:ea typeface="新宋体" panose="02010609030101010101" pitchFamily="49" charset="-122"/>
-            </a:endParaRPr>
-          </a:p>
-          <a:p>
-            <a:endParaRPr lang="zh-CN" altLang="en-US" sz="2400" dirty="0">
-              <a:solidFill>
-                <a:srgbClr val="000000"/>
-              </a:solidFill>
-              <a:latin typeface="新宋体" panose="02010609030101010101" pitchFamily="49" charset="-122"/>
-              <a:ea typeface="新宋体" panose="02010609030101010101" pitchFamily="49" charset="-122"/>
-            </a:endParaRPr>
-          </a:p>
-          <a:p>
-            <a:r>
-              <a:rPr lang="ja-JP" altLang="en-US" sz="2400" dirty="0">
-                <a:solidFill>
-                  <a:srgbClr val="008000"/>
-                </a:solidFill>
-                <a:latin typeface="新宋体" panose="02010609030101010101" pitchFamily="49" charset="-122"/>
-                <a:ea typeface="新宋体" panose="02010609030101010101" pitchFamily="49" charset="-122"/>
-              </a:rPr>
-              <a:t>画像フォーマットのファイルパス</a:t>
-            </a:r>
-            <a:endParaRPr lang="ja-JP" altLang="en-US" sz="2400" dirty="0">
-              <a:solidFill>
-                <a:srgbClr val="000000"/>
-              </a:solidFill>
-              <a:latin typeface="新宋体" panose="02010609030101010101" pitchFamily="49" charset="-122"/>
-              <a:ea typeface="新宋体" panose="02010609030101010101" pitchFamily="49" charset="-122"/>
-            </a:endParaRPr>
-          </a:p>
-          <a:p>
-            <a:r>
-              <a:rPr lang="zh-CN" altLang="en-US" sz="2400" dirty="0">
-                <a:solidFill>
-                  <a:srgbClr val="008000"/>
-                </a:solidFill>
-                <a:latin typeface="新宋体" panose="02010609030101010101" pitchFamily="49" charset="-122"/>
-                <a:ea typeface="新宋体" panose="02010609030101010101" pitchFamily="49" charset="-122"/>
-              </a:rPr>
-              <a:t>*</a:t>
-            </a:r>
-            <a:r>
-              <a:rPr lang="en-US" altLang="zh-CN" sz="2400" dirty="0">
-                <a:solidFill>
-                  <a:srgbClr val="008000"/>
-                </a:solidFill>
-                <a:latin typeface="新宋体" panose="02010609030101010101" pitchFamily="49" charset="-122"/>
-                <a:ea typeface="新宋体" panose="02010609030101010101" pitchFamily="49" charset="-122"/>
-              </a:rPr>
-              <a:t>/</a:t>
-            </a:r>
-          </a:p>
-          <a:p>
-            <a:r>
-              <a:rPr lang="en-US" altLang="zh-CN" sz="2400" dirty="0">
-                <a:solidFill>
-                  <a:srgbClr val="008000"/>
-                </a:solidFill>
-                <a:latin typeface="新宋体" panose="02010609030101010101" pitchFamily="49" charset="-122"/>
-                <a:ea typeface="新宋体" panose="02010609030101010101" pitchFamily="49" charset="-122"/>
-              </a:rPr>
-              <a:t>// </a:t>
-            </a:r>
-            <a:r>
-              <a:rPr lang="zh-CN" altLang="en-US" sz="2400" dirty="0">
-                <a:solidFill>
-                  <a:srgbClr val="008000"/>
-                </a:solidFill>
-                <a:latin typeface="新宋体" panose="02010609030101010101" pitchFamily="49" charset="-122"/>
-                <a:ea typeface="新宋体" panose="02010609030101010101" pitchFamily="49" charset="-122"/>
-              </a:rPr>
-              <a:t>楼上的注释是神马意思？</a:t>
-            </a:r>
-            <a:endParaRPr lang="zh-CN" altLang="en-US" sz="2400" dirty="0">
-              <a:solidFill>
-                <a:srgbClr val="000000"/>
-              </a:solidFill>
-              <a:latin typeface="新宋体" panose="02010609030101010101" pitchFamily="49" charset="-122"/>
-              <a:ea typeface="新宋体" panose="02010609030101010101" pitchFamily="49" charset="-122"/>
-            </a:endParaRPr>
-          </a:p>
-          <a:p>
-            <a:r>
-              <a:rPr lang="en-US" altLang="zh-CN" sz="2400" b="1" dirty="0">
-                <a:solidFill>
-                  <a:srgbClr val="0000FF"/>
-                </a:solidFill>
-                <a:latin typeface="新宋体" panose="02010609030101010101" pitchFamily="49" charset="-122"/>
-                <a:ea typeface="新宋体" panose="02010609030101010101" pitchFamily="49" charset="-122"/>
-              </a:rPr>
-              <a:t>void</a:t>
-            </a:r>
-            <a:r>
-              <a:rPr lang="en-US" altLang="zh-CN" sz="2400" b="1" dirty="0">
-                <a:solidFill>
-                  <a:srgbClr val="000000"/>
-                </a:solidFill>
-                <a:latin typeface="新宋体" panose="02010609030101010101" pitchFamily="49" charset="-122"/>
-                <a:ea typeface="新宋体" panose="02010609030101010101" pitchFamily="49" charset="-122"/>
-              </a:rPr>
-              <a:t> fun()</a:t>
-            </a:r>
-          </a:p>
-          <a:p>
-            <a:r>
-              <a:rPr lang="en-US" altLang="zh-CN" sz="2400" b="1" dirty="0">
-                <a:solidFill>
-                  <a:srgbClr val="000000"/>
-                </a:solidFill>
-                <a:latin typeface="新宋体" panose="02010609030101010101" pitchFamily="49" charset="-122"/>
-                <a:ea typeface="新宋体" panose="02010609030101010101" pitchFamily="49" charset="-122"/>
-              </a:rPr>
-              <a:t>{</a:t>
-            </a:r>
-            <a:endParaRPr lang="zh-CN" altLang="en-US" sz="2400" b="1" dirty="0">
-              <a:solidFill>
-                <a:srgbClr val="000000"/>
-              </a:solidFill>
-              <a:latin typeface="新宋体" panose="02010609030101010101" pitchFamily="49" charset="-122"/>
-              <a:ea typeface="新宋体" panose="02010609030101010101" pitchFamily="49" charset="-122"/>
-            </a:endParaRPr>
-          </a:p>
-          <a:p>
-            <a:r>
-              <a:rPr lang="en-US" altLang="zh-CN" sz="2400" b="1" dirty="0">
-                <a:solidFill>
-                  <a:srgbClr val="000000"/>
-                </a:solidFill>
-                <a:latin typeface="新宋体" panose="02010609030101010101" pitchFamily="49" charset="-122"/>
-                <a:ea typeface="新宋体" panose="02010609030101010101" pitchFamily="49" charset="-122"/>
-              </a:rPr>
-              <a:t>}</a:t>
-            </a:r>
-            <a:endParaRPr lang="zh-CN" altLang="en-US" sz="2400" b="1" dirty="0"/>
+              <a:rPr lang="en-US" altLang="zh-CN" b="1" dirty="0"/>
+              <a:t>3.1</a:t>
+            </a:r>
+            <a:r>
+              <a:rPr lang="zh-CN" altLang="zh-CN" b="1" dirty="0"/>
+              <a:t>开发规范的重要性</a:t>
+            </a:r>
+          </a:p>
+          <a:p>
+            <a:r>
+              <a:rPr lang="en-US" altLang="zh-CN" b="1" dirty="0">
+                <a:solidFill>
+                  <a:srgbClr val="FF0000"/>
+                </a:solidFill>
+              </a:rPr>
+              <a:t>3.2</a:t>
+            </a:r>
+            <a:r>
+              <a:rPr lang="zh-CN" altLang="zh-CN" b="1" dirty="0">
+                <a:solidFill>
+                  <a:srgbClr val="FF0000"/>
+                </a:solidFill>
+              </a:rPr>
+              <a:t>文档规范</a:t>
+            </a:r>
+          </a:p>
+          <a:p>
+            <a:r>
+              <a:rPr lang="en-US" altLang="zh-CN" b="1" dirty="0"/>
+              <a:t>3.3</a:t>
+            </a:r>
+            <a:r>
+              <a:rPr lang="zh-CN" altLang="zh-CN" b="1" dirty="0"/>
+              <a:t>编程规范</a:t>
+            </a:r>
+            <a:endParaRPr lang="en-US" altLang="zh-CN" b="1" dirty="0"/>
+          </a:p>
+          <a:p>
+            <a:r>
+              <a:rPr lang="en-US" altLang="zh-CN" b="1" dirty="0"/>
+              <a:t>3.4</a:t>
+            </a:r>
+            <a:r>
+              <a:rPr lang="zh-CN" altLang="zh-CN" b="1" dirty="0"/>
+              <a:t>流程规范</a:t>
+            </a:r>
+          </a:p>
+          <a:p>
+            <a:r>
+              <a:rPr lang="en-US" altLang="zh-CN" b="1" dirty="0"/>
+              <a:t>3.5</a:t>
+            </a:r>
+            <a:r>
+              <a:rPr lang="zh-CN" altLang="zh-CN" b="1" dirty="0"/>
+              <a:t>敏捷</a:t>
+            </a:r>
+          </a:p>
+          <a:p>
+            <a:endParaRPr lang="zh-CN" altLang="en-US" dirty="0"/>
           </a:p>
         </p:txBody>
       </p:sp>
     </p:spTree>
     <p:extLst>
       <p:ext uri="{BB962C8B-B14F-4D97-AF65-F5344CB8AC3E}">
-        <p14:creationId xmlns:p14="http://schemas.microsoft.com/office/powerpoint/2010/main" val="1467507621"/>
+        <p14:creationId xmlns:p14="http://schemas.microsoft.com/office/powerpoint/2010/main" val="699405458"/>
       </p:ext>
     </p:extLst>
   </p:cSld>

--- a/software/Ch_3_rules.pptx
+++ b/software/Ch_3_rules.pptx
@@ -8785,6 +8785,19 @@
                 <a:latin typeface="Adobe 楷体 Std R" panose="02020400000000000000" pitchFamily="18" charset="-122"/>
                 <a:ea typeface="Adobe 楷体 Std R" panose="02020400000000000000" pitchFamily="18" charset="-122"/>
               </a:rPr>
+              <a:t>实现及算法说明</a:t>
+            </a:r>
+            <a:endParaRPr lang="en-US" altLang="zh-CN" b="1" dirty="0">
+              <a:latin typeface="Adobe 楷体 Std R" panose="02020400000000000000" pitchFamily="18" charset="-122"/>
+              <a:ea typeface="Adobe 楷体 Std R" panose="02020400000000000000" pitchFamily="18" charset="-122"/>
+            </a:endParaRPr>
+          </a:p>
+          <a:p>
+            <a:r>
+              <a:rPr lang="zh-CN" altLang="en-US" b="1" dirty="0">
+                <a:latin typeface="Adobe 楷体 Std R" panose="02020400000000000000" pitchFamily="18" charset="-122"/>
+                <a:ea typeface="Adobe 楷体 Std R" panose="02020400000000000000" pitchFamily="18" charset="-122"/>
+              </a:rPr>
               <a:t>测试要点说明</a:t>
             </a:r>
             <a:endParaRPr lang="en-US" altLang="zh-CN" b="1" dirty="0">
@@ -9153,6 +9166,19 @@
                 <a:ea typeface="Adobe 楷体 Std R" panose="02020400000000000000" pitchFamily="18" charset="-122"/>
               </a:rPr>
               <a:t>质量标准统一</a:t>
+            </a:r>
+            <a:endParaRPr lang="en-US" altLang="zh-CN" b="1" dirty="0">
+              <a:latin typeface="Adobe 楷体 Std R" panose="02020400000000000000" pitchFamily="18" charset="-122"/>
+              <a:ea typeface="Adobe 楷体 Std R" panose="02020400000000000000" pitchFamily="18" charset="-122"/>
+            </a:endParaRPr>
+          </a:p>
+          <a:p>
+            <a:r>
+              <a:rPr lang="zh-CN" altLang="en-US" b="1" dirty="0">
+                <a:latin typeface="Adobe 楷体 Std R" panose="02020400000000000000" pitchFamily="18" charset="-122"/>
+                <a:ea typeface="Adobe 楷体 Std R" panose="02020400000000000000" pitchFamily="18" charset="-122"/>
+              </a:rPr>
+              <a:t>协作</a:t>
             </a:r>
           </a:p>
         </p:txBody>
@@ -10635,28 +10661,6 @@
           <a:chExt cx="0" cy="0"/>
         </a:xfrm>
       </p:grpSpPr>
-      <p:sp>
-        <p:nvSpPr>
-          <p:cNvPr id="2" name="标题 1"/>
-          <p:cNvSpPr>
-            <a:spLocks noGrp="1"/>
-          </p:cNvSpPr>
-          <p:nvPr>
-            <p:ph type="title"/>
-          </p:nvPr>
-        </p:nvSpPr>
-        <p:spPr/>
-        <p:txBody>
-          <a:bodyPr/>
-          <a:lstStyle/>
-          <a:p>
-            <a:r>
-              <a:rPr lang="zh-CN" altLang="en-US" b="1" dirty="0"/>
-              <a:t>哪些流程</a:t>
-            </a:r>
-          </a:p>
-        </p:txBody>
-      </p:sp>
       <p:pic>
         <p:nvPicPr>
           <p:cNvPr id="4" name="图片 3"/>
@@ -10673,8 +10677,8 @@
         </p:blipFill>
         <p:spPr>
           <a:xfrm>
-            <a:off x="2123728" y="2564904"/>
-            <a:ext cx="5616624" cy="3619333"/>
+            <a:off x="1115616" y="908720"/>
+            <a:ext cx="7292797" cy="4699453"/>
           </a:xfrm>
           <a:prstGeom prst="rect">
             <a:avLst/>
@@ -10753,7 +10757,22 @@
                 <a:latin typeface="Adobe 楷体 Std R" panose="02020400000000000000" pitchFamily="18" charset="-122"/>
                 <a:ea typeface="Adobe 楷体 Std R" panose="02020400000000000000" pitchFamily="18" charset="-122"/>
               </a:rPr>
-              <a:t>用人监督 </a:t>
+              <a:t>用人监督</a:t>
+            </a:r>
+            <a:r>
+              <a:rPr lang="en-US" altLang="zh-CN" b="1" dirty="0">
+                <a:latin typeface="Adobe 楷体 Std R" panose="02020400000000000000" pitchFamily="18" charset="-122"/>
+                <a:ea typeface="Adobe 楷体 Std R" panose="02020400000000000000" pitchFamily="18" charset="-122"/>
+                <a:sym typeface="Wingdings" panose="05000000000000000000" pitchFamily="2" charset="2"/>
+              </a:rPr>
+              <a:t></a:t>
+            </a:r>
+            <a:r>
+              <a:rPr lang="zh-CN" altLang="en-US" b="1" dirty="0">
+                <a:latin typeface="Adobe 楷体 Std R" panose="02020400000000000000" pitchFamily="18" charset="-122"/>
+                <a:ea typeface="Adobe 楷体 Std R" panose="02020400000000000000" pitchFamily="18" charset="-122"/>
+              </a:rPr>
+              <a:t> </a:t>
             </a:r>
             <a:r>
               <a:rPr lang="en-US" altLang="zh-CN" b="1" dirty="0">
@@ -10846,30 +10865,6 @@
           </a:p>
         </p:txBody>
       </p:sp>
-      <p:sp>
-        <p:nvSpPr>
-          <p:cNvPr id="3" name="内容占位符 2"/>
-          <p:cNvSpPr>
-            <a:spLocks noGrp="1"/>
-          </p:cNvSpPr>
-          <p:nvPr>
-            <p:ph idx="1"/>
-          </p:nvPr>
-        </p:nvSpPr>
-        <p:spPr>
-          <a:xfrm>
-            <a:off x="457200" y="1905000"/>
-            <a:ext cx="8229600" cy="4260304"/>
-          </a:xfrm>
-        </p:spPr>
-        <p:txBody>
-          <a:bodyPr/>
-          <a:lstStyle/>
-          <a:p>
-            <a:endParaRPr lang="zh-CN" altLang="en-US" dirty="0"/>
-          </a:p>
-        </p:txBody>
-      </p:sp>
       <p:pic>
         <p:nvPicPr>
           <p:cNvPr id="4" name="图片 3"/>
@@ -10892,7 +10887,7 @@
         </p:blipFill>
         <p:spPr>
           <a:xfrm>
-            <a:off x="899592" y="2492896"/>
+            <a:off x="1547664" y="2420888"/>
             <a:ext cx="5886450" cy="2686050"/>
           </a:xfrm>
           <a:prstGeom prst="rect">
@@ -11072,7 +11067,7 @@
         </p:blipFill>
         <p:spPr bwMode="auto">
           <a:xfrm>
-            <a:off x="4572000" y="3717032"/>
+            <a:off x="5076056" y="3861048"/>
             <a:ext cx="3304920" cy="2445642"/>
           </a:xfrm>
           <a:prstGeom prst="rect">
@@ -11625,7 +11620,7 @@
                 <a:latin typeface="Adobe 楷体 Std R" panose="02020400000000000000" pitchFamily="18" charset="-122"/>
                 <a:ea typeface="Adobe 楷体 Std R" panose="02020400000000000000" pitchFamily="18" charset="-122"/>
               </a:rPr>
-              <a:t>Redmine</a:t>
+              <a:t>Redmine/Ruby</a:t>
             </a:r>
           </a:p>
           <a:p>
@@ -12052,7 +12047,7 @@
         </p:nvSpPr>
         <p:spPr>
           <a:xfrm>
-            <a:off x="1763688" y="2708920"/>
+            <a:off x="1835696" y="2512553"/>
             <a:ext cx="5112568" cy="3444875"/>
           </a:xfrm>
         </p:spPr>
@@ -12241,6 +12236,20 @@
                 <a:ea typeface="Adobe 楷体 Std R" panose="02020400000000000000" pitchFamily="18" charset="-122"/>
               </a:rPr>
               <a:t>测试驱动开发</a:t>
+            </a:r>
+            <a:r>
+              <a:rPr lang="en-US" altLang="zh-CN" b="1" dirty="0">
+                <a:latin typeface="Adobe 楷体 Std R" panose="02020400000000000000" pitchFamily="18" charset="-122"/>
+                <a:ea typeface="Adobe 楷体 Std R" panose="02020400000000000000" pitchFamily="18" charset="-122"/>
+              </a:rPr>
+              <a:t>/</a:t>
+            </a:r>
+            <a:r>
+              <a:rPr lang="zh-CN" altLang="en-US" b="1" dirty="0">
+                <a:latin typeface="Adobe 楷体 Std R" panose="02020400000000000000" pitchFamily="18" charset="-122"/>
+                <a:ea typeface="Adobe 楷体 Std R" panose="02020400000000000000" pitchFamily="18" charset="-122"/>
+              </a:rPr>
+              <a:t>文档驱动开发</a:t>
             </a:r>
             <a:endParaRPr lang="en-US" altLang="zh-CN" b="1" dirty="0">
               <a:latin typeface="Adobe 楷体 Std R" panose="02020400000000000000" pitchFamily="18" charset="-122"/>
@@ -12611,28 +12620,6 @@
           <a:chExt cx="0" cy="0"/>
         </a:xfrm>
       </p:grpSpPr>
-      <p:sp>
-        <p:nvSpPr>
-          <p:cNvPr id="2" name="标题 1"/>
-          <p:cNvSpPr>
-            <a:spLocks noGrp="1"/>
-          </p:cNvSpPr>
-          <p:nvPr>
-            <p:ph type="title"/>
-          </p:nvPr>
-        </p:nvSpPr>
-        <p:spPr/>
-        <p:txBody>
-          <a:bodyPr/>
-          <a:lstStyle/>
-          <a:p>
-            <a:r>
-              <a:rPr lang="zh-CN" altLang="en-US" b="1" dirty="0"/>
-              <a:t>一个看板</a:t>
-            </a:r>
-          </a:p>
-        </p:txBody>
-      </p:sp>
       <p:pic>
         <p:nvPicPr>
           <p:cNvPr id="2050" name="Picture 2" descr="https://pic2.zhimg.com/80/4d81d8e5ddaf13f20589d9fe59794b42_hd.jpg"/>
@@ -12656,8 +12643,8 @@
         </p:blipFill>
         <p:spPr bwMode="auto">
           <a:xfrm>
-            <a:off x="1547664" y="2420888"/>
-            <a:ext cx="6274703" cy="3699336"/>
+            <a:off x="1106485" y="1268760"/>
+            <a:ext cx="7572544" cy="4464496"/>
           </a:xfrm>
           <a:prstGeom prst="rect">
             <a:avLst/>
